--- a/questionnaire_images/trans_measurement_illustrations_prep.pptx
+++ b/questionnaire_images/trans_measurement_illustrations_prep.pptx
@@ -5,7 +5,7 @@
     <p:sldMasterId id="2147483648" r:id="rId1"/>
   </p:sldMasterIdLst>
   <p:notesMasterIdLst>
-    <p:notesMasterId r:id="rId62"/>
+    <p:notesMasterId r:id="rId65"/>
   </p:notesMasterIdLst>
   <p:sldIdLst>
     <p:sldId id="263" r:id="rId2"/>
@@ -22,52 +22,55 @@
     <p:sldId id="278" r:id="rId13"/>
     <p:sldId id="273" r:id="rId14"/>
     <p:sldId id="270" r:id="rId15"/>
-    <p:sldId id="300" r:id="rId16"/>
-    <p:sldId id="274" r:id="rId17"/>
-    <p:sldId id="276" r:id="rId18"/>
-    <p:sldId id="289" r:id="rId19"/>
-    <p:sldId id="285" r:id="rId20"/>
-    <p:sldId id="320" r:id="rId21"/>
-    <p:sldId id="287" r:id="rId22"/>
-    <p:sldId id="304" r:id="rId23"/>
-    <p:sldId id="305" r:id="rId24"/>
-    <p:sldId id="307" r:id="rId25"/>
-    <p:sldId id="306" r:id="rId26"/>
-    <p:sldId id="311" r:id="rId27"/>
-    <p:sldId id="312" r:id="rId28"/>
-    <p:sldId id="313" r:id="rId29"/>
-    <p:sldId id="308" r:id="rId30"/>
-    <p:sldId id="286" r:id="rId31"/>
-    <p:sldId id="288" r:id="rId32"/>
-    <p:sldId id="279" r:id="rId33"/>
-    <p:sldId id="309" r:id="rId34"/>
-    <p:sldId id="277" r:id="rId35"/>
-    <p:sldId id="280" r:id="rId36"/>
-    <p:sldId id="281" r:id="rId37"/>
-    <p:sldId id="282" r:id="rId38"/>
-    <p:sldId id="283" r:id="rId39"/>
-    <p:sldId id="284" r:id="rId40"/>
-    <p:sldId id="296" r:id="rId41"/>
-    <p:sldId id="316" r:id="rId42"/>
-    <p:sldId id="319" r:id="rId43"/>
-    <p:sldId id="318" r:id="rId44"/>
-    <p:sldId id="290" r:id="rId45"/>
-    <p:sldId id="291" r:id="rId46"/>
-    <p:sldId id="314" r:id="rId47"/>
-    <p:sldId id="315" r:id="rId48"/>
-    <p:sldId id="292" r:id="rId49"/>
-    <p:sldId id="299" r:id="rId50"/>
-    <p:sldId id="294" r:id="rId51"/>
-    <p:sldId id="295" r:id="rId52"/>
-    <p:sldId id="297" r:id="rId53"/>
-    <p:sldId id="298" r:id="rId54"/>
-    <p:sldId id="321" r:id="rId55"/>
-    <p:sldId id="322" r:id="rId56"/>
-    <p:sldId id="323" r:id="rId57"/>
-    <p:sldId id="324" r:id="rId58"/>
-    <p:sldId id="325" r:id="rId59"/>
-    <p:sldId id="326" r:id="rId60"/>
-    <p:sldId id="327" r:id="rId61"/>
+    <p:sldId id="331" r:id="rId16"/>
+    <p:sldId id="300" r:id="rId17"/>
+    <p:sldId id="274" r:id="rId18"/>
+    <p:sldId id="276" r:id="rId19"/>
+    <p:sldId id="289" r:id="rId20"/>
+    <p:sldId id="285" r:id="rId21"/>
+    <p:sldId id="320" r:id="rId22"/>
+    <p:sldId id="287" r:id="rId23"/>
+    <p:sldId id="304" r:id="rId24"/>
+    <p:sldId id="305" r:id="rId25"/>
+    <p:sldId id="307" r:id="rId26"/>
+    <p:sldId id="306" r:id="rId27"/>
+    <p:sldId id="311" r:id="rId28"/>
+    <p:sldId id="312" r:id="rId29"/>
+    <p:sldId id="313" r:id="rId30"/>
+    <p:sldId id="328" r:id="rId31"/>
+    <p:sldId id="329" r:id="rId32"/>
+    <p:sldId id="308" r:id="rId33"/>
+    <p:sldId id="286" r:id="rId34"/>
+    <p:sldId id="288" r:id="rId35"/>
+    <p:sldId id="279" r:id="rId36"/>
+    <p:sldId id="309" r:id="rId37"/>
+    <p:sldId id="277" r:id="rId38"/>
+    <p:sldId id="280" r:id="rId39"/>
+    <p:sldId id="281" r:id="rId40"/>
+    <p:sldId id="282" r:id="rId41"/>
+    <p:sldId id="283" r:id="rId42"/>
+    <p:sldId id="284" r:id="rId43"/>
+    <p:sldId id="296" r:id="rId44"/>
+    <p:sldId id="316" r:id="rId45"/>
+    <p:sldId id="319" r:id="rId46"/>
+    <p:sldId id="318" r:id="rId47"/>
+    <p:sldId id="290" r:id="rId48"/>
+    <p:sldId id="291" r:id="rId49"/>
+    <p:sldId id="314" r:id="rId50"/>
+    <p:sldId id="315" r:id="rId51"/>
+    <p:sldId id="292" r:id="rId52"/>
+    <p:sldId id="299" r:id="rId53"/>
+    <p:sldId id="294" r:id="rId54"/>
+    <p:sldId id="295" r:id="rId55"/>
+    <p:sldId id="297" r:id="rId56"/>
+    <p:sldId id="298" r:id="rId57"/>
+    <p:sldId id="321" r:id="rId58"/>
+    <p:sldId id="322" r:id="rId59"/>
+    <p:sldId id="323" r:id="rId60"/>
+    <p:sldId id="324" r:id="rId61"/>
+    <p:sldId id="325" r:id="rId62"/>
+    <p:sldId id="326" r:id="rId63"/>
+    <p:sldId id="327" r:id="rId64"/>
   </p:sldIdLst>
   <p:sldSz cx="12192000" cy="6858000"/>
   <p:notesSz cx="6858000" cy="9144000"/>
@@ -256,7 +259,7 @@
           <a:p>
             <a:fld id="{479D7E27-1499-4D7A-B74E-2AEF2D360ED7}" type="datetimeFigureOut">
               <a:rPr lang="en-GB" smtClean="0"/>
-              <a:t>14/01/2026</a:t>
+              <a:t>17/01/2026</a:t>
             </a:fld>
             <a:endParaRPr lang="en-GB"/>
           </a:p>
@@ -673,7 +676,7 @@
           <a:p>
             <a:fld id="{68E80C51-472E-48C5-AE2C-2874F5A96778}" type="datetimeFigureOut">
               <a:rPr lang="en-GB" smtClean="0"/>
-              <a:t>14/01/2026</a:t>
+              <a:t>17/01/2026</a:t>
             </a:fld>
             <a:endParaRPr lang="en-GB"/>
           </a:p>
@@ -873,7 +876,7 @@
           <a:p>
             <a:fld id="{68E80C51-472E-48C5-AE2C-2874F5A96778}" type="datetimeFigureOut">
               <a:rPr lang="en-GB" smtClean="0"/>
-              <a:t>14/01/2026</a:t>
+              <a:t>17/01/2026</a:t>
             </a:fld>
             <a:endParaRPr lang="en-GB"/>
           </a:p>
@@ -1083,7 +1086,7 @@
           <a:p>
             <a:fld id="{68E80C51-472E-48C5-AE2C-2874F5A96778}" type="datetimeFigureOut">
               <a:rPr lang="en-GB" smtClean="0"/>
-              <a:t>14/01/2026</a:t>
+              <a:t>17/01/2026</a:t>
             </a:fld>
             <a:endParaRPr lang="en-GB"/>
           </a:p>
@@ -1283,7 +1286,7 @@
           <a:p>
             <a:fld id="{68E80C51-472E-48C5-AE2C-2874F5A96778}" type="datetimeFigureOut">
               <a:rPr lang="en-GB" smtClean="0"/>
-              <a:t>14/01/2026</a:t>
+              <a:t>17/01/2026</a:t>
             </a:fld>
             <a:endParaRPr lang="en-GB"/>
           </a:p>
@@ -1559,7 +1562,7 @@
           <a:p>
             <a:fld id="{68E80C51-472E-48C5-AE2C-2874F5A96778}" type="datetimeFigureOut">
               <a:rPr lang="en-GB" smtClean="0"/>
-              <a:t>14/01/2026</a:t>
+              <a:t>17/01/2026</a:t>
             </a:fld>
             <a:endParaRPr lang="en-GB"/>
           </a:p>
@@ -1827,7 +1830,7 @@
           <a:p>
             <a:fld id="{68E80C51-472E-48C5-AE2C-2874F5A96778}" type="datetimeFigureOut">
               <a:rPr lang="en-GB" smtClean="0"/>
-              <a:t>14/01/2026</a:t>
+              <a:t>17/01/2026</a:t>
             </a:fld>
             <a:endParaRPr lang="en-GB"/>
           </a:p>
@@ -2242,7 +2245,7 @@
           <a:p>
             <a:fld id="{68E80C51-472E-48C5-AE2C-2874F5A96778}" type="datetimeFigureOut">
               <a:rPr lang="en-GB" smtClean="0"/>
-              <a:t>14/01/2026</a:t>
+              <a:t>17/01/2026</a:t>
             </a:fld>
             <a:endParaRPr lang="en-GB"/>
           </a:p>
@@ -2384,7 +2387,7 @@
           <a:p>
             <a:fld id="{68E80C51-472E-48C5-AE2C-2874F5A96778}" type="datetimeFigureOut">
               <a:rPr lang="en-GB" smtClean="0"/>
-              <a:t>14/01/2026</a:t>
+              <a:t>17/01/2026</a:t>
             </a:fld>
             <a:endParaRPr lang="en-GB"/>
           </a:p>
@@ -2497,7 +2500,7 @@
           <a:p>
             <a:fld id="{68E80C51-472E-48C5-AE2C-2874F5A96778}" type="datetimeFigureOut">
               <a:rPr lang="en-GB" smtClean="0"/>
-              <a:t>14/01/2026</a:t>
+              <a:t>17/01/2026</a:t>
             </a:fld>
             <a:endParaRPr lang="en-GB"/>
           </a:p>
@@ -2810,7 +2813,7 @@
           <a:p>
             <a:fld id="{68E80C51-472E-48C5-AE2C-2874F5A96778}" type="datetimeFigureOut">
               <a:rPr lang="en-GB" smtClean="0"/>
-              <a:t>14/01/2026</a:t>
+              <a:t>17/01/2026</a:t>
             </a:fld>
             <a:endParaRPr lang="en-GB"/>
           </a:p>
@@ -3099,7 +3102,7 @@
           <a:p>
             <a:fld id="{68E80C51-472E-48C5-AE2C-2874F5A96778}" type="datetimeFigureOut">
               <a:rPr lang="en-GB" smtClean="0"/>
-              <a:t>14/01/2026</a:t>
+              <a:t>17/01/2026</a:t>
             </a:fld>
             <a:endParaRPr lang="en-GB"/>
           </a:p>
@@ -3342,7 +3345,7 @@
           <a:p>
             <a:fld id="{68E80C51-472E-48C5-AE2C-2874F5A96778}" type="datetimeFigureOut">
               <a:rPr lang="en-GB" smtClean="0"/>
-              <a:t>14/01/2026</a:t>
+              <a:t>17/01/2026</a:t>
             </a:fld>
             <a:endParaRPr lang="en-GB"/>
           </a:p>
@@ -6215,6 +6218,666 @@
         <p:cNvPr id="1" name="">
           <a:extLst>
             <a:ext uri="{FF2B5EF4-FFF2-40B4-BE49-F238E27FC236}">
+              <a16:creationId xmlns:a16="http://schemas.microsoft.com/office/drawing/2014/main" id="{D8CAF484-FDD9-5A77-1529-ADCDC244B0B2}"/>
+            </a:ext>
+          </a:extLst>
+        </p:cNvPr>
+        <p:cNvGrpSpPr/>
+        <p:nvPr/>
+      </p:nvGrpSpPr>
+      <p:grpSpPr>
+        <a:xfrm>
+          <a:off x="0" y="0"/>
+          <a:ext cx="0" cy="0"/>
+          <a:chOff x="0" y="0"/>
+          <a:chExt cx="0" cy="0"/>
+        </a:xfrm>
+      </p:grpSpPr>
+      <p:pic>
+        <p:nvPicPr>
+          <p:cNvPr id="37" name="Graphic 36">
+            <a:extLst>
+              <a:ext uri="{FF2B5EF4-FFF2-40B4-BE49-F238E27FC236}">
+                <a16:creationId xmlns:a16="http://schemas.microsoft.com/office/drawing/2014/main" id="{635342DA-0CCB-5D6C-EDE6-A203EBBEC92D}"/>
+              </a:ext>
+            </a:extLst>
+          </p:cNvPr>
+          <p:cNvPicPr>
+            <a:picLocks noChangeAspect="1"/>
+          </p:cNvPicPr>
+          <p:nvPr/>
+        </p:nvPicPr>
+        <p:blipFill>
+          <a:blip r:embed="rId2">
+            <a:extLst>
+              <a:ext uri="{96DAC541-7B7A-43D3-8B79-37D633B846F1}">
+                <asvg:svgBlip xmlns:asvg="http://schemas.microsoft.com/office/drawing/2016/SVG/main" r:embed="rId3"/>
+              </a:ext>
+            </a:extLst>
+          </a:blip>
+          <a:srcRect l="26452" t="22593" r="53705" b="48162"/>
+          <a:stretch>
+            <a:fillRect/>
+          </a:stretch>
+        </p:blipFill>
+        <p:spPr>
+          <a:xfrm>
+            <a:off x="5105264" y="2271417"/>
+            <a:ext cx="897816" cy="1576875"/>
+          </a:xfrm>
+          <a:prstGeom prst="rect">
+            <a:avLst/>
+          </a:prstGeom>
+        </p:spPr>
+      </p:pic>
+      <p:pic>
+        <p:nvPicPr>
+          <p:cNvPr id="4" name="Graphic 3">
+            <a:extLst>
+              <a:ext uri="{FF2B5EF4-FFF2-40B4-BE49-F238E27FC236}">
+                <a16:creationId xmlns:a16="http://schemas.microsoft.com/office/drawing/2014/main" id="{AF98C157-4818-BA5B-2E05-D757F93B79F6}"/>
+              </a:ext>
+            </a:extLst>
+          </p:cNvPr>
+          <p:cNvPicPr>
+            <a:picLocks noChangeAspect="1"/>
+          </p:cNvPicPr>
+          <p:nvPr/>
+        </p:nvPicPr>
+        <p:blipFill>
+          <a:blip r:embed="rId4">
+            <a:extLst>
+              <a:ext uri="{96DAC541-7B7A-43D3-8B79-37D633B846F1}">
+                <asvg:svgBlip xmlns:asvg="http://schemas.microsoft.com/office/drawing/2016/SVG/main" r:embed="rId5"/>
+              </a:ext>
+            </a:extLst>
+          </a:blip>
+          <a:stretch>
+            <a:fillRect/>
+          </a:stretch>
+        </p:blipFill>
+        <p:spPr>
+          <a:xfrm>
+            <a:off x="3536303" y="864299"/>
+            <a:ext cx="5390122" cy="5390122"/>
+          </a:xfrm>
+          <a:prstGeom prst="rect">
+            <a:avLst/>
+          </a:prstGeom>
+        </p:spPr>
+      </p:pic>
+      <p:pic>
+        <p:nvPicPr>
+          <p:cNvPr id="30" name="Graphic 29">
+            <a:extLst>
+              <a:ext uri="{FF2B5EF4-FFF2-40B4-BE49-F238E27FC236}">
+                <a16:creationId xmlns:a16="http://schemas.microsoft.com/office/drawing/2014/main" id="{5BEF3A9E-20D0-C67D-6657-D46BEEA5A70B}"/>
+              </a:ext>
+            </a:extLst>
+          </p:cNvPr>
+          <p:cNvPicPr>
+            <a:picLocks noChangeAspect="1"/>
+          </p:cNvPicPr>
+          <p:nvPr/>
+        </p:nvPicPr>
+        <p:blipFill>
+          <a:blip r:embed="rId6">
+            <a:extLst>
+              <a:ext uri="{96DAC541-7B7A-43D3-8B79-37D633B846F1}">
+                <asvg:svgBlip xmlns:asvg="http://schemas.microsoft.com/office/drawing/2016/SVG/main" r:embed="rId7"/>
+              </a:ext>
+            </a:extLst>
+          </a:blip>
+          <a:srcRect l="10501" t="21951" b="32870"/>
+          <a:stretch>
+            <a:fillRect/>
+          </a:stretch>
+        </p:blipFill>
+        <p:spPr>
+          <a:xfrm>
+            <a:off x="4102363" y="2047490"/>
+            <a:ext cx="4824062" cy="2435282"/>
+          </a:xfrm>
+          <a:prstGeom prst="pentagon">
+            <a:avLst/>
+          </a:prstGeom>
+        </p:spPr>
+      </p:pic>
+      <p:pic>
+        <p:nvPicPr>
+          <p:cNvPr id="3" name="Graphic 2">
+            <a:extLst>
+              <a:ext uri="{FF2B5EF4-FFF2-40B4-BE49-F238E27FC236}">
+                <a16:creationId xmlns:a16="http://schemas.microsoft.com/office/drawing/2014/main" id="{4A1E9BA6-571F-288A-03FB-E6339CED56B2}"/>
+              </a:ext>
+            </a:extLst>
+          </p:cNvPr>
+          <p:cNvPicPr>
+            <a:picLocks noChangeAspect="1"/>
+          </p:cNvPicPr>
+          <p:nvPr/>
+        </p:nvPicPr>
+        <p:blipFill>
+          <a:blip r:embed="rId8">
+            <a:extLst>
+              <a:ext uri="{96DAC541-7B7A-43D3-8B79-37D633B846F1}">
+                <asvg:svgBlip xmlns:asvg="http://schemas.microsoft.com/office/drawing/2016/SVG/main" r:embed="rId9"/>
+              </a:ext>
+            </a:extLst>
+          </a:blip>
+          <a:stretch>
+            <a:fillRect/>
+          </a:stretch>
+        </p:blipFill>
+        <p:spPr>
+          <a:xfrm>
+            <a:off x="382555" y="733038"/>
+            <a:ext cx="5391924" cy="5391924"/>
+          </a:xfrm>
+          <a:prstGeom prst="rect">
+            <a:avLst/>
+          </a:prstGeom>
+        </p:spPr>
+      </p:pic>
+      <p:cxnSp>
+        <p:nvCxnSpPr>
+          <p:cNvPr id="6" name="Straight Arrow Connector 5">
+            <a:extLst>
+              <a:ext uri="{FF2B5EF4-FFF2-40B4-BE49-F238E27FC236}">
+                <a16:creationId xmlns:a16="http://schemas.microsoft.com/office/drawing/2014/main" id="{AA834805-720B-D1B5-DA23-29356EFDC6C8}"/>
+              </a:ext>
+            </a:extLst>
+          </p:cNvPr>
+          <p:cNvCxnSpPr>
+            <a:cxnSpLocks/>
+          </p:cNvCxnSpPr>
+          <p:nvPr/>
+        </p:nvCxnSpPr>
+        <p:spPr>
+          <a:xfrm flipH="1">
+            <a:off x="3088432" y="3195150"/>
+            <a:ext cx="186613" cy="1595536"/>
+          </a:xfrm>
+          <a:prstGeom prst="straightConnector1">
+            <a:avLst/>
+          </a:prstGeom>
+          <a:ln w="38100">
+            <a:solidFill>
+              <a:srgbClr val="FF99FF"/>
+            </a:solidFill>
+            <a:headEnd type="none" w="med" len="med"/>
+            <a:tailEnd type="none" w="med" len="med"/>
+          </a:ln>
+        </p:spPr>
+        <p:style>
+          <a:lnRef idx="1">
+            <a:schemeClr val="accent1"/>
+          </a:lnRef>
+          <a:fillRef idx="0">
+            <a:schemeClr val="accent1"/>
+          </a:fillRef>
+          <a:effectRef idx="0">
+            <a:schemeClr val="accent1"/>
+          </a:effectRef>
+          <a:fontRef idx="minor">
+            <a:schemeClr val="tx1"/>
+          </a:fontRef>
+        </p:style>
+      </p:cxnSp>
+      <p:cxnSp>
+        <p:nvCxnSpPr>
+          <p:cNvPr id="9" name="Straight Arrow Connector 8">
+            <a:extLst>
+              <a:ext uri="{FF2B5EF4-FFF2-40B4-BE49-F238E27FC236}">
+                <a16:creationId xmlns:a16="http://schemas.microsoft.com/office/drawing/2014/main" id="{9FADD31F-A37B-4C9B-772E-C2C479449EDC}"/>
+              </a:ext>
+            </a:extLst>
+          </p:cNvPr>
+          <p:cNvCxnSpPr>
+            <a:cxnSpLocks/>
+          </p:cNvCxnSpPr>
+          <p:nvPr/>
+        </p:nvCxnSpPr>
+        <p:spPr>
+          <a:xfrm flipH="1">
+            <a:off x="6251510" y="3489064"/>
+            <a:ext cx="177283" cy="1301622"/>
+          </a:xfrm>
+          <a:prstGeom prst="straightConnector1">
+            <a:avLst/>
+          </a:prstGeom>
+          <a:ln w="38100">
+            <a:solidFill>
+              <a:srgbClr val="FF99FF"/>
+            </a:solidFill>
+            <a:headEnd type="none" w="med" len="med"/>
+            <a:tailEnd type="none" w="med" len="med"/>
+          </a:ln>
+        </p:spPr>
+        <p:style>
+          <a:lnRef idx="1">
+            <a:schemeClr val="accent1"/>
+          </a:lnRef>
+          <a:fillRef idx="0">
+            <a:schemeClr val="accent1"/>
+          </a:fillRef>
+          <a:effectRef idx="0">
+            <a:schemeClr val="accent1"/>
+          </a:effectRef>
+          <a:fontRef idx="minor">
+            <a:schemeClr val="tx1"/>
+          </a:fontRef>
+        </p:style>
+      </p:cxnSp>
+      <p:cxnSp>
+        <p:nvCxnSpPr>
+          <p:cNvPr id="19" name="Straight Arrow Connector 18">
+            <a:extLst>
+              <a:ext uri="{FF2B5EF4-FFF2-40B4-BE49-F238E27FC236}">
+                <a16:creationId xmlns:a16="http://schemas.microsoft.com/office/drawing/2014/main" id="{9AF49145-C2A6-71AE-0406-476F21347226}"/>
+              </a:ext>
+            </a:extLst>
+          </p:cNvPr>
+          <p:cNvCxnSpPr>
+            <a:cxnSpLocks/>
+          </p:cNvCxnSpPr>
+          <p:nvPr/>
+        </p:nvCxnSpPr>
+        <p:spPr>
+          <a:xfrm>
+            <a:off x="6316824" y="3489064"/>
+            <a:ext cx="839755" cy="0"/>
+          </a:xfrm>
+          <a:prstGeom prst="straightConnector1">
+            <a:avLst/>
+          </a:prstGeom>
+          <a:ln w="38100">
+            <a:solidFill>
+              <a:srgbClr val="FF99FF"/>
+            </a:solidFill>
+            <a:headEnd type="none" w="med" len="med"/>
+            <a:tailEnd type="none" w="med" len="med"/>
+          </a:ln>
+        </p:spPr>
+        <p:style>
+          <a:lnRef idx="1">
+            <a:schemeClr val="accent1"/>
+          </a:lnRef>
+          <a:fillRef idx="0">
+            <a:schemeClr val="accent1"/>
+          </a:fillRef>
+          <a:effectRef idx="0">
+            <a:schemeClr val="accent1"/>
+          </a:effectRef>
+          <a:fontRef idx="minor">
+            <a:schemeClr val="tx1"/>
+          </a:fontRef>
+        </p:style>
+      </p:cxnSp>
+      <p:cxnSp>
+        <p:nvCxnSpPr>
+          <p:cNvPr id="28" name="Straight Arrow Connector 27">
+            <a:extLst>
+              <a:ext uri="{FF2B5EF4-FFF2-40B4-BE49-F238E27FC236}">
+                <a16:creationId xmlns:a16="http://schemas.microsoft.com/office/drawing/2014/main" id="{9F76EC48-75C1-9022-B472-8EC6F163A8F8}"/>
+              </a:ext>
+            </a:extLst>
+          </p:cNvPr>
+          <p:cNvCxnSpPr>
+            <a:cxnSpLocks/>
+          </p:cNvCxnSpPr>
+          <p:nvPr/>
+        </p:nvCxnSpPr>
+        <p:spPr>
+          <a:xfrm>
+            <a:off x="3175520" y="3349105"/>
+            <a:ext cx="839755" cy="0"/>
+          </a:xfrm>
+          <a:prstGeom prst="straightConnector1">
+            <a:avLst/>
+          </a:prstGeom>
+          <a:ln w="38100">
+            <a:solidFill>
+              <a:srgbClr val="FF99FF"/>
+            </a:solidFill>
+            <a:headEnd type="none" w="med" len="med"/>
+            <a:tailEnd type="none" w="med" len="med"/>
+          </a:ln>
+        </p:spPr>
+        <p:style>
+          <a:lnRef idx="1">
+            <a:schemeClr val="accent1"/>
+          </a:lnRef>
+          <a:fillRef idx="0">
+            <a:schemeClr val="accent1"/>
+          </a:fillRef>
+          <a:effectRef idx="0">
+            <a:schemeClr val="accent1"/>
+          </a:effectRef>
+          <a:fontRef idx="minor">
+            <a:schemeClr val="tx1"/>
+          </a:fontRef>
+        </p:style>
+      </p:cxnSp>
+      <p:cxnSp>
+        <p:nvCxnSpPr>
+          <p:cNvPr id="13" name="Straight Arrow Connector 12">
+            <a:extLst>
+              <a:ext uri="{FF2B5EF4-FFF2-40B4-BE49-F238E27FC236}">
+                <a16:creationId xmlns:a16="http://schemas.microsoft.com/office/drawing/2014/main" id="{281E54C5-21EB-E166-3280-C0BA1E6B2050}"/>
+              </a:ext>
+            </a:extLst>
+          </p:cNvPr>
+          <p:cNvCxnSpPr>
+            <a:cxnSpLocks/>
+          </p:cNvCxnSpPr>
+          <p:nvPr/>
+        </p:nvCxnSpPr>
+        <p:spPr>
+          <a:xfrm>
+            <a:off x="1399591" y="3349105"/>
+            <a:ext cx="1875454" cy="0"/>
+          </a:xfrm>
+          <a:prstGeom prst="straightConnector1">
+            <a:avLst/>
+          </a:prstGeom>
+          <a:ln w="38100">
+            <a:solidFill>
+              <a:srgbClr val="CCFF99"/>
+            </a:solidFill>
+            <a:headEnd type="none" w="med" len="med"/>
+            <a:tailEnd type="triangle" w="med" len="med"/>
+          </a:ln>
+        </p:spPr>
+        <p:style>
+          <a:lnRef idx="1">
+            <a:schemeClr val="accent1"/>
+          </a:lnRef>
+          <a:fillRef idx="0">
+            <a:schemeClr val="accent1"/>
+          </a:fillRef>
+          <a:effectRef idx="0">
+            <a:schemeClr val="accent1"/>
+          </a:effectRef>
+          <a:fontRef idx="minor">
+            <a:schemeClr val="tx1"/>
+          </a:fontRef>
+        </p:style>
+      </p:cxnSp>
+      <p:cxnSp>
+        <p:nvCxnSpPr>
+          <p:cNvPr id="17" name="Straight Arrow Connector 16">
+            <a:extLst>
+              <a:ext uri="{FF2B5EF4-FFF2-40B4-BE49-F238E27FC236}">
+                <a16:creationId xmlns:a16="http://schemas.microsoft.com/office/drawing/2014/main" id="{97F21B32-14BF-0B56-71A7-F3D490451E15}"/>
+              </a:ext>
+            </a:extLst>
+          </p:cNvPr>
+          <p:cNvCxnSpPr>
+            <a:cxnSpLocks/>
+          </p:cNvCxnSpPr>
+          <p:nvPr/>
+        </p:nvCxnSpPr>
+        <p:spPr>
+          <a:xfrm>
+            <a:off x="5206482" y="3489064"/>
+            <a:ext cx="1222311" cy="0"/>
+          </a:xfrm>
+          <a:prstGeom prst="straightConnector1">
+            <a:avLst/>
+          </a:prstGeom>
+          <a:ln w="38100">
+            <a:solidFill>
+              <a:srgbClr val="CCFF99"/>
+            </a:solidFill>
+            <a:headEnd type="none" w="med" len="med"/>
+            <a:tailEnd type="triangle" w="med" len="med"/>
+          </a:ln>
+        </p:spPr>
+        <p:style>
+          <a:lnRef idx="1">
+            <a:schemeClr val="accent1"/>
+          </a:lnRef>
+          <a:fillRef idx="0">
+            <a:schemeClr val="accent1"/>
+          </a:fillRef>
+          <a:effectRef idx="0">
+            <a:schemeClr val="accent1"/>
+          </a:effectRef>
+          <a:fontRef idx="minor">
+            <a:schemeClr val="tx1"/>
+          </a:fontRef>
+        </p:style>
+      </p:cxnSp>
+      <p:pic>
+        <p:nvPicPr>
+          <p:cNvPr id="31" name="Graphic 30">
+            <a:extLst>
+              <a:ext uri="{FF2B5EF4-FFF2-40B4-BE49-F238E27FC236}">
+                <a16:creationId xmlns:a16="http://schemas.microsoft.com/office/drawing/2014/main" id="{FA1C28D6-6357-4D54-B209-ED49578189D9}"/>
+              </a:ext>
+            </a:extLst>
+          </p:cNvPr>
+          <p:cNvPicPr>
+            <a:picLocks noChangeAspect="1"/>
+          </p:cNvPicPr>
+          <p:nvPr/>
+        </p:nvPicPr>
+        <p:blipFill>
+          <a:blip r:embed="rId4">
+            <a:extLst>
+              <a:ext uri="{96DAC541-7B7A-43D3-8B79-37D633B846F1}">
+                <asvg:svgBlip xmlns:asvg="http://schemas.microsoft.com/office/drawing/2016/SVG/main" r:embed="rId5"/>
+              </a:ext>
+            </a:extLst>
+          </a:blip>
+          <a:srcRect l="46371" t="26452" r="34393" b="51304"/>
+          <a:stretch>
+            <a:fillRect/>
+          </a:stretch>
+        </p:blipFill>
+        <p:spPr>
+          <a:xfrm>
+            <a:off x="6035737" y="2290082"/>
+            <a:ext cx="1036867" cy="1198982"/>
+          </a:xfrm>
+          <a:prstGeom prst="ellipse">
+            <a:avLst/>
+          </a:prstGeom>
+        </p:spPr>
+      </p:pic>
+      <p:pic>
+        <p:nvPicPr>
+          <p:cNvPr id="32" name="Graphic 31">
+            <a:extLst>
+              <a:ext uri="{FF2B5EF4-FFF2-40B4-BE49-F238E27FC236}">
+                <a16:creationId xmlns:a16="http://schemas.microsoft.com/office/drawing/2014/main" id="{CC084E2F-3239-216A-13C4-46ED3EE9C068}"/>
+              </a:ext>
+            </a:extLst>
+          </p:cNvPr>
+          <p:cNvPicPr>
+            <a:picLocks noChangeAspect="1"/>
+          </p:cNvPicPr>
+          <p:nvPr/>
+        </p:nvPicPr>
+        <p:blipFill>
+          <a:blip r:embed="rId4">
+            <a:extLst>
+              <a:ext uri="{96DAC541-7B7A-43D3-8B79-37D633B846F1}">
+                <asvg:svgBlip xmlns:asvg="http://schemas.microsoft.com/office/drawing/2016/SVG/main" r:embed="rId5"/>
+              </a:ext>
+            </a:extLst>
+          </a:blip>
+          <a:stretch>
+            <a:fillRect/>
+          </a:stretch>
+        </p:blipFill>
+        <p:spPr>
+          <a:xfrm>
+            <a:off x="6905824" y="864299"/>
+            <a:ext cx="5390122" cy="5390122"/>
+          </a:xfrm>
+          <a:prstGeom prst="rect">
+            <a:avLst/>
+          </a:prstGeom>
+        </p:spPr>
+      </p:pic>
+      <p:cxnSp>
+        <p:nvCxnSpPr>
+          <p:cNvPr id="33" name="Straight Arrow Connector 32">
+            <a:extLst>
+              <a:ext uri="{FF2B5EF4-FFF2-40B4-BE49-F238E27FC236}">
+                <a16:creationId xmlns:a16="http://schemas.microsoft.com/office/drawing/2014/main" id="{4F1F814E-4241-3D59-12D5-BEA453230C68}"/>
+              </a:ext>
+            </a:extLst>
+          </p:cNvPr>
+          <p:cNvCxnSpPr>
+            <a:cxnSpLocks/>
+          </p:cNvCxnSpPr>
+          <p:nvPr/>
+        </p:nvCxnSpPr>
+        <p:spPr>
+          <a:xfrm flipH="1">
+            <a:off x="9621031" y="3489064"/>
+            <a:ext cx="177283" cy="1301622"/>
+          </a:xfrm>
+          <a:prstGeom prst="straightConnector1">
+            <a:avLst/>
+          </a:prstGeom>
+          <a:ln w="38100">
+            <a:solidFill>
+              <a:srgbClr val="FF99FF"/>
+            </a:solidFill>
+            <a:headEnd type="none" w="med" len="med"/>
+            <a:tailEnd type="none" w="med" len="med"/>
+          </a:ln>
+        </p:spPr>
+        <p:style>
+          <a:lnRef idx="1">
+            <a:schemeClr val="accent1"/>
+          </a:lnRef>
+          <a:fillRef idx="0">
+            <a:schemeClr val="accent1"/>
+          </a:fillRef>
+          <a:effectRef idx="0">
+            <a:schemeClr val="accent1"/>
+          </a:effectRef>
+          <a:fontRef idx="minor">
+            <a:schemeClr val="tx1"/>
+          </a:fontRef>
+        </p:style>
+      </p:cxnSp>
+      <p:cxnSp>
+        <p:nvCxnSpPr>
+          <p:cNvPr id="34" name="Straight Arrow Connector 33">
+            <a:extLst>
+              <a:ext uri="{FF2B5EF4-FFF2-40B4-BE49-F238E27FC236}">
+                <a16:creationId xmlns:a16="http://schemas.microsoft.com/office/drawing/2014/main" id="{3346F49B-76CB-8B18-5313-6F65BDD1BF99}"/>
+              </a:ext>
+            </a:extLst>
+          </p:cNvPr>
+          <p:cNvCxnSpPr>
+            <a:cxnSpLocks/>
+          </p:cNvCxnSpPr>
+          <p:nvPr/>
+        </p:nvCxnSpPr>
+        <p:spPr>
+          <a:xfrm>
+            <a:off x="9686345" y="3489064"/>
+            <a:ext cx="839755" cy="0"/>
+          </a:xfrm>
+          <a:prstGeom prst="straightConnector1">
+            <a:avLst/>
+          </a:prstGeom>
+          <a:ln w="38100">
+            <a:solidFill>
+              <a:srgbClr val="FF99FF"/>
+            </a:solidFill>
+            <a:headEnd type="none" w="med" len="med"/>
+            <a:tailEnd type="none" w="med" len="med"/>
+          </a:ln>
+        </p:spPr>
+        <p:style>
+          <a:lnRef idx="1">
+            <a:schemeClr val="accent1"/>
+          </a:lnRef>
+          <a:fillRef idx="0">
+            <a:schemeClr val="accent1"/>
+          </a:fillRef>
+          <a:effectRef idx="0">
+            <a:schemeClr val="accent1"/>
+          </a:effectRef>
+          <a:fontRef idx="minor">
+            <a:schemeClr val="tx1"/>
+          </a:fontRef>
+        </p:style>
+      </p:cxnSp>
+      <p:cxnSp>
+        <p:nvCxnSpPr>
+          <p:cNvPr id="35" name="Straight Arrow Connector 34">
+            <a:extLst>
+              <a:ext uri="{FF2B5EF4-FFF2-40B4-BE49-F238E27FC236}">
+                <a16:creationId xmlns:a16="http://schemas.microsoft.com/office/drawing/2014/main" id="{E00CF8DC-8FCE-5680-1961-7D4220123D28}"/>
+              </a:ext>
+            </a:extLst>
+          </p:cNvPr>
+          <p:cNvCxnSpPr>
+            <a:cxnSpLocks/>
+          </p:cNvCxnSpPr>
+          <p:nvPr/>
+        </p:nvCxnSpPr>
+        <p:spPr>
+          <a:xfrm>
+            <a:off x="8683304" y="3489064"/>
+            <a:ext cx="1115010" cy="0"/>
+          </a:xfrm>
+          <a:prstGeom prst="straightConnector1">
+            <a:avLst/>
+          </a:prstGeom>
+          <a:ln w="38100">
+            <a:solidFill>
+              <a:srgbClr val="CCFF99"/>
+            </a:solidFill>
+            <a:headEnd type="none" w="med" len="med"/>
+            <a:tailEnd type="triangle" w="med" len="med"/>
+          </a:ln>
+        </p:spPr>
+        <p:style>
+          <a:lnRef idx="1">
+            <a:schemeClr val="accent1"/>
+          </a:lnRef>
+          <a:fillRef idx="0">
+            <a:schemeClr val="accent1"/>
+          </a:fillRef>
+          <a:effectRef idx="0">
+            <a:schemeClr val="accent1"/>
+          </a:effectRef>
+          <a:fontRef idx="minor">
+            <a:schemeClr val="tx1"/>
+          </a:fontRef>
+        </p:style>
+      </p:cxnSp>
+    </p:spTree>
+    <p:extLst>
+      <p:ext uri="{BB962C8B-B14F-4D97-AF65-F5344CB8AC3E}">
+        <p14:creationId xmlns:p14="http://schemas.microsoft.com/office/powerpoint/2010/main" val="3810034243"/>
+      </p:ext>
+    </p:extLst>
+  </p:cSld>
+  <p:clrMapOvr>
+    <a:masterClrMapping/>
+  </p:clrMapOvr>
+</p:sld>
+</file>
+
+<file path=ppt/slides/slide16.xml><?xml version="1.0" encoding="utf-8"?>
+<p:sld xmlns:a="http://schemas.openxmlformats.org/drawingml/2006/main" xmlns:r="http://schemas.openxmlformats.org/officeDocument/2006/relationships" xmlns:p="http://schemas.openxmlformats.org/presentationml/2006/main">
+  <p:cSld>
+    <p:spTree>
+      <p:nvGrpSpPr>
+        <p:cNvPr id="1" name="">
+          <a:extLst>
+            <a:ext uri="{FF2B5EF4-FFF2-40B4-BE49-F238E27FC236}">
               <a16:creationId xmlns:a16="http://schemas.microsoft.com/office/drawing/2014/main" id="{0810A439-746B-AADC-FD9F-B25135FBAA03}"/>
             </a:ext>
           </a:extLst>
@@ -6495,7 +7158,7 @@
 </p:sld>
 </file>
 
-<file path=ppt/slides/slide16.xml><?xml version="1.0" encoding="utf-8"?>
+<file path=ppt/slides/slide17.xml><?xml version="1.0" encoding="utf-8"?>
 <p:sld xmlns:a="http://schemas.openxmlformats.org/drawingml/2006/main" xmlns:r="http://schemas.openxmlformats.org/officeDocument/2006/relationships" xmlns:p="http://schemas.openxmlformats.org/presentationml/2006/main">
   <p:cSld>
     <p:spTree>
@@ -6669,7 +7332,7 @@
 </p:sld>
 </file>
 
-<file path=ppt/slides/slide17.xml><?xml version="1.0" encoding="utf-8"?>
+<file path=ppt/slides/slide18.xml><?xml version="1.0" encoding="utf-8"?>
 <p:sld xmlns:a="http://schemas.openxmlformats.org/drawingml/2006/main" xmlns:r="http://schemas.openxmlformats.org/officeDocument/2006/relationships" xmlns:p="http://schemas.openxmlformats.org/presentationml/2006/main">
   <p:cSld>
     <p:spTree>
@@ -6942,7 +7605,7 @@
 </p:sld>
 </file>
 
-<file path=ppt/slides/slide18.xml><?xml version="1.0" encoding="utf-8"?>
+<file path=ppt/slides/slide19.xml><?xml version="1.0" encoding="utf-8"?>
 <p:sld xmlns:a="http://schemas.openxmlformats.org/drawingml/2006/main" xmlns:r="http://schemas.openxmlformats.org/officeDocument/2006/relationships" xmlns:p="http://schemas.openxmlformats.org/presentationml/2006/main">
   <p:cSld>
     <p:spTree>
@@ -7908,753 +8571,6 @@
     <p:extLst>
       <p:ext uri="{BB962C8B-B14F-4D97-AF65-F5344CB8AC3E}">
         <p14:creationId xmlns:p14="http://schemas.microsoft.com/office/powerpoint/2010/main" val="2220006306"/>
-      </p:ext>
-    </p:extLst>
-  </p:cSld>
-  <p:clrMapOvr>
-    <a:masterClrMapping/>
-  </p:clrMapOvr>
-</p:sld>
-</file>
-
-<file path=ppt/slides/slide19.xml><?xml version="1.0" encoding="utf-8"?>
-<p:sld xmlns:a="http://schemas.openxmlformats.org/drawingml/2006/main" xmlns:r="http://schemas.openxmlformats.org/officeDocument/2006/relationships" xmlns:p="http://schemas.openxmlformats.org/presentationml/2006/main">
-  <p:cSld>
-    <p:spTree>
-      <p:nvGrpSpPr>
-        <p:cNvPr id="1" name="">
-          <a:extLst>
-            <a:ext uri="{FF2B5EF4-FFF2-40B4-BE49-F238E27FC236}">
-              <a16:creationId xmlns:a16="http://schemas.microsoft.com/office/drawing/2014/main" id="{D0BBD8E8-9DBD-0CB9-DB64-6255AED6AA05}"/>
-            </a:ext>
-          </a:extLst>
-        </p:cNvPr>
-        <p:cNvGrpSpPr/>
-        <p:nvPr/>
-      </p:nvGrpSpPr>
-      <p:grpSpPr>
-        <a:xfrm>
-          <a:off x="0" y="0"/>
-          <a:ext cx="0" cy="0"/>
-          <a:chOff x="0" y="0"/>
-          <a:chExt cx="0" cy="0"/>
-        </a:xfrm>
-      </p:grpSpPr>
-      <p:grpSp>
-        <p:nvGrpSpPr>
-          <p:cNvPr id="9" name="Group 8">
-            <a:extLst>
-              <a:ext uri="{FF2B5EF4-FFF2-40B4-BE49-F238E27FC236}">
-                <a16:creationId xmlns:a16="http://schemas.microsoft.com/office/drawing/2014/main" id="{E09F4CA4-3BF0-2798-7DC4-DB89F7A4A9C4}"/>
-              </a:ext>
-            </a:extLst>
-          </p:cNvPr>
-          <p:cNvGrpSpPr/>
-          <p:nvPr/>
-        </p:nvGrpSpPr>
-        <p:grpSpPr>
-          <a:xfrm>
-            <a:off x="-998376" y="-1063690"/>
-            <a:ext cx="6228572" cy="12457144"/>
-            <a:chOff x="4667250" y="571500"/>
-            <a:chExt cx="2857500" cy="5715000"/>
-          </a:xfrm>
-        </p:grpSpPr>
-        <p:pic>
-          <p:nvPicPr>
-            <p:cNvPr id="10" name="Graphic 9">
-              <a:extLst>
-                <a:ext uri="{FF2B5EF4-FFF2-40B4-BE49-F238E27FC236}">
-                  <a16:creationId xmlns:a16="http://schemas.microsoft.com/office/drawing/2014/main" id="{034EED24-FA09-86F0-08EC-61BB341CA02B}"/>
-                </a:ext>
-              </a:extLst>
-            </p:cNvPr>
-            <p:cNvPicPr>
-              <a:picLocks noChangeAspect="1"/>
-            </p:cNvPicPr>
-            <p:nvPr/>
-          </p:nvPicPr>
-          <p:blipFill>
-            <a:blip r:embed="rId2">
-              <a:extLst>
-                <a:ext uri="{96DAC541-7B7A-43D3-8B79-37D633B846F1}">
-                  <asvg:svgBlip xmlns:asvg="http://schemas.microsoft.com/office/drawing/2016/SVG/main" r:embed="rId3"/>
-                </a:ext>
-              </a:extLst>
-            </a:blip>
-            <a:stretch>
-              <a:fillRect/>
-            </a:stretch>
-          </p:blipFill>
-          <p:spPr>
-            <a:xfrm>
-              <a:off x="4667250" y="571500"/>
-              <a:ext cx="2857500" cy="5715000"/>
-            </a:xfrm>
-            <a:prstGeom prst="rect">
-              <a:avLst/>
-            </a:prstGeom>
-          </p:spPr>
-        </p:pic>
-        <p:pic>
-          <p:nvPicPr>
-            <p:cNvPr id="11" name="Graphic 10">
-              <a:extLst>
-                <a:ext uri="{FF2B5EF4-FFF2-40B4-BE49-F238E27FC236}">
-                  <a16:creationId xmlns:a16="http://schemas.microsoft.com/office/drawing/2014/main" id="{A52C79D9-0C06-3134-647E-70337ED0A8F5}"/>
-                </a:ext>
-              </a:extLst>
-            </p:cNvPr>
-            <p:cNvPicPr>
-              <a:picLocks noChangeAspect="1"/>
-            </p:cNvPicPr>
-            <p:nvPr/>
-          </p:nvPicPr>
-          <p:blipFill>
-            <a:blip r:embed="rId4">
-              <a:extLst>
-                <a:ext uri="{96DAC541-7B7A-43D3-8B79-37D633B846F1}">
-                  <asvg:svgBlip xmlns:asvg="http://schemas.microsoft.com/office/drawing/2016/SVG/main" r:embed="rId5"/>
-                </a:ext>
-              </a:extLst>
-            </a:blip>
-            <a:stretch>
-              <a:fillRect/>
-            </a:stretch>
-          </p:blipFill>
-          <p:spPr>
-            <a:xfrm>
-              <a:off x="4667250" y="571500"/>
-              <a:ext cx="2857500" cy="5715000"/>
-            </a:xfrm>
-            <a:prstGeom prst="rect">
-              <a:avLst/>
-            </a:prstGeom>
-          </p:spPr>
-        </p:pic>
-      </p:grpSp>
-      <p:cxnSp>
-        <p:nvCxnSpPr>
-          <p:cNvPr id="12" name="Straight Arrow Connector 11">
-            <a:extLst>
-              <a:ext uri="{FF2B5EF4-FFF2-40B4-BE49-F238E27FC236}">
-                <a16:creationId xmlns:a16="http://schemas.microsoft.com/office/drawing/2014/main" id="{1FC6EC80-79E1-D446-AF33-4C360BABA9EB}"/>
-              </a:ext>
-            </a:extLst>
-          </p:cNvPr>
-          <p:cNvCxnSpPr>
-            <a:cxnSpLocks/>
-          </p:cNvCxnSpPr>
-          <p:nvPr/>
-        </p:nvCxnSpPr>
-        <p:spPr>
-          <a:xfrm>
-            <a:off x="1852512" y="821094"/>
-            <a:ext cx="374002" cy="0"/>
-          </a:xfrm>
-          <a:prstGeom prst="straightConnector1">
-            <a:avLst/>
-          </a:prstGeom>
-          <a:ln w="38100">
-            <a:solidFill>
-              <a:srgbClr val="CCFF99"/>
-            </a:solidFill>
-            <a:headEnd type="none" w="med" len="med"/>
-            <a:tailEnd type="triangle" w="med" len="med"/>
-          </a:ln>
-        </p:spPr>
-        <p:style>
-          <a:lnRef idx="1">
-            <a:schemeClr val="accent1"/>
-          </a:lnRef>
-          <a:fillRef idx="0">
-            <a:schemeClr val="accent1"/>
-          </a:fillRef>
-          <a:effectRef idx="0">
-            <a:schemeClr val="accent1"/>
-          </a:effectRef>
-          <a:fontRef idx="minor">
-            <a:schemeClr val="tx1"/>
-          </a:fontRef>
-        </p:style>
-      </p:cxnSp>
-      <p:cxnSp>
-        <p:nvCxnSpPr>
-          <p:cNvPr id="13" name="Straight Arrow Connector 12">
-            <a:extLst>
-              <a:ext uri="{FF2B5EF4-FFF2-40B4-BE49-F238E27FC236}">
-                <a16:creationId xmlns:a16="http://schemas.microsoft.com/office/drawing/2014/main" id="{1951C6C4-8EEE-F9C7-0168-A8FD54DA6A63}"/>
-              </a:ext>
-            </a:extLst>
-          </p:cNvPr>
-          <p:cNvCxnSpPr>
-            <a:cxnSpLocks/>
-          </p:cNvCxnSpPr>
-          <p:nvPr/>
-        </p:nvCxnSpPr>
-        <p:spPr>
-          <a:xfrm>
-            <a:off x="2048455" y="821094"/>
-            <a:ext cx="307910" cy="0"/>
-          </a:xfrm>
-          <a:prstGeom prst="straightConnector1">
-            <a:avLst/>
-          </a:prstGeom>
-          <a:ln w="38100">
-            <a:solidFill>
-              <a:srgbClr val="CCFF99"/>
-            </a:solidFill>
-            <a:headEnd type="none" w="med" len="med"/>
-            <a:tailEnd type="none" w="med" len="med"/>
-          </a:ln>
-        </p:spPr>
-        <p:style>
-          <a:lnRef idx="1">
-            <a:schemeClr val="accent1"/>
-          </a:lnRef>
-          <a:fillRef idx="0">
-            <a:schemeClr val="accent1"/>
-          </a:fillRef>
-          <a:effectRef idx="0">
-            <a:schemeClr val="accent1"/>
-          </a:effectRef>
-          <a:fontRef idx="minor">
-            <a:schemeClr val="tx1"/>
-          </a:fontRef>
-        </p:style>
-      </p:cxnSp>
-      <p:grpSp>
-        <p:nvGrpSpPr>
-          <p:cNvPr id="8" name="Group 7">
-            <a:extLst>
-              <a:ext uri="{FF2B5EF4-FFF2-40B4-BE49-F238E27FC236}">
-                <a16:creationId xmlns:a16="http://schemas.microsoft.com/office/drawing/2014/main" id="{831996C4-450D-9343-62F3-C47B5D5DC169}"/>
-              </a:ext>
-            </a:extLst>
-          </p:cNvPr>
-          <p:cNvGrpSpPr/>
-          <p:nvPr/>
-        </p:nvGrpSpPr>
-        <p:grpSpPr>
-          <a:xfrm>
-            <a:off x="4227546" y="-1315617"/>
-            <a:ext cx="6228572" cy="12457144"/>
-            <a:chOff x="2128157" y="571500"/>
-            <a:chExt cx="2857500" cy="5715000"/>
-          </a:xfrm>
-        </p:grpSpPr>
-        <p:grpSp>
-          <p:nvGrpSpPr>
-            <p:cNvPr id="14" name="Group 13">
-              <a:extLst>
-                <a:ext uri="{FF2B5EF4-FFF2-40B4-BE49-F238E27FC236}">
-                  <a16:creationId xmlns:a16="http://schemas.microsoft.com/office/drawing/2014/main" id="{80A4981E-B85A-286D-A2E9-9C40CDE5710E}"/>
-                </a:ext>
-              </a:extLst>
-            </p:cNvPr>
-            <p:cNvGrpSpPr/>
-            <p:nvPr/>
-          </p:nvGrpSpPr>
-          <p:grpSpPr>
-            <a:xfrm>
-              <a:off x="2128157" y="571500"/>
-              <a:ext cx="2857500" cy="5715000"/>
-              <a:chOff x="4667250" y="571500"/>
-              <a:chExt cx="2857500" cy="5715000"/>
-            </a:xfrm>
-          </p:grpSpPr>
-          <p:pic>
-            <p:nvPicPr>
-              <p:cNvPr id="16" name="Graphic 15">
-                <a:extLst>
-                  <a:ext uri="{FF2B5EF4-FFF2-40B4-BE49-F238E27FC236}">
-                    <a16:creationId xmlns:a16="http://schemas.microsoft.com/office/drawing/2014/main" id="{E7487114-8A4C-A81B-69D7-993022EA83B0}"/>
-                  </a:ext>
-                </a:extLst>
-              </p:cNvPr>
-              <p:cNvPicPr>
-                <a:picLocks noChangeAspect="1"/>
-              </p:cNvPicPr>
-              <p:nvPr/>
-            </p:nvPicPr>
-            <p:blipFill>
-              <a:blip r:embed="rId6">
-                <a:extLst>
-                  <a:ext uri="{96DAC541-7B7A-43D3-8B79-37D633B846F1}">
-                    <asvg:svgBlip xmlns:asvg="http://schemas.microsoft.com/office/drawing/2016/SVG/main" r:embed="rId7"/>
-                  </a:ext>
-                </a:extLst>
-              </a:blip>
-              <a:stretch>
-                <a:fillRect/>
-              </a:stretch>
-            </p:blipFill>
-            <p:spPr>
-              <a:xfrm>
-                <a:off x="4667250" y="571500"/>
-                <a:ext cx="2857500" cy="5715000"/>
-              </a:xfrm>
-              <a:prstGeom prst="rect">
-                <a:avLst/>
-              </a:prstGeom>
-            </p:spPr>
-          </p:pic>
-          <p:pic>
-            <p:nvPicPr>
-              <p:cNvPr id="17" name="Graphic 16">
-                <a:extLst>
-                  <a:ext uri="{FF2B5EF4-FFF2-40B4-BE49-F238E27FC236}">
-                    <a16:creationId xmlns:a16="http://schemas.microsoft.com/office/drawing/2014/main" id="{A4053566-E5D4-C1BD-5A07-73B88E914C20}"/>
-                  </a:ext>
-                </a:extLst>
-              </p:cNvPr>
-              <p:cNvPicPr>
-                <a:picLocks noChangeAspect="1"/>
-              </p:cNvPicPr>
-              <p:nvPr/>
-            </p:nvPicPr>
-            <p:blipFill>
-              <a:blip r:embed="rId8">
-                <a:extLst>
-                  <a:ext uri="{96DAC541-7B7A-43D3-8B79-37D633B846F1}">
-                    <asvg:svgBlip xmlns:asvg="http://schemas.microsoft.com/office/drawing/2016/SVG/main" r:embed="rId9"/>
-                  </a:ext>
-                </a:extLst>
-              </a:blip>
-              <a:stretch>
-                <a:fillRect/>
-              </a:stretch>
-            </p:blipFill>
-            <p:spPr>
-              <a:xfrm>
-                <a:off x="4667250" y="571500"/>
-                <a:ext cx="2857500" cy="5715000"/>
-              </a:xfrm>
-              <a:prstGeom prst="rect">
-                <a:avLst/>
-              </a:prstGeom>
-            </p:spPr>
-          </p:pic>
-        </p:grpSp>
-        <p:pic>
-          <p:nvPicPr>
-            <p:cNvPr id="15" name="Graphic 14">
-              <a:extLst>
-                <a:ext uri="{FF2B5EF4-FFF2-40B4-BE49-F238E27FC236}">
-                  <a16:creationId xmlns:a16="http://schemas.microsoft.com/office/drawing/2014/main" id="{838D2231-56F0-F394-8A95-237B8574B560}"/>
-                </a:ext>
-              </a:extLst>
-            </p:cNvPr>
-            <p:cNvPicPr>
-              <a:picLocks noChangeAspect="1"/>
-            </p:cNvPicPr>
-            <p:nvPr/>
-          </p:nvPicPr>
-          <p:blipFill>
-            <a:blip r:embed="rId10">
-              <a:extLst>
-                <a:ext uri="{96DAC541-7B7A-43D3-8B79-37D633B846F1}">
-                  <asvg:svgBlip xmlns:asvg="http://schemas.microsoft.com/office/drawing/2016/SVG/main" r:embed="rId11"/>
-                </a:ext>
-              </a:extLst>
-            </a:blip>
-            <a:stretch>
-              <a:fillRect/>
-            </a:stretch>
-          </p:blipFill>
-          <p:spPr>
-            <a:xfrm>
-              <a:off x="2128157" y="571500"/>
-              <a:ext cx="2857500" cy="5715000"/>
-            </a:xfrm>
-            <a:prstGeom prst="rect">
-              <a:avLst/>
-            </a:prstGeom>
-          </p:spPr>
-        </p:pic>
-      </p:grpSp>
-      <p:sp>
-        <p:nvSpPr>
-          <p:cNvPr id="18" name="Arc 17">
-            <a:extLst>
-              <a:ext uri="{FF2B5EF4-FFF2-40B4-BE49-F238E27FC236}">
-                <a16:creationId xmlns:a16="http://schemas.microsoft.com/office/drawing/2014/main" id="{54146A1A-986C-8588-F7B5-73E35416CC1C}"/>
-              </a:ext>
-            </a:extLst>
-          </p:cNvPr>
-          <p:cNvSpPr/>
-          <p:nvPr/>
-        </p:nvSpPr>
-        <p:spPr>
-          <a:xfrm>
-            <a:off x="7073383" y="905069"/>
-            <a:ext cx="531066" cy="363894"/>
-          </a:xfrm>
-          <a:prstGeom prst="arc">
-            <a:avLst>
-              <a:gd name="adj1" fmla="val 21221159"/>
-              <a:gd name="adj2" fmla="val 10926675"/>
-            </a:avLst>
-          </a:prstGeom>
-          <a:ln w="38100">
-            <a:solidFill>
-              <a:srgbClr val="CCFF99"/>
-            </a:solidFill>
-          </a:ln>
-        </p:spPr>
-        <p:style>
-          <a:lnRef idx="1">
-            <a:schemeClr val="accent1"/>
-          </a:lnRef>
-          <a:fillRef idx="0">
-            <a:schemeClr val="accent1"/>
-          </a:fillRef>
-          <a:effectRef idx="0">
-            <a:schemeClr val="accent1"/>
-          </a:effectRef>
-          <a:fontRef idx="minor">
-            <a:schemeClr val="tx1"/>
-          </a:fontRef>
-        </p:style>
-        <p:txBody>
-          <a:bodyPr rtlCol="0" anchor="ctr"/>
-          <a:lstStyle/>
-          <a:p>
-            <a:pPr algn="ctr"/>
-            <a:endParaRPr lang="en-GB"/>
-          </a:p>
-        </p:txBody>
-      </p:sp>
-      <p:grpSp>
-        <p:nvGrpSpPr>
-          <p:cNvPr id="19" name="Group 18">
-            <a:extLst>
-              <a:ext uri="{FF2B5EF4-FFF2-40B4-BE49-F238E27FC236}">
-                <a16:creationId xmlns:a16="http://schemas.microsoft.com/office/drawing/2014/main" id="{C7CD0230-C531-A2AC-BC28-CAC62055D282}"/>
-              </a:ext>
-            </a:extLst>
-          </p:cNvPr>
-          <p:cNvGrpSpPr/>
-          <p:nvPr/>
-        </p:nvGrpSpPr>
-        <p:grpSpPr>
-          <a:xfrm>
-            <a:off x="7435138" y="-1315617"/>
-            <a:ext cx="6228572" cy="12457144"/>
-            <a:chOff x="4667250" y="571500"/>
-            <a:chExt cx="2857500" cy="5715000"/>
-          </a:xfrm>
-        </p:grpSpPr>
-        <p:pic>
-          <p:nvPicPr>
-            <p:cNvPr id="20" name="Graphic 19">
-              <a:extLst>
-                <a:ext uri="{FF2B5EF4-FFF2-40B4-BE49-F238E27FC236}">
-                  <a16:creationId xmlns:a16="http://schemas.microsoft.com/office/drawing/2014/main" id="{090276DC-FCDF-F9B0-00EC-1784589A0F24}"/>
-                </a:ext>
-              </a:extLst>
-            </p:cNvPr>
-            <p:cNvPicPr>
-              <a:picLocks noChangeAspect="1"/>
-            </p:cNvPicPr>
-            <p:nvPr/>
-          </p:nvPicPr>
-          <p:blipFill>
-            <a:blip r:embed="rId6">
-              <a:extLst>
-                <a:ext uri="{96DAC541-7B7A-43D3-8B79-37D633B846F1}">
-                  <asvg:svgBlip xmlns:asvg="http://schemas.microsoft.com/office/drawing/2016/SVG/main" r:embed="rId7"/>
-                </a:ext>
-              </a:extLst>
-            </a:blip>
-            <a:srcRect t="1" b="1"/>
-            <a:stretch>
-              <a:fillRect/>
-            </a:stretch>
-          </p:blipFill>
-          <p:spPr>
-            <a:xfrm>
-              <a:off x="4667250" y="571500"/>
-              <a:ext cx="2857500" cy="5715000"/>
-            </a:xfrm>
-            <a:prstGeom prst="rect">
-              <a:avLst/>
-            </a:prstGeom>
-          </p:spPr>
-        </p:pic>
-        <p:pic>
-          <p:nvPicPr>
-            <p:cNvPr id="21" name="Graphic 20">
-              <a:extLst>
-                <a:ext uri="{FF2B5EF4-FFF2-40B4-BE49-F238E27FC236}">
-                  <a16:creationId xmlns:a16="http://schemas.microsoft.com/office/drawing/2014/main" id="{3B7FFCE3-5F4A-E5EA-7EC8-D99DAC08A299}"/>
-                </a:ext>
-              </a:extLst>
-            </p:cNvPr>
-            <p:cNvPicPr>
-              <a:picLocks noChangeAspect="1"/>
-            </p:cNvPicPr>
-            <p:nvPr/>
-          </p:nvPicPr>
-          <p:blipFill>
-            <a:blip r:embed="rId10">
-              <a:extLst>
-                <a:ext uri="{96DAC541-7B7A-43D3-8B79-37D633B846F1}">
-                  <asvg:svgBlip xmlns:asvg="http://schemas.microsoft.com/office/drawing/2016/SVG/main" r:embed="rId11"/>
-                </a:ext>
-              </a:extLst>
-            </a:blip>
-            <a:stretch>
-              <a:fillRect/>
-            </a:stretch>
-          </p:blipFill>
-          <p:spPr>
-            <a:xfrm>
-              <a:off x="4667250" y="571500"/>
-              <a:ext cx="2857500" cy="5715000"/>
-            </a:xfrm>
-            <a:prstGeom prst="rect">
-              <a:avLst/>
-            </a:prstGeom>
-          </p:spPr>
-        </p:pic>
-        <p:pic>
-          <p:nvPicPr>
-            <p:cNvPr id="22" name="Graphic 21">
-              <a:extLst>
-                <a:ext uri="{FF2B5EF4-FFF2-40B4-BE49-F238E27FC236}">
-                  <a16:creationId xmlns:a16="http://schemas.microsoft.com/office/drawing/2014/main" id="{861C1CA5-DCF3-2C59-FFCF-27709618EE19}"/>
-                </a:ext>
-              </a:extLst>
-            </p:cNvPr>
-            <p:cNvPicPr>
-              <a:picLocks noChangeAspect="1"/>
-            </p:cNvPicPr>
-            <p:nvPr/>
-          </p:nvPicPr>
-          <p:blipFill>
-            <a:blip r:embed="rId12">
-              <a:extLst>
-                <a:ext uri="{96DAC541-7B7A-43D3-8B79-37D633B846F1}">
-                  <asvg:svgBlip xmlns:asvg="http://schemas.microsoft.com/office/drawing/2016/SVG/main" r:embed="rId13"/>
-                </a:ext>
-              </a:extLst>
-            </a:blip>
-            <a:stretch>
-              <a:fillRect/>
-            </a:stretch>
-          </p:blipFill>
-          <p:spPr>
-            <a:xfrm>
-              <a:off x="4667250" y="571500"/>
-              <a:ext cx="2857500" cy="5715000"/>
-            </a:xfrm>
-            <a:prstGeom prst="rect">
-              <a:avLst/>
-            </a:prstGeom>
-          </p:spPr>
-        </p:pic>
-      </p:grpSp>
-      <p:sp>
-        <p:nvSpPr>
-          <p:cNvPr id="23" name="Arc 22">
-            <a:extLst>
-              <a:ext uri="{FF2B5EF4-FFF2-40B4-BE49-F238E27FC236}">
-                <a16:creationId xmlns:a16="http://schemas.microsoft.com/office/drawing/2014/main" id="{71A68C32-89AD-C3C2-0AD5-EB77583B967A}"/>
-              </a:ext>
-            </a:extLst>
-          </p:cNvPr>
-          <p:cNvSpPr/>
-          <p:nvPr/>
-        </p:nvSpPr>
-        <p:spPr>
-          <a:xfrm>
-            <a:off x="10280975" y="1007705"/>
-            <a:ext cx="531066" cy="149291"/>
-          </a:xfrm>
-          <a:prstGeom prst="arc">
-            <a:avLst>
-              <a:gd name="adj1" fmla="val 21221159"/>
-              <a:gd name="adj2" fmla="val 10926675"/>
-            </a:avLst>
-          </a:prstGeom>
-          <a:ln w="38100">
-            <a:solidFill>
-              <a:srgbClr val="CCFF99"/>
-            </a:solidFill>
-          </a:ln>
-        </p:spPr>
-        <p:style>
-          <a:lnRef idx="1">
-            <a:schemeClr val="accent1"/>
-          </a:lnRef>
-          <a:fillRef idx="0">
-            <a:schemeClr val="accent1"/>
-          </a:fillRef>
-          <a:effectRef idx="0">
-            <a:schemeClr val="accent1"/>
-          </a:effectRef>
-          <a:fontRef idx="minor">
-            <a:schemeClr val="tx1"/>
-          </a:fontRef>
-        </p:style>
-        <p:txBody>
-          <a:bodyPr rtlCol="0" anchor="ctr"/>
-          <a:lstStyle/>
-          <a:p>
-            <a:pPr algn="ctr"/>
-            <a:endParaRPr lang="en-GB"/>
-          </a:p>
-        </p:txBody>
-      </p:sp>
-      <p:sp>
-        <p:nvSpPr>
-          <p:cNvPr id="24" name="Arc 23">
-            <a:extLst>
-              <a:ext uri="{FF2B5EF4-FFF2-40B4-BE49-F238E27FC236}">
-                <a16:creationId xmlns:a16="http://schemas.microsoft.com/office/drawing/2014/main" id="{72692445-89EF-631A-F905-79ACA380FFB8}"/>
-              </a:ext>
-            </a:extLst>
-          </p:cNvPr>
-          <p:cNvSpPr/>
-          <p:nvPr/>
-        </p:nvSpPr>
-        <p:spPr>
-          <a:xfrm>
-            <a:off x="7073383" y="909734"/>
-            <a:ext cx="531066" cy="363894"/>
-          </a:xfrm>
-          <a:prstGeom prst="arc">
-            <a:avLst>
-              <a:gd name="adj1" fmla="val 3758739"/>
-              <a:gd name="adj2" fmla="val 10926675"/>
-            </a:avLst>
-          </a:prstGeom>
-          <a:ln w="38100">
-            <a:solidFill>
-              <a:srgbClr val="CCFF99"/>
-            </a:solidFill>
-            <a:headEnd type="triangle" w="med" len="med"/>
-            <a:tailEnd type="none" w="med" len="med"/>
-          </a:ln>
-        </p:spPr>
-        <p:style>
-          <a:lnRef idx="1">
-            <a:schemeClr val="accent1"/>
-          </a:lnRef>
-          <a:fillRef idx="0">
-            <a:schemeClr val="accent1"/>
-          </a:fillRef>
-          <a:effectRef idx="0">
-            <a:schemeClr val="accent1"/>
-          </a:effectRef>
-          <a:fontRef idx="minor">
-            <a:schemeClr val="tx1"/>
-          </a:fontRef>
-        </p:style>
-        <p:txBody>
-          <a:bodyPr rtlCol="0" anchor="ctr"/>
-          <a:lstStyle/>
-          <a:p>
-            <a:pPr algn="ctr"/>
-            <a:endParaRPr lang="en-GB"/>
-          </a:p>
-        </p:txBody>
-      </p:sp>
-      <p:cxnSp>
-        <p:nvCxnSpPr>
-          <p:cNvPr id="25" name="Straight Arrow Connector 24">
-            <a:extLst>
-              <a:ext uri="{FF2B5EF4-FFF2-40B4-BE49-F238E27FC236}">
-                <a16:creationId xmlns:a16="http://schemas.microsoft.com/office/drawing/2014/main" id="{9AB3AC77-034C-3611-603F-95F2E8F7B093}"/>
-              </a:ext>
-            </a:extLst>
-          </p:cNvPr>
-          <p:cNvCxnSpPr>
-            <a:cxnSpLocks/>
-          </p:cNvCxnSpPr>
-          <p:nvPr/>
-        </p:nvCxnSpPr>
-        <p:spPr>
-          <a:xfrm flipV="1">
-            <a:off x="3498097" y="3439883"/>
-            <a:ext cx="365063" cy="87086"/>
-          </a:xfrm>
-          <a:prstGeom prst="straightConnector1">
-            <a:avLst/>
-          </a:prstGeom>
-          <a:ln w="38100">
-            <a:solidFill>
-              <a:srgbClr val="CCFF99"/>
-            </a:solidFill>
-            <a:headEnd type="none" w="med" len="med"/>
-            <a:tailEnd type="triangle" w="med" len="med"/>
-          </a:ln>
-        </p:spPr>
-        <p:style>
-          <a:lnRef idx="1">
-            <a:schemeClr val="accent1"/>
-          </a:lnRef>
-          <a:fillRef idx="0">
-            <a:schemeClr val="accent1"/>
-          </a:fillRef>
-          <a:effectRef idx="0">
-            <a:schemeClr val="accent1"/>
-          </a:effectRef>
-          <a:fontRef idx="minor">
-            <a:schemeClr val="tx1"/>
-          </a:fontRef>
-        </p:style>
-      </p:cxnSp>
-      <p:cxnSp>
-        <p:nvCxnSpPr>
-          <p:cNvPr id="26" name="Straight Arrow Connector 25">
-            <a:extLst>
-              <a:ext uri="{FF2B5EF4-FFF2-40B4-BE49-F238E27FC236}">
-                <a16:creationId xmlns:a16="http://schemas.microsoft.com/office/drawing/2014/main" id="{0AE5DB95-D6F8-7E25-2359-6F490B5BDB31}"/>
-              </a:ext>
-            </a:extLst>
-          </p:cNvPr>
-          <p:cNvCxnSpPr>
-            <a:cxnSpLocks/>
-          </p:cNvCxnSpPr>
-          <p:nvPr/>
-        </p:nvCxnSpPr>
-        <p:spPr>
-          <a:xfrm flipV="1">
-            <a:off x="3777437" y="3396342"/>
-            <a:ext cx="270588" cy="65315"/>
-          </a:xfrm>
-          <a:prstGeom prst="straightConnector1">
-            <a:avLst/>
-          </a:prstGeom>
-          <a:ln w="38100">
-            <a:solidFill>
-              <a:srgbClr val="CCFF99"/>
-            </a:solidFill>
-            <a:headEnd type="none" w="med" len="med"/>
-            <a:tailEnd type="none" w="med" len="med"/>
-          </a:ln>
-        </p:spPr>
-        <p:style>
-          <a:lnRef idx="1">
-            <a:schemeClr val="accent1"/>
-          </a:lnRef>
-          <a:fillRef idx="0">
-            <a:schemeClr val="accent1"/>
-          </a:fillRef>
-          <a:effectRef idx="0">
-            <a:schemeClr val="accent1"/>
-          </a:effectRef>
-          <a:fontRef idx="minor">
-            <a:schemeClr val="tx1"/>
-          </a:fontRef>
-        </p:style>
-      </p:cxnSp>
-    </p:spTree>
-    <p:extLst>
-      <p:ext uri="{BB962C8B-B14F-4D97-AF65-F5344CB8AC3E}">
-        <p14:creationId xmlns:p14="http://schemas.microsoft.com/office/powerpoint/2010/main" val="1411030288"/>
       </p:ext>
     </p:extLst>
   </p:cSld>
@@ -9091,6 +9007,753 @@
 </file>
 
 <file path=ppt/slides/slide20.xml><?xml version="1.0" encoding="utf-8"?>
+<p:sld xmlns:a="http://schemas.openxmlformats.org/drawingml/2006/main" xmlns:r="http://schemas.openxmlformats.org/officeDocument/2006/relationships" xmlns:p="http://schemas.openxmlformats.org/presentationml/2006/main">
+  <p:cSld>
+    <p:spTree>
+      <p:nvGrpSpPr>
+        <p:cNvPr id="1" name="">
+          <a:extLst>
+            <a:ext uri="{FF2B5EF4-FFF2-40B4-BE49-F238E27FC236}">
+              <a16:creationId xmlns:a16="http://schemas.microsoft.com/office/drawing/2014/main" id="{D0BBD8E8-9DBD-0CB9-DB64-6255AED6AA05}"/>
+            </a:ext>
+          </a:extLst>
+        </p:cNvPr>
+        <p:cNvGrpSpPr/>
+        <p:nvPr/>
+      </p:nvGrpSpPr>
+      <p:grpSpPr>
+        <a:xfrm>
+          <a:off x="0" y="0"/>
+          <a:ext cx="0" cy="0"/>
+          <a:chOff x="0" y="0"/>
+          <a:chExt cx="0" cy="0"/>
+        </a:xfrm>
+      </p:grpSpPr>
+      <p:grpSp>
+        <p:nvGrpSpPr>
+          <p:cNvPr id="9" name="Group 8">
+            <a:extLst>
+              <a:ext uri="{FF2B5EF4-FFF2-40B4-BE49-F238E27FC236}">
+                <a16:creationId xmlns:a16="http://schemas.microsoft.com/office/drawing/2014/main" id="{E09F4CA4-3BF0-2798-7DC4-DB89F7A4A9C4}"/>
+              </a:ext>
+            </a:extLst>
+          </p:cNvPr>
+          <p:cNvGrpSpPr/>
+          <p:nvPr/>
+        </p:nvGrpSpPr>
+        <p:grpSpPr>
+          <a:xfrm>
+            <a:off x="-998376" y="-1063690"/>
+            <a:ext cx="6228572" cy="12457144"/>
+            <a:chOff x="4667250" y="571500"/>
+            <a:chExt cx="2857500" cy="5715000"/>
+          </a:xfrm>
+        </p:grpSpPr>
+        <p:pic>
+          <p:nvPicPr>
+            <p:cNvPr id="10" name="Graphic 9">
+              <a:extLst>
+                <a:ext uri="{FF2B5EF4-FFF2-40B4-BE49-F238E27FC236}">
+                  <a16:creationId xmlns:a16="http://schemas.microsoft.com/office/drawing/2014/main" id="{034EED24-FA09-86F0-08EC-61BB341CA02B}"/>
+                </a:ext>
+              </a:extLst>
+            </p:cNvPr>
+            <p:cNvPicPr>
+              <a:picLocks noChangeAspect="1"/>
+            </p:cNvPicPr>
+            <p:nvPr/>
+          </p:nvPicPr>
+          <p:blipFill>
+            <a:blip r:embed="rId2">
+              <a:extLst>
+                <a:ext uri="{96DAC541-7B7A-43D3-8B79-37D633B846F1}">
+                  <asvg:svgBlip xmlns:asvg="http://schemas.microsoft.com/office/drawing/2016/SVG/main" r:embed="rId3"/>
+                </a:ext>
+              </a:extLst>
+            </a:blip>
+            <a:stretch>
+              <a:fillRect/>
+            </a:stretch>
+          </p:blipFill>
+          <p:spPr>
+            <a:xfrm>
+              <a:off x="4667250" y="571500"/>
+              <a:ext cx="2857500" cy="5715000"/>
+            </a:xfrm>
+            <a:prstGeom prst="rect">
+              <a:avLst/>
+            </a:prstGeom>
+          </p:spPr>
+        </p:pic>
+        <p:pic>
+          <p:nvPicPr>
+            <p:cNvPr id="11" name="Graphic 10">
+              <a:extLst>
+                <a:ext uri="{FF2B5EF4-FFF2-40B4-BE49-F238E27FC236}">
+                  <a16:creationId xmlns:a16="http://schemas.microsoft.com/office/drawing/2014/main" id="{A52C79D9-0C06-3134-647E-70337ED0A8F5}"/>
+                </a:ext>
+              </a:extLst>
+            </p:cNvPr>
+            <p:cNvPicPr>
+              <a:picLocks noChangeAspect="1"/>
+            </p:cNvPicPr>
+            <p:nvPr/>
+          </p:nvPicPr>
+          <p:blipFill>
+            <a:blip r:embed="rId4">
+              <a:extLst>
+                <a:ext uri="{96DAC541-7B7A-43D3-8B79-37D633B846F1}">
+                  <asvg:svgBlip xmlns:asvg="http://schemas.microsoft.com/office/drawing/2016/SVG/main" r:embed="rId5"/>
+                </a:ext>
+              </a:extLst>
+            </a:blip>
+            <a:stretch>
+              <a:fillRect/>
+            </a:stretch>
+          </p:blipFill>
+          <p:spPr>
+            <a:xfrm>
+              <a:off x="4667250" y="571500"/>
+              <a:ext cx="2857500" cy="5715000"/>
+            </a:xfrm>
+            <a:prstGeom prst="rect">
+              <a:avLst/>
+            </a:prstGeom>
+          </p:spPr>
+        </p:pic>
+      </p:grpSp>
+      <p:cxnSp>
+        <p:nvCxnSpPr>
+          <p:cNvPr id="12" name="Straight Arrow Connector 11">
+            <a:extLst>
+              <a:ext uri="{FF2B5EF4-FFF2-40B4-BE49-F238E27FC236}">
+                <a16:creationId xmlns:a16="http://schemas.microsoft.com/office/drawing/2014/main" id="{1FC6EC80-79E1-D446-AF33-4C360BABA9EB}"/>
+              </a:ext>
+            </a:extLst>
+          </p:cNvPr>
+          <p:cNvCxnSpPr>
+            <a:cxnSpLocks/>
+          </p:cNvCxnSpPr>
+          <p:nvPr/>
+        </p:nvCxnSpPr>
+        <p:spPr>
+          <a:xfrm>
+            <a:off x="1852512" y="821094"/>
+            <a:ext cx="374002" cy="0"/>
+          </a:xfrm>
+          <a:prstGeom prst="straightConnector1">
+            <a:avLst/>
+          </a:prstGeom>
+          <a:ln w="38100">
+            <a:solidFill>
+              <a:srgbClr val="CCFF99"/>
+            </a:solidFill>
+            <a:headEnd type="none" w="med" len="med"/>
+            <a:tailEnd type="triangle" w="med" len="med"/>
+          </a:ln>
+        </p:spPr>
+        <p:style>
+          <a:lnRef idx="1">
+            <a:schemeClr val="accent1"/>
+          </a:lnRef>
+          <a:fillRef idx="0">
+            <a:schemeClr val="accent1"/>
+          </a:fillRef>
+          <a:effectRef idx="0">
+            <a:schemeClr val="accent1"/>
+          </a:effectRef>
+          <a:fontRef idx="minor">
+            <a:schemeClr val="tx1"/>
+          </a:fontRef>
+        </p:style>
+      </p:cxnSp>
+      <p:cxnSp>
+        <p:nvCxnSpPr>
+          <p:cNvPr id="13" name="Straight Arrow Connector 12">
+            <a:extLst>
+              <a:ext uri="{FF2B5EF4-FFF2-40B4-BE49-F238E27FC236}">
+                <a16:creationId xmlns:a16="http://schemas.microsoft.com/office/drawing/2014/main" id="{1951C6C4-8EEE-F9C7-0168-A8FD54DA6A63}"/>
+              </a:ext>
+            </a:extLst>
+          </p:cNvPr>
+          <p:cNvCxnSpPr>
+            <a:cxnSpLocks/>
+          </p:cNvCxnSpPr>
+          <p:nvPr/>
+        </p:nvCxnSpPr>
+        <p:spPr>
+          <a:xfrm>
+            <a:off x="2048455" y="821094"/>
+            <a:ext cx="307910" cy="0"/>
+          </a:xfrm>
+          <a:prstGeom prst="straightConnector1">
+            <a:avLst/>
+          </a:prstGeom>
+          <a:ln w="38100">
+            <a:solidFill>
+              <a:srgbClr val="CCFF99"/>
+            </a:solidFill>
+            <a:headEnd type="none" w="med" len="med"/>
+            <a:tailEnd type="none" w="med" len="med"/>
+          </a:ln>
+        </p:spPr>
+        <p:style>
+          <a:lnRef idx="1">
+            <a:schemeClr val="accent1"/>
+          </a:lnRef>
+          <a:fillRef idx="0">
+            <a:schemeClr val="accent1"/>
+          </a:fillRef>
+          <a:effectRef idx="0">
+            <a:schemeClr val="accent1"/>
+          </a:effectRef>
+          <a:fontRef idx="minor">
+            <a:schemeClr val="tx1"/>
+          </a:fontRef>
+        </p:style>
+      </p:cxnSp>
+      <p:grpSp>
+        <p:nvGrpSpPr>
+          <p:cNvPr id="8" name="Group 7">
+            <a:extLst>
+              <a:ext uri="{FF2B5EF4-FFF2-40B4-BE49-F238E27FC236}">
+                <a16:creationId xmlns:a16="http://schemas.microsoft.com/office/drawing/2014/main" id="{831996C4-450D-9343-62F3-C47B5D5DC169}"/>
+              </a:ext>
+            </a:extLst>
+          </p:cNvPr>
+          <p:cNvGrpSpPr/>
+          <p:nvPr/>
+        </p:nvGrpSpPr>
+        <p:grpSpPr>
+          <a:xfrm>
+            <a:off x="4227546" y="-1315617"/>
+            <a:ext cx="6228572" cy="12457144"/>
+            <a:chOff x="2128157" y="571500"/>
+            <a:chExt cx="2857500" cy="5715000"/>
+          </a:xfrm>
+        </p:grpSpPr>
+        <p:grpSp>
+          <p:nvGrpSpPr>
+            <p:cNvPr id="14" name="Group 13">
+              <a:extLst>
+                <a:ext uri="{FF2B5EF4-FFF2-40B4-BE49-F238E27FC236}">
+                  <a16:creationId xmlns:a16="http://schemas.microsoft.com/office/drawing/2014/main" id="{80A4981E-B85A-286D-A2E9-9C40CDE5710E}"/>
+                </a:ext>
+              </a:extLst>
+            </p:cNvPr>
+            <p:cNvGrpSpPr/>
+            <p:nvPr/>
+          </p:nvGrpSpPr>
+          <p:grpSpPr>
+            <a:xfrm>
+              <a:off x="2128157" y="571500"/>
+              <a:ext cx="2857500" cy="5715000"/>
+              <a:chOff x="4667250" y="571500"/>
+              <a:chExt cx="2857500" cy="5715000"/>
+            </a:xfrm>
+          </p:grpSpPr>
+          <p:pic>
+            <p:nvPicPr>
+              <p:cNvPr id="16" name="Graphic 15">
+                <a:extLst>
+                  <a:ext uri="{FF2B5EF4-FFF2-40B4-BE49-F238E27FC236}">
+                    <a16:creationId xmlns:a16="http://schemas.microsoft.com/office/drawing/2014/main" id="{E7487114-8A4C-A81B-69D7-993022EA83B0}"/>
+                  </a:ext>
+                </a:extLst>
+              </p:cNvPr>
+              <p:cNvPicPr>
+                <a:picLocks noChangeAspect="1"/>
+              </p:cNvPicPr>
+              <p:nvPr/>
+            </p:nvPicPr>
+            <p:blipFill>
+              <a:blip r:embed="rId6">
+                <a:extLst>
+                  <a:ext uri="{96DAC541-7B7A-43D3-8B79-37D633B846F1}">
+                    <asvg:svgBlip xmlns:asvg="http://schemas.microsoft.com/office/drawing/2016/SVG/main" r:embed="rId7"/>
+                  </a:ext>
+                </a:extLst>
+              </a:blip>
+              <a:stretch>
+                <a:fillRect/>
+              </a:stretch>
+            </p:blipFill>
+            <p:spPr>
+              <a:xfrm>
+                <a:off x="4667250" y="571500"/>
+                <a:ext cx="2857500" cy="5715000"/>
+              </a:xfrm>
+              <a:prstGeom prst="rect">
+                <a:avLst/>
+              </a:prstGeom>
+            </p:spPr>
+          </p:pic>
+          <p:pic>
+            <p:nvPicPr>
+              <p:cNvPr id="17" name="Graphic 16">
+                <a:extLst>
+                  <a:ext uri="{FF2B5EF4-FFF2-40B4-BE49-F238E27FC236}">
+                    <a16:creationId xmlns:a16="http://schemas.microsoft.com/office/drawing/2014/main" id="{A4053566-E5D4-C1BD-5A07-73B88E914C20}"/>
+                  </a:ext>
+                </a:extLst>
+              </p:cNvPr>
+              <p:cNvPicPr>
+                <a:picLocks noChangeAspect="1"/>
+              </p:cNvPicPr>
+              <p:nvPr/>
+            </p:nvPicPr>
+            <p:blipFill>
+              <a:blip r:embed="rId8">
+                <a:extLst>
+                  <a:ext uri="{96DAC541-7B7A-43D3-8B79-37D633B846F1}">
+                    <asvg:svgBlip xmlns:asvg="http://schemas.microsoft.com/office/drawing/2016/SVG/main" r:embed="rId9"/>
+                  </a:ext>
+                </a:extLst>
+              </a:blip>
+              <a:stretch>
+                <a:fillRect/>
+              </a:stretch>
+            </p:blipFill>
+            <p:spPr>
+              <a:xfrm>
+                <a:off x="4667250" y="571500"/>
+                <a:ext cx="2857500" cy="5715000"/>
+              </a:xfrm>
+              <a:prstGeom prst="rect">
+                <a:avLst/>
+              </a:prstGeom>
+            </p:spPr>
+          </p:pic>
+        </p:grpSp>
+        <p:pic>
+          <p:nvPicPr>
+            <p:cNvPr id="15" name="Graphic 14">
+              <a:extLst>
+                <a:ext uri="{FF2B5EF4-FFF2-40B4-BE49-F238E27FC236}">
+                  <a16:creationId xmlns:a16="http://schemas.microsoft.com/office/drawing/2014/main" id="{838D2231-56F0-F394-8A95-237B8574B560}"/>
+                </a:ext>
+              </a:extLst>
+            </p:cNvPr>
+            <p:cNvPicPr>
+              <a:picLocks noChangeAspect="1"/>
+            </p:cNvPicPr>
+            <p:nvPr/>
+          </p:nvPicPr>
+          <p:blipFill>
+            <a:blip r:embed="rId10">
+              <a:extLst>
+                <a:ext uri="{96DAC541-7B7A-43D3-8B79-37D633B846F1}">
+                  <asvg:svgBlip xmlns:asvg="http://schemas.microsoft.com/office/drawing/2016/SVG/main" r:embed="rId11"/>
+                </a:ext>
+              </a:extLst>
+            </a:blip>
+            <a:stretch>
+              <a:fillRect/>
+            </a:stretch>
+          </p:blipFill>
+          <p:spPr>
+            <a:xfrm>
+              <a:off x="2128157" y="571500"/>
+              <a:ext cx="2857500" cy="5715000"/>
+            </a:xfrm>
+            <a:prstGeom prst="rect">
+              <a:avLst/>
+            </a:prstGeom>
+          </p:spPr>
+        </p:pic>
+      </p:grpSp>
+      <p:sp>
+        <p:nvSpPr>
+          <p:cNvPr id="18" name="Arc 17">
+            <a:extLst>
+              <a:ext uri="{FF2B5EF4-FFF2-40B4-BE49-F238E27FC236}">
+                <a16:creationId xmlns:a16="http://schemas.microsoft.com/office/drawing/2014/main" id="{54146A1A-986C-8588-F7B5-73E35416CC1C}"/>
+              </a:ext>
+            </a:extLst>
+          </p:cNvPr>
+          <p:cNvSpPr/>
+          <p:nvPr/>
+        </p:nvSpPr>
+        <p:spPr>
+          <a:xfrm>
+            <a:off x="7073383" y="905069"/>
+            <a:ext cx="531066" cy="363894"/>
+          </a:xfrm>
+          <a:prstGeom prst="arc">
+            <a:avLst>
+              <a:gd name="adj1" fmla="val 21221159"/>
+              <a:gd name="adj2" fmla="val 10926675"/>
+            </a:avLst>
+          </a:prstGeom>
+          <a:ln w="38100">
+            <a:solidFill>
+              <a:srgbClr val="CCFF99"/>
+            </a:solidFill>
+          </a:ln>
+        </p:spPr>
+        <p:style>
+          <a:lnRef idx="1">
+            <a:schemeClr val="accent1"/>
+          </a:lnRef>
+          <a:fillRef idx="0">
+            <a:schemeClr val="accent1"/>
+          </a:fillRef>
+          <a:effectRef idx="0">
+            <a:schemeClr val="accent1"/>
+          </a:effectRef>
+          <a:fontRef idx="minor">
+            <a:schemeClr val="tx1"/>
+          </a:fontRef>
+        </p:style>
+        <p:txBody>
+          <a:bodyPr rtlCol="0" anchor="ctr"/>
+          <a:lstStyle/>
+          <a:p>
+            <a:pPr algn="ctr"/>
+            <a:endParaRPr lang="en-GB"/>
+          </a:p>
+        </p:txBody>
+      </p:sp>
+      <p:grpSp>
+        <p:nvGrpSpPr>
+          <p:cNvPr id="19" name="Group 18">
+            <a:extLst>
+              <a:ext uri="{FF2B5EF4-FFF2-40B4-BE49-F238E27FC236}">
+                <a16:creationId xmlns:a16="http://schemas.microsoft.com/office/drawing/2014/main" id="{C7CD0230-C531-A2AC-BC28-CAC62055D282}"/>
+              </a:ext>
+            </a:extLst>
+          </p:cNvPr>
+          <p:cNvGrpSpPr/>
+          <p:nvPr/>
+        </p:nvGrpSpPr>
+        <p:grpSpPr>
+          <a:xfrm>
+            <a:off x="7435138" y="-1315617"/>
+            <a:ext cx="6228572" cy="12457144"/>
+            <a:chOff x="4667250" y="571500"/>
+            <a:chExt cx="2857500" cy="5715000"/>
+          </a:xfrm>
+        </p:grpSpPr>
+        <p:pic>
+          <p:nvPicPr>
+            <p:cNvPr id="20" name="Graphic 19">
+              <a:extLst>
+                <a:ext uri="{FF2B5EF4-FFF2-40B4-BE49-F238E27FC236}">
+                  <a16:creationId xmlns:a16="http://schemas.microsoft.com/office/drawing/2014/main" id="{090276DC-FCDF-F9B0-00EC-1784589A0F24}"/>
+                </a:ext>
+              </a:extLst>
+            </p:cNvPr>
+            <p:cNvPicPr>
+              <a:picLocks noChangeAspect="1"/>
+            </p:cNvPicPr>
+            <p:nvPr/>
+          </p:nvPicPr>
+          <p:blipFill>
+            <a:blip r:embed="rId6">
+              <a:extLst>
+                <a:ext uri="{96DAC541-7B7A-43D3-8B79-37D633B846F1}">
+                  <asvg:svgBlip xmlns:asvg="http://schemas.microsoft.com/office/drawing/2016/SVG/main" r:embed="rId7"/>
+                </a:ext>
+              </a:extLst>
+            </a:blip>
+            <a:srcRect t="1" b="1"/>
+            <a:stretch>
+              <a:fillRect/>
+            </a:stretch>
+          </p:blipFill>
+          <p:spPr>
+            <a:xfrm>
+              <a:off x="4667250" y="571500"/>
+              <a:ext cx="2857500" cy="5715000"/>
+            </a:xfrm>
+            <a:prstGeom prst="rect">
+              <a:avLst/>
+            </a:prstGeom>
+          </p:spPr>
+        </p:pic>
+        <p:pic>
+          <p:nvPicPr>
+            <p:cNvPr id="21" name="Graphic 20">
+              <a:extLst>
+                <a:ext uri="{FF2B5EF4-FFF2-40B4-BE49-F238E27FC236}">
+                  <a16:creationId xmlns:a16="http://schemas.microsoft.com/office/drawing/2014/main" id="{3B7FFCE3-5F4A-E5EA-7EC8-D99DAC08A299}"/>
+                </a:ext>
+              </a:extLst>
+            </p:cNvPr>
+            <p:cNvPicPr>
+              <a:picLocks noChangeAspect="1"/>
+            </p:cNvPicPr>
+            <p:nvPr/>
+          </p:nvPicPr>
+          <p:blipFill>
+            <a:blip r:embed="rId10">
+              <a:extLst>
+                <a:ext uri="{96DAC541-7B7A-43D3-8B79-37D633B846F1}">
+                  <asvg:svgBlip xmlns:asvg="http://schemas.microsoft.com/office/drawing/2016/SVG/main" r:embed="rId11"/>
+                </a:ext>
+              </a:extLst>
+            </a:blip>
+            <a:stretch>
+              <a:fillRect/>
+            </a:stretch>
+          </p:blipFill>
+          <p:spPr>
+            <a:xfrm>
+              <a:off x="4667250" y="571500"/>
+              <a:ext cx="2857500" cy="5715000"/>
+            </a:xfrm>
+            <a:prstGeom prst="rect">
+              <a:avLst/>
+            </a:prstGeom>
+          </p:spPr>
+        </p:pic>
+        <p:pic>
+          <p:nvPicPr>
+            <p:cNvPr id="22" name="Graphic 21">
+              <a:extLst>
+                <a:ext uri="{FF2B5EF4-FFF2-40B4-BE49-F238E27FC236}">
+                  <a16:creationId xmlns:a16="http://schemas.microsoft.com/office/drawing/2014/main" id="{861C1CA5-DCF3-2C59-FFCF-27709618EE19}"/>
+                </a:ext>
+              </a:extLst>
+            </p:cNvPr>
+            <p:cNvPicPr>
+              <a:picLocks noChangeAspect="1"/>
+            </p:cNvPicPr>
+            <p:nvPr/>
+          </p:nvPicPr>
+          <p:blipFill>
+            <a:blip r:embed="rId12">
+              <a:extLst>
+                <a:ext uri="{96DAC541-7B7A-43D3-8B79-37D633B846F1}">
+                  <asvg:svgBlip xmlns:asvg="http://schemas.microsoft.com/office/drawing/2016/SVG/main" r:embed="rId13"/>
+                </a:ext>
+              </a:extLst>
+            </a:blip>
+            <a:stretch>
+              <a:fillRect/>
+            </a:stretch>
+          </p:blipFill>
+          <p:spPr>
+            <a:xfrm>
+              <a:off x="4667250" y="571500"/>
+              <a:ext cx="2857500" cy="5715000"/>
+            </a:xfrm>
+            <a:prstGeom prst="rect">
+              <a:avLst/>
+            </a:prstGeom>
+          </p:spPr>
+        </p:pic>
+      </p:grpSp>
+      <p:sp>
+        <p:nvSpPr>
+          <p:cNvPr id="23" name="Arc 22">
+            <a:extLst>
+              <a:ext uri="{FF2B5EF4-FFF2-40B4-BE49-F238E27FC236}">
+                <a16:creationId xmlns:a16="http://schemas.microsoft.com/office/drawing/2014/main" id="{71A68C32-89AD-C3C2-0AD5-EB77583B967A}"/>
+              </a:ext>
+            </a:extLst>
+          </p:cNvPr>
+          <p:cNvSpPr/>
+          <p:nvPr/>
+        </p:nvSpPr>
+        <p:spPr>
+          <a:xfrm>
+            <a:off x="10280975" y="1007705"/>
+            <a:ext cx="531066" cy="149291"/>
+          </a:xfrm>
+          <a:prstGeom prst="arc">
+            <a:avLst>
+              <a:gd name="adj1" fmla="val 21221159"/>
+              <a:gd name="adj2" fmla="val 10926675"/>
+            </a:avLst>
+          </a:prstGeom>
+          <a:ln w="38100">
+            <a:solidFill>
+              <a:srgbClr val="CCFF99"/>
+            </a:solidFill>
+          </a:ln>
+        </p:spPr>
+        <p:style>
+          <a:lnRef idx="1">
+            <a:schemeClr val="accent1"/>
+          </a:lnRef>
+          <a:fillRef idx="0">
+            <a:schemeClr val="accent1"/>
+          </a:fillRef>
+          <a:effectRef idx="0">
+            <a:schemeClr val="accent1"/>
+          </a:effectRef>
+          <a:fontRef idx="minor">
+            <a:schemeClr val="tx1"/>
+          </a:fontRef>
+        </p:style>
+        <p:txBody>
+          <a:bodyPr rtlCol="0" anchor="ctr"/>
+          <a:lstStyle/>
+          <a:p>
+            <a:pPr algn="ctr"/>
+            <a:endParaRPr lang="en-GB"/>
+          </a:p>
+        </p:txBody>
+      </p:sp>
+      <p:sp>
+        <p:nvSpPr>
+          <p:cNvPr id="24" name="Arc 23">
+            <a:extLst>
+              <a:ext uri="{FF2B5EF4-FFF2-40B4-BE49-F238E27FC236}">
+                <a16:creationId xmlns:a16="http://schemas.microsoft.com/office/drawing/2014/main" id="{72692445-89EF-631A-F905-79ACA380FFB8}"/>
+              </a:ext>
+            </a:extLst>
+          </p:cNvPr>
+          <p:cNvSpPr/>
+          <p:nvPr/>
+        </p:nvSpPr>
+        <p:spPr>
+          <a:xfrm>
+            <a:off x="7073383" y="909734"/>
+            <a:ext cx="531066" cy="363894"/>
+          </a:xfrm>
+          <a:prstGeom prst="arc">
+            <a:avLst>
+              <a:gd name="adj1" fmla="val 3758739"/>
+              <a:gd name="adj2" fmla="val 10926675"/>
+            </a:avLst>
+          </a:prstGeom>
+          <a:ln w="38100">
+            <a:solidFill>
+              <a:srgbClr val="CCFF99"/>
+            </a:solidFill>
+            <a:headEnd type="triangle" w="med" len="med"/>
+            <a:tailEnd type="none" w="med" len="med"/>
+          </a:ln>
+        </p:spPr>
+        <p:style>
+          <a:lnRef idx="1">
+            <a:schemeClr val="accent1"/>
+          </a:lnRef>
+          <a:fillRef idx="0">
+            <a:schemeClr val="accent1"/>
+          </a:fillRef>
+          <a:effectRef idx="0">
+            <a:schemeClr val="accent1"/>
+          </a:effectRef>
+          <a:fontRef idx="minor">
+            <a:schemeClr val="tx1"/>
+          </a:fontRef>
+        </p:style>
+        <p:txBody>
+          <a:bodyPr rtlCol="0" anchor="ctr"/>
+          <a:lstStyle/>
+          <a:p>
+            <a:pPr algn="ctr"/>
+            <a:endParaRPr lang="en-GB"/>
+          </a:p>
+        </p:txBody>
+      </p:sp>
+      <p:cxnSp>
+        <p:nvCxnSpPr>
+          <p:cNvPr id="25" name="Straight Arrow Connector 24">
+            <a:extLst>
+              <a:ext uri="{FF2B5EF4-FFF2-40B4-BE49-F238E27FC236}">
+                <a16:creationId xmlns:a16="http://schemas.microsoft.com/office/drawing/2014/main" id="{9AB3AC77-034C-3611-603F-95F2E8F7B093}"/>
+              </a:ext>
+            </a:extLst>
+          </p:cNvPr>
+          <p:cNvCxnSpPr>
+            <a:cxnSpLocks/>
+          </p:cNvCxnSpPr>
+          <p:nvPr/>
+        </p:nvCxnSpPr>
+        <p:spPr>
+          <a:xfrm flipV="1">
+            <a:off x="3498097" y="3439883"/>
+            <a:ext cx="365063" cy="87086"/>
+          </a:xfrm>
+          <a:prstGeom prst="straightConnector1">
+            <a:avLst/>
+          </a:prstGeom>
+          <a:ln w="38100">
+            <a:solidFill>
+              <a:srgbClr val="CCFF99"/>
+            </a:solidFill>
+            <a:headEnd type="none" w="med" len="med"/>
+            <a:tailEnd type="triangle" w="med" len="med"/>
+          </a:ln>
+        </p:spPr>
+        <p:style>
+          <a:lnRef idx="1">
+            <a:schemeClr val="accent1"/>
+          </a:lnRef>
+          <a:fillRef idx="0">
+            <a:schemeClr val="accent1"/>
+          </a:fillRef>
+          <a:effectRef idx="0">
+            <a:schemeClr val="accent1"/>
+          </a:effectRef>
+          <a:fontRef idx="minor">
+            <a:schemeClr val="tx1"/>
+          </a:fontRef>
+        </p:style>
+      </p:cxnSp>
+      <p:cxnSp>
+        <p:nvCxnSpPr>
+          <p:cNvPr id="26" name="Straight Arrow Connector 25">
+            <a:extLst>
+              <a:ext uri="{FF2B5EF4-FFF2-40B4-BE49-F238E27FC236}">
+                <a16:creationId xmlns:a16="http://schemas.microsoft.com/office/drawing/2014/main" id="{0AE5DB95-D6F8-7E25-2359-6F490B5BDB31}"/>
+              </a:ext>
+            </a:extLst>
+          </p:cNvPr>
+          <p:cNvCxnSpPr>
+            <a:cxnSpLocks/>
+          </p:cNvCxnSpPr>
+          <p:nvPr/>
+        </p:nvCxnSpPr>
+        <p:spPr>
+          <a:xfrm flipV="1">
+            <a:off x="3777437" y="3396342"/>
+            <a:ext cx="270588" cy="65315"/>
+          </a:xfrm>
+          <a:prstGeom prst="straightConnector1">
+            <a:avLst/>
+          </a:prstGeom>
+          <a:ln w="38100">
+            <a:solidFill>
+              <a:srgbClr val="CCFF99"/>
+            </a:solidFill>
+            <a:headEnd type="none" w="med" len="med"/>
+            <a:tailEnd type="none" w="med" len="med"/>
+          </a:ln>
+        </p:spPr>
+        <p:style>
+          <a:lnRef idx="1">
+            <a:schemeClr val="accent1"/>
+          </a:lnRef>
+          <a:fillRef idx="0">
+            <a:schemeClr val="accent1"/>
+          </a:fillRef>
+          <a:effectRef idx="0">
+            <a:schemeClr val="accent1"/>
+          </a:effectRef>
+          <a:fontRef idx="minor">
+            <a:schemeClr val="tx1"/>
+          </a:fontRef>
+        </p:style>
+      </p:cxnSp>
+    </p:spTree>
+    <p:extLst>
+      <p:ext uri="{BB962C8B-B14F-4D97-AF65-F5344CB8AC3E}">
+        <p14:creationId xmlns:p14="http://schemas.microsoft.com/office/powerpoint/2010/main" val="1411030288"/>
+      </p:ext>
+    </p:extLst>
+  </p:cSld>
+  <p:clrMapOvr>
+    <a:masterClrMapping/>
+  </p:clrMapOvr>
+</p:sld>
+</file>
+
+<file path=ppt/slides/slide21.xml><?xml version="1.0" encoding="utf-8"?>
 <p:sld xmlns:a="http://schemas.openxmlformats.org/drawingml/2006/main" xmlns:r="http://schemas.openxmlformats.org/officeDocument/2006/relationships" xmlns:p="http://schemas.openxmlformats.org/presentationml/2006/main">
   <p:cSld>
     <p:spTree>
@@ -10029,7 +10692,7 @@
 </p:sld>
 </file>
 
-<file path=ppt/slides/slide21.xml><?xml version="1.0" encoding="utf-8"?>
+<file path=ppt/slides/slide22.xml><?xml version="1.0" encoding="utf-8"?>
 <p:sld xmlns:a="http://schemas.openxmlformats.org/drawingml/2006/main" xmlns:r="http://schemas.openxmlformats.org/officeDocument/2006/relationships" xmlns:p="http://schemas.openxmlformats.org/presentationml/2006/main">
   <p:cSld>
     <p:spTree>
@@ -10578,7 +11241,7 @@
 </p:sld>
 </file>
 
-<file path=ppt/slides/slide22.xml><?xml version="1.0" encoding="utf-8"?>
+<file path=ppt/slides/slide23.xml><?xml version="1.0" encoding="utf-8"?>
 <p:sld xmlns:a="http://schemas.openxmlformats.org/drawingml/2006/main" xmlns:r="http://schemas.openxmlformats.org/officeDocument/2006/relationships" xmlns:p="http://schemas.openxmlformats.org/presentationml/2006/main">
   <p:cSld>
     <p:spTree>
@@ -11082,7 +11745,7 @@
 </p:sld>
 </file>
 
-<file path=ppt/slides/slide23.xml><?xml version="1.0" encoding="utf-8"?>
+<file path=ppt/slides/slide24.xml><?xml version="1.0" encoding="utf-8"?>
 <p:sld xmlns:a="http://schemas.openxmlformats.org/drawingml/2006/main" xmlns:r="http://schemas.openxmlformats.org/officeDocument/2006/relationships" xmlns:p="http://schemas.openxmlformats.org/presentationml/2006/main">
   <p:cSld>
     <p:spTree>
@@ -11586,7 +12249,7 @@
 </p:sld>
 </file>
 
-<file path=ppt/slides/slide24.xml><?xml version="1.0" encoding="utf-8"?>
+<file path=ppt/slides/slide25.xml><?xml version="1.0" encoding="utf-8"?>
 <p:sld xmlns:a="http://schemas.openxmlformats.org/drawingml/2006/main" xmlns:r="http://schemas.openxmlformats.org/officeDocument/2006/relationships" xmlns:p="http://schemas.openxmlformats.org/presentationml/2006/main">
   <p:cSld>
     <p:spTree>
@@ -12245,7 +12908,7 @@
 </p:sld>
 </file>
 
-<file path=ppt/slides/slide25.xml><?xml version="1.0" encoding="utf-8"?>
+<file path=ppt/slides/slide26.xml><?xml version="1.0" encoding="utf-8"?>
 <p:sld xmlns:a="http://schemas.openxmlformats.org/drawingml/2006/main" xmlns:r="http://schemas.openxmlformats.org/officeDocument/2006/relationships" xmlns:p="http://schemas.openxmlformats.org/presentationml/2006/main">
   <p:cSld>
     <p:spTree>
@@ -12854,7 +13517,7 @@
 </p:sld>
 </file>
 
-<file path=ppt/slides/slide26.xml><?xml version="1.0" encoding="utf-8"?>
+<file path=ppt/slides/slide27.xml><?xml version="1.0" encoding="utf-8"?>
 <p:sld xmlns:a="http://schemas.openxmlformats.org/drawingml/2006/main" xmlns:r="http://schemas.openxmlformats.org/officeDocument/2006/relationships" xmlns:p="http://schemas.openxmlformats.org/presentationml/2006/main">
   <p:cSld>
     <p:spTree>
@@ -13403,7 +14066,7 @@
 </p:sld>
 </file>
 
-<file path=ppt/slides/slide27.xml><?xml version="1.0" encoding="utf-8"?>
+<file path=ppt/slides/slide28.xml><?xml version="1.0" encoding="utf-8"?>
 <p:sld xmlns:a="http://schemas.openxmlformats.org/drawingml/2006/main" xmlns:r="http://schemas.openxmlformats.org/officeDocument/2006/relationships" xmlns:p="http://schemas.openxmlformats.org/presentationml/2006/main">
   <p:cSld>
     <p:spTree>
@@ -13967,7 +14630,7 @@
 </p:sld>
 </file>
 
-<file path=ppt/slides/slide28.xml><?xml version="1.0" encoding="utf-8"?>
+<file path=ppt/slides/slide29.xml><?xml version="1.0" encoding="utf-8"?>
 <p:sld xmlns:a="http://schemas.openxmlformats.org/drawingml/2006/main" xmlns:r="http://schemas.openxmlformats.org/officeDocument/2006/relationships" xmlns:p="http://schemas.openxmlformats.org/presentationml/2006/main">
   <p:cSld>
     <p:spTree>
@@ -14522,384 +15185,6 @@
     <p:extLst>
       <p:ext uri="{BB962C8B-B14F-4D97-AF65-F5344CB8AC3E}">
         <p14:creationId xmlns:p14="http://schemas.microsoft.com/office/powerpoint/2010/main" val="2014220997"/>
-      </p:ext>
-    </p:extLst>
-  </p:cSld>
-  <p:clrMapOvr>
-    <a:masterClrMapping/>
-  </p:clrMapOvr>
-</p:sld>
-</file>
-
-<file path=ppt/slides/slide29.xml><?xml version="1.0" encoding="utf-8"?>
-<p:sld xmlns:a="http://schemas.openxmlformats.org/drawingml/2006/main" xmlns:r="http://schemas.openxmlformats.org/officeDocument/2006/relationships" xmlns:p="http://schemas.openxmlformats.org/presentationml/2006/main">
-  <p:cSld>
-    <p:spTree>
-      <p:nvGrpSpPr>
-        <p:cNvPr id="1" name="">
-          <a:extLst>
-            <a:ext uri="{FF2B5EF4-FFF2-40B4-BE49-F238E27FC236}">
-              <a16:creationId xmlns:a16="http://schemas.microsoft.com/office/drawing/2014/main" id="{7C352406-6D3E-C470-400C-F89FF267EFE7}"/>
-            </a:ext>
-          </a:extLst>
-        </p:cNvPr>
-        <p:cNvGrpSpPr/>
-        <p:nvPr/>
-      </p:nvGrpSpPr>
-      <p:grpSpPr>
-        <a:xfrm>
-          <a:off x="0" y="0"/>
-          <a:ext cx="0" cy="0"/>
-          <a:chOff x="0" y="0"/>
-          <a:chExt cx="0" cy="0"/>
-        </a:xfrm>
-      </p:grpSpPr>
-      <p:pic>
-        <p:nvPicPr>
-          <p:cNvPr id="2" name="Graphic 1">
-            <a:extLst>
-              <a:ext uri="{FF2B5EF4-FFF2-40B4-BE49-F238E27FC236}">
-                <a16:creationId xmlns:a16="http://schemas.microsoft.com/office/drawing/2014/main" id="{AD1B46D3-08D3-632A-7846-FA21022AF48B}"/>
-              </a:ext>
-            </a:extLst>
-          </p:cNvPr>
-          <p:cNvPicPr>
-            <a:picLocks noChangeAspect="1"/>
-          </p:cNvPicPr>
-          <p:nvPr/>
-        </p:nvPicPr>
-        <p:blipFill>
-          <a:blip r:embed="rId2">
-            <a:extLst>
-              <a:ext uri="{96DAC541-7B7A-43D3-8B79-37D633B846F1}">
-                <asvg:svgBlip xmlns:asvg="http://schemas.microsoft.com/office/drawing/2016/SVG/main" r:embed="rId3"/>
-              </a:ext>
-            </a:extLst>
-          </a:blip>
-          <a:stretch>
-            <a:fillRect/>
-          </a:stretch>
-        </p:blipFill>
-        <p:spPr>
-          <a:xfrm>
-            <a:off x="2099388" y="812933"/>
-            <a:ext cx="5391924" cy="5391924"/>
-          </a:xfrm>
-          <a:prstGeom prst="rect">
-            <a:avLst/>
-          </a:prstGeom>
-        </p:spPr>
-      </p:pic>
-      <p:pic>
-        <p:nvPicPr>
-          <p:cNvPr id="8" name="Graphic 7">
-            <a:extLst>
-              <a:ext uri="{FF2B5EF4-FFF2-40B4-BE49-F238E27FC236}">
-                <a16:creationId xmlns:a16="http://schemas.microsoft.com/office/drawing/2014/main" id="{AD1F7503-9725-91D5-9253-185947F75D5C}"/>
-              </a:ext>
-            </a:extLst>
-          </p:cNvPr>
-          <p:cNvPicPr>
-            <a:picLocks noChangeAspect="1"/>
-          </p:cNvPicPr>
-          <p:nvPr/>
-        </p:nvPicPr>
-        <p:blipFill>
-          <a:blip r:embed="rId4">
-            <a:extLst>
-              <a:ext uri="{96DAC541-7B7A-43D3-8B79-37D633B846F1}">
-                <asvg:svgBlip xmlns:asvg="http://schemas.microsoft.com/office/drawing/2016/SVG/main" r:embed="rId5"/>
-              </a:ext>
-            </a:extLst>
-          </a:blip>
-          <a:stretch>
-            <a:fillRect/>
-          </a:stretch>
-        </p:blipFill>
-        <p:spPr>
-          <a:xfrm>
-            <a:off x="5253136" y="944194"/>
-            <a:ext cx="5390122" cy="5390122"/>
-          </a:xfrm>
-          <a:prstGeom prst="rect">
-            <a:avLst/>
-          </a:prstGeom>
-        </p:spPr>
-      </p:pic>
-      <p:cxnSp>
-        <p:nvCxnSpPr>
-          <p:cNvPr id="9" name="Straight Arrow Connector 8">
-            <a:extLst>
-              <a:ext uri="{FF2B5EF4-FFF2-40B4-BE49-F238E27FC236}">
-                <a16:creationId xmlns:a16="http://schemas.microsoft.com/office/drawing/2014/main" id="{34579110-0A55-4EBA-143B-2999F5F2C300}"/>
-              </a:ext>
-            </a:extLst>
-          </p:cNvPr>
-          <p:cNvCxnSpPr>
-            <a:cxnSpLocks/>
-          </p:cNvCxnSpPr>
-          <p:nvPr/>
-        </p:nvCxnSpPr>
-        <p:spPr>
-          <a:xfrm>
-            <a:off x="3706004" y="4870581"/>
-            <a:ext cx="1435163" cy="0"/>
-          </a:xfrm>
-          <a:prstGeom prst="straightConnector1">
-            <a:avLst/>
-          </a:prstGeom>
-          <a:ln w="38100">
-            <a:solidFill>
-              <a:srgbClr val="FF99FF"/>
-            </a:solidFill>
-            <a:headEnd type="none" w="med" len="med"/>
-            <a:tailEnd type="none" w="med" len="med"/>
-          </a:ln>
-        </p:spPr>
-        <p:style>
-          <a:lnRef idx="1">
-            <a:schemeClr val="accent1"/>
-          </a:lnRef>
-          <a:fillRef idx="0">
-            <a:schemeClr val="accent1"/>
-          </a:fillRef>
-          <a:effectRef idx="0">
-            <a:schemeClr val="accent1"/>
-          </a:effectRef>
-          <a:fontRef idx="minor">
-            <a:schemeClr val="tx1"/>
-          </a:fontRef>
-        </p:style>
-      </p:cxnSp>
-      <p:cxnSp>
-        <p:nvCxnSpPr>
-          <p:cNvPr id="12" name="Straight Arrow Connector 11">
-            <a:extLst>
-              <a:ext uri="{FF2B5EF4-FFF2-40B4-BE49-F238E27FC236}">
-                <a16:creationId xmlns:a16="http://schemas.microsoft.com/office/drawing/2014/main" id="{56B5D28D-452C-2FC0-D818-A50361EDD099}"/>
-              </a:ext>
-            </a:extLst>
-          </p:cNvPr>
-          <p:cNvCxnSpPr>
-            <a:cxnSpLocks/>
-          </p:cNvCxnSpPr>
-          <p:nvPr/>
-        </p:nvCxnSpPr>
-        <p:spPr>
-          <a:xfrm flipH="1">
-            <a:off x="4805265" y="3275045"/>
-            <a:ext cx="186613" cy="1595536"/>
-          </a:xfrm>
-          <a:prstGeom prst="straightConnector1">
-            <a:avLst/>
-          </a:prstGeom>
-          <a:ln w="38100">
-            <a:solidFill>
-              <a:srgbClr val="CCFF99"/>
-            </a:solidFill>
-            <a:headEnd type="none" w="med" len="med"/>
-            <a:tailEnd type="triangle" w="med" len="med"/>
-          </a:ln>
-        </p:spPr>
-        <p:style>
-          <a:lnRef idx="1">
-            <a:schemeClr val="accent1"/>
-          </a:lnRef>
-          <a:fillRef idx="0">
-            <a:schemeClr val="accent1"/>
-          </a:fillRef>
-          <a:effectRef idx="0">
-            <a:schemeClr val="accent1"/>
-          </a:effectRef>
-          <a:fontRef idx="minor">
-            <a:schemeClr val="tx1"/>
-          </a:fontRef>
-        </p:style>
-      </p:cxnSp>
-      <p:cxnSp>
-        <p:nvCxnSpPr>
-          <p:cNvPr id="19" name="Straight Arrow Connector 18">
-            <a:extLst>
-              <a:ext uri="{FF2B5EF4-FFF2-40B4-BE49-F238E27FC236}">
-                <a16:creationId xmlns:a16="http://schemas.microsoft.com/office/drawing/2014/main" id="{35800935-89F1-E40C-F622-6A2BC53A8350}"/>
-              </a:ext>
-            </a:extLst>
-          </p:cNvPr>
-          <p:cNvCxnSpPr>
-            <a:cxnSpLocks/>
-          </p:cNvCxnSpPr>
-          <p:nvPr/>
-        </p:nvCxnSpPr>
-        <p:spPr>
-          <a:xfrm>
-            <a:off x="6923314" y="4870581"/>
-            <a:ext cx="1481523" cy="0"/>
-          </a:xfrm>
-          <a:prstGeom prst="straightConnector1">
-            <a:avLst/>
-          </a:prstGeom>
-          <a:ln w="38100">
-            <a:solidFill>
-              <a:srgbClr val="FF99FF"/>
-            </a:solidFill>
-            <a:headEnd type="none" w="med" len="med"/>
-            <a:tailEnd type="none" w="med" len="med"/>
-          </a:ln>
-        </p:spPr>
-        <p:style>
-          <a:lnRef idx="1">
-            <a:schemeClr val="accent1"/>
-          </a:lnRef>
-          <a:fillRef idx="0">
-            <a:schemeClr val="accent1"/>
-          </a:fillRef>
-          <a:effectRef idx="0">
-            <a:schemeClr val="accent1"/>
-          </a:effectRef>
-          <a:fontRef idx="minor">
-            <a:schemeClr val="tx1"/>
-          </a:fontRef>
-        </p:style>
-      </p:cxnSp>
-      <p:cxnSp>
-        <p:nvCxnSpPr>
-          <p:cNvPr id="20" name="Straight Arrow Connector 19">
-            <a:extLst>
-              <a:ext uri="{FF2B5EF4-FFF2-40B4-BE49-F238E27FC236}">
-                <a16:creationId xmlns:a16="http://schemas.microsoft.com/office/drawing/2014/main" id="{A35EDA25-168D-5C0C-A97E-8BBB70E8653A}"/>
-              </a:ext>
-            </a:extLst>
-          </p:cNvPr>
-          <p:cNvCxnSpPr>
-            <a:cxnSpLocks/>
-          </p:cNvCxnSpPr>
-          <p:nvPr/>
-        </p:nvCxnSpPr>
-        <p:spPr>
-          <a:xfrm flipH="1">
-            <a:off x="7968343" y="3568959"/>
-            <a:ext cx="177283" cy="1301622"/>
-          </a:xfrm>
-          <a:prstGeom prst="straightConnector1">
-            <a:avLst/>
-          </a:prstGeom>
-          <a:ln w="38100">
-            <a:solidFill>
-              <a:srgbClr val="CCFF99"/>
-            </a:solidFill>
-            <a:headEnd type="none" w="med" len="med"/>
-            <a:tailEnd type="triangle" w="med" len="med"/>
-          </a:ln>
-        </p:spPr>
-        <p:style>
-          <a:lnRef idx="1">
-            <a:schemeClr val="accent1"/>
-          </a:lnRef>
-          <a:fillRef idx="0">
-            <a:schemeClr val="accent1"/>
-          </a:fillRef>
-          <a:effectRef idx="0">
-            <a:schemeClr val="accent1"/>
-          </a:effectRef>
-          <a:fontRef idx="minor">
-            <a:schemeClr val="tx1"/>
-          </a:fontRef>
-        </p:style>
-      </p:cxnSp>
-      <p:cxnSp>
-        <p:nvCxnSpPr>
-          <p:cNvPr id="32" name="Straight Arrow Connector 31">
-            <a:extLst>
-              <a:ext uri="{FF2B5EF4-FFF2-40B4-BE49-F238E27FC236}">
-                <a16:creationId xmlns:a16="http://schemas.microsoft.com/office/drawing/2014/main" id="{E3E9E5A9-E2B7-8E06-0937-8E776B61D37D}"/>
-              </a:ext>
-            </a:extLst>
-          </p:cNvPr>
-          <p:cNvCxnSpPr>
-            <a:cxnSpLocks/>
-          </p:cNvCxnSpPr>
-          <p:nvPr/>
-        </p:nvCxnSpPr>
-        <p:spPr>
-          <a:xfrm>
-            <a:off x="4898571" y="3275044"/>
-            <a:ext cx="205276" cy="0"/>
-          </a:xfrm>
-          <a:prstGeom prst="straightConnector1">
-            <a:avLst/>
-          </a:prstGeom>
-          <a:ln w="38100">
-            <a:solidFill>
-              <a:srgbClr val="FF99FF"/>
-            </a:solidFill>
-            <a:headEnd type="none" w="med" len="med"/>
-            <a:tailEnd type="none" w="med" len="med"/>
-          </a:ln>
-        </p:spPr>
-        <p:style>
-          <a:lnRef idx="1">
-            <a:schemeClr val="accent1"/>
-          </a:lnRef>
-          <a:fillRef idx="0">
-            <a:schemeClr val="accent1"/>
-          </a:fillRef>
-          <a:effectRef idx="0">
-            <a:schemeClr val="accent1"/>
-          </a:effectRef>
-          <a:fontRef idx="minor">
-            <a:schemeClr val="tx1"/>
-          </a:fontRef>
-        </p:style>
-      </p:cxnSp>
-      <p:cxnSp>
-        <p:nvCxnSpPr>
-          <p:cNvPr id="38" name="Straight Arrow Connector 37">
-            <a:extLst>
-              <a:ext uri="{FF2B5EF4-FFF2-40B4-BE49-F238E27FC236}">
-                <a16:creationId xmlns:a16="http://schemas.microsoft.com/office/drawing/2014/main" id="{65BCE20A-DEDC-7BD2-CA3A-BB305E4EEC87}"/>
-              </a:ext>
-            </a:extLst>
-          </p:cNvPr>
-          <p:cNvCxnSpPr>
-            <a:cxnSpLocks/>
-          </p:cNvCxnSpPr>
-          <p:nvPr/>
-        </p:nvCxnSpPr>
-        <p:spPr>
-          <a:xfrm>
-            <a:off x="8064760" y="3554962"/>
-            <a:ext cx="205276" cy="0"/>
-          </a:xfrm>
-          <a:prstGeom prst="straightConnector1">
-            <a:avLst/>
-          </a:prstGeom>
-          <a:ln w="38100">
-            <a:solidFill>
-              <a:srgbClr val="FF99FF"/>
-            </a:solidFill>
-            <a:headEnd type="none" w="med" len="med"/>
-            <a:tailEnd type="none" w="med" len="med"/>
-          </a:ln>
-        </p:spPr>
-        <p:style>
-          <a:lnRef idx="1">
-            <a:schemeClr val="accent1"/>
-          </a:lnRef>
-          <a:fillRef idx="0">
-            <a:schemeClr val="accent1"/>
-          </a:fillRef>
-          <a:effectRef idx="0">
-            <a:schemeClr val="accent1"/>
-          </a:effectRef>
-          <a:fontRef idx="minor">
-            <a:schemeClr val="tx1"/>
-          </a:fontRef>
-        </p:style>
-      </p:cxnSp>
-    </p:spTree>
-    <p:extLst>
-      <p:ext uri="{BB962C8B-B14F-4D97-AF65-F5344CB8AC3E}">
-        <p14:creationId xmlns:p14="http://schemas.microsoft.com/office/powerpoint/2010/main" val="2027865794"/>
       </p:ext>
     </p:extLst>
   </p:cSld>
@@ -15469,6 +15754,1698 @@
         <p:cNvPr id="1" name="">
           <a:extLst>
             <a:ext uri="{FF2B5EF4-FFF2-40B4-BE49-F238E27FC236}">
+              <a16:creationId xmlns:a16="http://schemas.microsoft.com/office/drawing/2014/main" id="{C1C06583-BAD2-9821-DADD-99000D96DC36}"/>
+            </a:ext>
+          </a:extLst>
+        </p:cNvPr>
+        <p:cNvGrpSpPr/>
+        <p:nvPr/>
+      </p:nvGrpSpPr>
+      <p:grpSpPr>
+        <a:xfrm>
+          <a:off x="0" y="0"/>
+          <a:ext cx="0" cy="0"/>
+          <a:chOff x="0" y="0"/>
+          <a:chExt cx="0" cy="0"/>
+        </a:xfrm>
+      </p:grpSpPr>
+      <p:grpSp>
+        <p:nvGrpSpPr>
+          <p:cNvPr id="4" name="Group 3">
+            <a:extLst>
+              <a:ext uri="{FF2B5EF4-FFF2-40B4-BE49-F238E27FC236}">
+                <a16:creationId xmlns:a16="http://schemas.microsoft.com/office/drawing/2014/main" id="{223931E0-C420-72C6-FE30-1D502A24CED8}"/>
+              </a:ext>
+            </a:extLst>
+          </p:cNvPr>
+          <p:cNvGrpSpPr/>
+          <p:nvPr/>
+        </p:nvGrpSpPr>
+        <p:grpSpPr>
+          <a:xfrm>
+            <a:off x="5045529" y="0"/>
+            <a:ext cx="6228572" cy="12457144"/>
+            <a:chOff x="2128157" y="571500"/>
+            <a:chExt cx="2857500" cy="5715000"/>
+          </a:xfrm>
+        </p:grpSpPr>
+        <p:grpSp>
+          <p:nvGrpSpPr>
+            <p:cNvPr id="5" name="Group 4">
+              <a:extLst>
+                <a:ext uri="{FF2B5EF4-FFF2-40B4-BE49-F238E27FC236}">
+                  <a16:creationId xmlns:a16="http://schemas.microsoft.com/office/drawing/2014/main" id="{FF690C58-EE5F-1254-8634-B7F589F25AD9}"/>
+                </a:ext>
+              </a:extLst>
+            </p:cNvPr>
+            <p:cNvGrpSpPr/>
+            <p:nvPr/>
+          </p:nvGrpSpPr>
+          <p:grpSpPr>
+            <a:xfrm>
+              <a:off x="2128157" y="571500"/>
+              <a:ext cx="2857500" cy="5715000"/>
+              <a:chOff x="4667250" y="571500"/>
+              <a:chExt cx="2857500" cy="5715000"/>
+            </a:xfrm>
+          </p:grpSpPr>
+          <p:pic>
+            <p:nvPicPr>
+              <p:cNvPr id="7" name="Graphic 6">
+                <a:extLst>
+                  <a:ext uri="{FF2B5EF4-FFF2-40B4-BE49-F238E27FC236}">
+                    <a16:creationId xmlns:a16="http://schemas.microsoft.com/office/drawing/2014/main" id="{A25CC44D-750D-F1EB-077D-DF2329937E86}"/>
+                  </a:ext>
+                </a:extLst>
+              </p:cNvPr>
+              <p:cNvPicPr>
+                <a:picLocks noChangeAspect="1"/>
+              </p:cNvPicPr>
+              <p:nvPr/>
+            </p:nvPicPr>
+            <p:blipFill>
+              <a:blip r:embed="rId2">
+                <a:extLst>
+                  <a:ext uri="{96DAC541-7B7A-43D3-8B79-37D633B846F1}">
+                    <asvg:svgBlip xmlns:asvg="http://schemas.microsoft.com/office/drawing/2016/SVG/main" r:embed="rId3"/>
+                  </a:ext>
+                </a:extLst>
+              </a:blip>
+              <a:stretch>
+                <a:fillRect/>
+              </a:stretch>
+            </p:blipFill>
+            <p:spPr>
+              <a:xfrm>
+                <a:off x="4667250" y="571500"/>
+                <a:ext cx="2857500" cy="5715000"/>
+              </a:xfrm>
+              <a:prstGeom prst="rect">
+                <a:avLst/>
+              </a:prstGeom>
+            </p:spPr>
+          </p:pic>
+          <p:pic>
+            <p:nvPicPr>
+              <p:cNvPr id="8" name="Graphic 7">
+                <a:extLst>
+                  <a:ext uri="{FF2B5EF4-FFF2-40B4-BE49-F238E27FC236}">
+                    <a16:creationId xmlns:a16="http://schemas.microsoft.com/office/drawing/2014/main" id="{18064FAA-72C1-1C9A-69F5-1C8E391F2956}"/>
+                  </a:ext>
+                </a:extLst>
+              </p:cNvPr>
+              <p:cNvPicPr>
+                <a:picLocks noChangeAspect="1"/>
+              </p:cNvPicPr>
+              <p:nvPr/>
+            </p:nvPicPr>
+            <p:blipFill>
+              <a:blip r:embed="rId4">
+                <a:extLst>
+                  <a:ext uri="{96DAC541-7B7A-43D3-8B79-37D633B846F1}">
+                    <asvg:svgBlip xmlns:asvg="http://schemas.microsoft.com/office/drawing/2016/SVG/main" r:embed="rId5"/>
+                  </a:ext>
+                </a:extLst>
+              </a:blip>
+              <a:stretch>
+                <a:fillRect/>
+              </a:stretch>
+            </p:blipFill>
+            <p:spPr>
+              <a:xfrm>
+                <a:off x="4667250" y="571500"/>
+                <a:ext cx="2857500" cy="5715000"/>
+              </a:xfrm>
+              <a:prstGeom prst="rect">
+                <a:avLst/>
+              </a:prstGeom>
+            </p:spPr>
+          </p:pic>
+        </p:grpSp>
+        <p:pic>
+          <p:nvPicPr>
+            <p:cNvPr id="6" name="Graphic 5">
+              <a:extLst>
+                <a:ext uri="{FF2B5EF4-FFF2-40B4-BE49-F238E27FC236}">
+                  <a16:creationId xmlns:a16="http://schemas.microsoft.com/office/drawing/2014/main" id="{1AEF72BC-F939-1C0C-4E41-FFE2B0A96350}"/>
+                </a:ext>
+              </a:extLst>
+            </p:cNvPr>
+            <p:cNvPicPr>
+              <a:picLocks noChangeAspect="1"/>
+            </p:cNvPicPr>
+            <p:nvPr/>
+          </p:nvPicPr>
+          <p:blipFill>
+            <a:blip r:embed="rId6">
+              <a:extLst>
+                <a:ext uri="{96DAC541-7B7A-43D3-8B79-37D633B846F1}">
+                  <asvg:svgBlip xmlns:asvg="http://schemas.microsoft.com/office/drawing/2016/SVG/main" r:embed="rId7"/>
+                </a:ext>
+              </a:extLst>
+            </a:blip>
+            <a:stretch>
+              <a:fillRect/>
+            </a:stretch>
+          </p:blipFill>
+          <p:spPr>
+            <a:xfrm>
+              <a:off x="2128157" y="571500"/>
+              <a:ext cx="2857500" cy="5715000"/>
+            </a:xfrm>
+            <a:prstGeom prst="rect">
+              <a:avLst/>
+            </a:prstGeom>
+          </p:spPr>
+        </p:pic>
+      </p:grpSp>
+      <p:grpSp>
+        <p:nvGrpSpPr>
+          <p:cNvPr id="9" name="Group 8">
+            <a:extLst>
+              <a:ext uri="{FF2B5EF4-FFF2-40B4-BE49-F238E27FC236}">
+                <a16:creationId xmlns:a16="http://schemas.microsoft.com/office/drawing/2014/main" id="{E4945F66-82A7-385F-7C68-C745EF33CD0D}"/>
+              </a:ext>
+            </a:extLst>
+          </p:cNvPr>
+          <p:cNvGrpSpPr/>
+          <p:nvPr/>
+        </p:nvGrpSpPr>
+        <p:grpSpPr>
+          <a:xfrm>
+            <a:off x="1095961" y="0"/>
+            <a:ext cx="6228572" cy="12457144"/>
+            <a:chOff x="4667250" y="571500"/>
+            <a:chExt cx="2857500" cy="5715000"/>
+          </a:xfrm>
+        </p:grpSpPr>
+        <p:pic>
+          <p:nvPicPr>
+            <p:cNvPr id="10" name="Graphic 9">
+              <a:extLst>
+                <a:ext uri="{FF2B5EF4-FFF2-40B4-BE49-F238E27FC236}">
+                  <a16:creationId xmlns:a16="http://schemas.microsoft.com/office/drawing/2014/main" id="{52B90878-72D6-2EBE-542D-0856489E94B4}"/>
+                </a:ext>
+              </a:extLst>
+            </p:cNvPr>
+            <p:cNvPicPr>
+              <a:picLocks noChangeAspect="1"/>
+            </p:cNvPicPr>
+            <p:nvPr/>
+          </p:nvPicPr>
+          <p:blipFill>
+            <a:blip r:embed="rId8">
+              <a:extLst>
+                <a:ext uri="{96DAC541-7B7A-43D3-8B79-37D633B846F1}">
+                  <asvg:svgBlip xmlns:asvg="http://schemas.microsoft.com/office/drawing/2016/SVG/main" r:embed="rId9"/>
+                </a:ext>
+              </a:extLst>
+            </a:blip>
+            <a:stretch>
+              <a:fillRect/>
+            </a:stretch>
+          </p:blipFill>
+          <p:spPr>
+            <a:xfrm>
+              <a:off x="4667250" y="571500"/>
+              <a:ext cx="2857500" cy="5715000"/>
+            </a:xfrm>
+            <a:prstGeom prst="rect">
+              <a:avLst/>
+            </a:prstGeom>
+          </p:spPr>
+        </p:pic>
+        <p:pic>
+          <p:nvPicPr>
+            <p:cNvPr id="11" name="Graphic 10">
+              <a:extLst>
+                <a:ext uri="{FF2B5EF4-FFF2-40B4-BE49-F238E27FC236}">
+                  <a16:creationId xmlns:a16="http://schemas.microsoft.com/office/drawing/2014/main" id="{E137BA90-4125-AAAD-4A44-973CC940AFC4}"/>
+                </a:ext>
+              </a:extLst>
+            </p:cNvPr>
+            <p:cNvPicPr>
+              <a:picLocks noChangeAspect="1"/>
+            </p:cNvPicPr>
+            <p:nvPr/>
+          </p:nvPicPr>
+          <p:blipFill>
+            <a:blip r:embed="rId10">
+              <a:extLst>
+                <a:ext uri="{96DAC541-7B7A-43D3-8B79-37D633B846F1}">
+                  <asvg:svgBlip xmlns:asvg="http://schemas.microsoft.com/office/drawing/2016/SVG/main" r:embed="rId11"/>
+                </a:ext>
+              </a:extLst>
+            </a:blip>
+            <a:stretch>
+              <a:fillRect/>
+            </a:stretch>
+          </p:blipFill>
+          <p:spPr>
+            <a:xfrm>
+              <a:off x="4667250" y="571500"/>
+              <a:ext cx="2857500" cy="5715000"/>
+            </a:xfrm>
+            <a:prstGeom prst="rect">
+              <a:avLst/>
+            </a:prstGeom>
+          </p:spPr>
+        </p:pic>
+      </p:grpSp>
+      <p:cxnSp>
+        <p:nvCxnSpPr>
+          <p:cNvPr id="12" name="Straight Arrow Connector 11">
+            <a:extLst>
+              <a:ext uri="{FF2B5EF4-FFF2-40B4-BE49-F238E27FC236}">
+                <a16:creationId xmlns:a16="http://schemas.microsoft.com/office/drawing/2014/main" id="{551F6D1A-0426-EDDA-566D-06D5EC381F40}"/>
+              </a:ext>
+            </a:extLst>
+          </p:cNvPr>
+          <p:cNvCxnSpPr>
+            <a:cxnSpLocks/>
+          </p:cNvCxnSpPr>
+          <p:nvPr/>
+        </p:nvCxnSpPr>
+        <p:spPr>
+          <a:xfrm>
+            <a:off x="2756034" y="2407899"/>
+            <a:ext cx="313737" cy="736517"/>
+          </a:xfrm>
+          <a:prstGeom prst="straightConnector1">
+            <a:avLst/>
+          </a:prstGeom>
+          <a:ln w="38100">
+            <a:solidFill>
+              <a:srgbClr val="FF99FF"/>
+            </a:solidFill>
+            <a:headEnd type="none" w="med" len="med"/>
+            <a:tailEnd type="none" w="med" len="med"/>
+          </a:ln>
+        </p:spPr>
+        <p:style>
+          <a:lnRef idx="1">
+            <a:schemeClr val="accent1"/>
+          </a:lnRef>
+          <a:fillRef idx="0">
+            <a:schemeClr val="accent1"/>
+          </a:fillRef>
+          <a:effectRef idx="0">
+            <a:schemeClr val="accent1"/>
+          </a:effectRef>
+          <a:fontRef idx="minor">
+            <a:schemeClr val="tx1"/>
+          </a:fontRef>
+        </p:style>
+      </p:cxnSp>
+      <p:cxnSp>
+        <p:nvCxnSpPr>
+          <p:cNvPr id="15" name="Straight Arrow Connector 14">
+            <a:extLst>
+              <a:ext uri="{FF2B5EF4-FFF2-40B4-BE49-F238E27FC236}">
+                <a16:creationId xmlns:a16="http://schemas.microsoft.com/office/drawing/2014/main" id="{41271A51-16E2-3CDA-5A83-C7432FE2498F}"/>
+              </a:ext>
+            </a:extLst>
+          </p:cNvPr>
+          <p:cNvCxnSpPr>
+            <a:cxnSpLocks/>
+          </p:cNvCxnSpPr>
+          <p:nvPr/>
+        </p:nvCxnSpPr>
+        <p:spPr>
+          <a:xfrm flipH="1">
+            <a:off x="5327780" y="2435290"/>
+            <a:ext cx="382169" cy="709126"/>
+          </a:xfrm>
+          <a:prstGeom prst="straightConnector1">
+            <a:avLst/>
+          </a:prstGeom>
+          <a:ln w="38100">
+            <a:solidFill>
+              <a:srgbClr val="FF99FF"/>
+            </a:solidFill>
+            <a:headEnd type="none" w="med" len="med"/>
+            <a:tailEnd type="none" w="med" len="med"/>
+          </a:ln>
+        </p:spPr>
+        <p:style>
+          <a:lnRef idx="1">
+            <a:schemeClr val="accent1"/>
+          </a:lnRef>
+          <a:fillRef idx="0">
+            <a:schemeClr val="accent1"/>
+          </a:fillRef>
+          <a:effectRef idx="0">
+            <a:schemeClr val="accent1"/>
+          </a:effectRef>
+          <a:fontRef idx="minor">
+            <a:schemeClr val="tx1"/>
+          </a:fontRef>
+        </p:style>
+      </p:cxnSp>
+      <p:cxnSp>
+        <p:nvCxnSpPr>
+          <p:cNvPr id="21" name="Straight Arrow Connector 20">
+            <a:extLst>
+              <a:ext uri="{FF2B5EF4-FFF2-40B4-BE49-F238E27FC236}">
+                <a16:creationId xmlns:a16="http://schemas.microsoft.com/office/drawing/2014/main" id="{BDE632E6-C4A3-DC8A-4986-C2036B2183F0}"/>
+              </a:ext>
+            </a:extLst>
+          </p:cNvPr>
+          <p:cNvCxnSpPr>
+            <a:cxnSpLocks/>
+          </p:cNvCxnSpPr>
+          <p:nvPr/>
+        </p:nvCxnSpPr>
+        <p:spPr>
+          <a:xfrm>
+            <a:off x="6895325" y="2845836"/>
+            <a:ext cx="335899" cy="681135"/>
+          </a:xfrm>
+          <a:prstGeom prst="straightConnector1">
+            <a:avLst/>
+          </a:prstGeom>
+          <a:ln w="38100">
+            <a:solidFill>
+              <a:srgbClr val="FF99FF"/>
+            </a:solidFill>
+            <a:headEnd type="none" w="med" len="med"/>
+            <a:tailEnd type="none" w="med" len="med"/>
+          </a:ln>
+        </p:spPr>
+        <p:style>
+          <a:lnRef idx="1">
+            <a:schemeClr val="accent1"/>
+          </a:lnRef>
+          <a:fillRef idx="0">
+            <a:schemeClr val="accent1"/>
+          </a:fillRef>
+          <a:effectRef idx="0">
+            <a:schemeClr val="accent1"/>
+          </a:effectRef>
+          <a:fontRef idx="minor">
+            <a:schemeClr val="tx1"/>
+          </a:fontRef>
+        </p:style>
+      </p:cxnSp>
+      <p:cxnSp>
+        <p:nvCxnSpPr>
+          <p:cNvPr id="23" name="Straight Arrow Connector 22">
+            <a:extLst>
+              <a:ext uri="{FF2B5EF4-FFF2-40B4-BE49-F238E27FC236}">
+                <a16:creationId xmlns:a16="http://schemas.microsoft.com/office/drawing/2014/main" id="{BF9BF75F-8F1E-96FD-1494-14F63E2C9E58}"/>
+              </a:ext>
+            </a:extLst>
+          </p:cNvPr>
+          <p:cNvCxnSpPr>
+            <a:cxnSpLocks/>
+          </p:cNvCxnSpPr>
+          <p:nvPr/>
+        </p:nvCxnSpPr>
+        <p:spPr>
+          <a:xfrm flipH="1">
+            <a:off x="9087240" y="2845836"/>
+            <a:ext cx="308687" cy="681135"/>
+          </a:xfrm>
+          <a:prstGeom prst="straightConnector1">
+            <a:avLst/>
+          </a:prstGeom>
+          <a:ln w="38100">
+            <a:solidFill>
+              <a:srgbClr val="FF99FF"/>
+            </a:solidFill>
+            <a:headEnd type="none" w="med" len="med"/>
+            <a:tailEnd type="none" w="med" len="med"/>
+          </a:ln>
+        </p:spPr>
+        <p:style>
+          <a:lnRef idx="1">
+            <a:schemeClr val="accent1"/>
+          </a:lnRef>
+          <a:fillRef idx="0">
+            <a:schemeClr val="accent1"/>
+          </a:fillRef>
+          <a:effectRef idx="0">
+            <a:schemeClr val="accent1"/>
+          </a:effectRef>
+          <a:fontRef idx="minor">
+            <a:schemeClr val="tx1"/>
+          </a:fontRef>
+        </p:style>
+      </p:cxnSp>
+      <p:cxnSp>
+        <p:nvCxnSpPr>
+          <p:cNvPr id="13" name="Straight Arrow Connector 12">
+            <a:extLst>
+              <a:ext uri="{FF2B5EF4-FFF2-40B4-BE49-F238E27FC236}">
+                <a16:creationId xmlns:a16="http://schemas.microsoft.com/office/drawing/2014/main" id="{DDDD6E76-8666-9509-2EAB-3483376BE6A3}"/>
+              </a:ext>
+            </a:extLst>
+          </p:cNvPr>
+          <p:cNvCxnSpPr>
+            <a:cxnSpLocks/>
+          </p:cNvCxnSpPr>
+          <p:nvPr/>
+        </p:nvCxnSpPr>
+        <p:spPr>
+          <a:xfrm>
+            <a:off x="2756034" y="2435290"/>
+            <a:ext cx="2953915" cy="0"/>
+          </a:xfrm>
+          <a:prstGeom prst="straightConnector1">
+            <a:avLst/>
+          </a:prstGeom>
+          <a:ln w="38100">
+            <a:solidFill>
+              <a:srgbClr val="CCFF99"/>
+            </a:solidFill>
+            <a:headEnd type="triangle" w="med" len="med"/>
+            <a:tailEnd type="triangle" w="med" len="med"/>
+          </a:ln>
+        </p:spPr>
+        <p:style>
+          <a:lnRef idx="1">
+            <a:schemeClr val="accent1"/>
+          </a:lnRef>
+          <a:fillRef idx="0">
+            <a:schemeClr val="accent1"/>
+          </a:fillRef>
+          <a:effectRef idx="0">
+            <a:schemeClr val="accent1"/>
+          </a:effectRef>
+          <a:fontRef idx="minor">
+            <a:schemeClr val="tx1"/>
+          </a:fontRef>
+        </p:style>
+      </p:cxnSp>
+      <p:cxnSp>
+        <p:nvCxnSpPr>
+          <p:cNvPr id="14" name="Straight Arrow Connector 13">
+            <a:extLst>
+              <a:ext uri="{FF2B5EF4-FFF2-40B4-BE49-F238E27FC236}">
+                <a16:creationId xmlns:a16="http://schemas.microsoft.com/office/drawing/2014/main" id="{FD0BD7ED-5A23-AB74-C1C1-EF90286E81BB}"/>
+              </a:ext>
+            </a:extLst>
+          </p:cNvPr>
+          <p:cNvCxnSpPr>
+            <a:cxnSpLocks/>
+          </p:cNvCxnSpPr>
+          <p:nvPr/>
+        </p:nvCxnSpPr>
+        <p:spPr>
+          <a:xfrm>
+            <a:off x="6908931" y="2845836"/>
+            <a:ext cx="2486996" cy="0"/>
+          </a:xfrm>
+          <a:prstGeom prst="straightConnector1">
+            <a:avLst/>
+          </a:prstGeom>
+          <a:ln w="38100">
+            <a:solidFill>
+              <a:srgbClr val="CCFF99"/>
+            </a:solidFill>
+            <a:headEnd type="triangle" w="med" len="med"/>
+            <a:tailEnd type="triangle" w="med" len="med"/>
+          </a:ln>
+        </p:spPr>
+        <p:style>
+          <a:lnRef idx="1">
+            <a:schemeClr val="accent1"/>
+          </a:lnRef>
+          <a:fillRef idx="0">
+            <a:schemeClr val="accent1"/>
+          </a:fillRef>
+          <a:effectRef idx="0">
+            <a:schemeClr val="accent1"/>
+          </a:effectRef>
+          <a:fontRef idx="minor">
+            <a:schemeClr val="tx1"/>
+          </a:fontRef>
+        </p:style>
+      </p:cxnSp>
+    </p:spTree>
+    <p:extLst>
+      <p:ext uri="{BB962C8B-B14F-4D97-AF65-F5344CB8AC3E}">
+        <p14:creationId xmlns:p14="http://schemas.microsoft.com/office/powerpoint/2010/main" val="602910977"/>
+      </p:ext>
+    </p:extLst>
+  </p:cSld>
+  <p:clrMapOvr>
+    <a:masterClrMapping/>
+  </p:clrMapOvr>
+</p:sld>
+</file>
+
+<file path=ppt/slides/slide31.xml><?xml version="1.0" encoding="utf-8"?>
+<p:sld xmlns:a="http://schemas.openxmlformats.org/drawingml/2006/main" xmlns:r="http://schemas.openxmlformats.org/officeDocument/2006/relationships" xmlns:p="http://schemas.openxmlformats.org/presentationml/2006/main">
+  <p:cSld>
+    <p:spTree>
+      <p:nvGrpSpPr>
+        <p:cNvPr id="1" name="">
+          <a:extLst>
+            <a:ext uri="{FF2B5EF4-FFF2-40B4-BE49-F238E27FC236}">
+              <a16:creationId xmlns:a16="http://schemas.microsoft.com/office/drawing/2014/main" id="{87E153DF-E67C-2F0D-0E68-6E4A97FA4AC7}"/>
+            </a:ext>
+          </a:extLst>
+        </p:cNvPr>
+        <p:cNvGrpSpPr/>
+        <p:nvPr/>
+      </p:nvGrpSpPr>
+      <p:grpSpPr>
+        <a:xfrm>
+          <a:off x="0" y="0"/>
+          <a:ext cx="0" cy="0"/>
+          <a:chOff x="0" y="0"/>
+          <a:chExt cx="0" cy="0"/>
+        </a:xfrm>
+      </p:grpSpPr>
+      <p:grpSp>
+        <p:nvGrpSpPr>
+          <p:cNvPr id="4" name="Group 3">
+            <a:extLst>
+              <a:ext uri="{FF2B5EF4-FFF2-40B4-BE49-F238E27FC236}">
+                <a16:creationId xmlns:a16="http://schemas.microsoft.com/office/drawing/2014/main" id="{AA700239-83C4-BEEF-9260-3C5F50FE0610}"/>
+              </a:ext>
+            </a:extLst>
+          </p:cNvPr>
+          <p:cNvGrpSpPr/>
+          <p:nvPr/>
+        </p:nvGrpSpPr>
+        <p:grpSpPr>
+          <a:xfrm>
+            <a:off x="5045529" y="0"/>
+            <a:ext cx="6228572" cy="12457144"/>
+            <a:chOff x="2128157" y="571500"/>
+            <a:chExt cx="2857500" cy="5715000"/>
+          </a:xfrm>
+        </p:grpSpPr>
+        <p:grpSp>
+          <p:nvGrpSpPr>
+            <p:cNvPr id="5" name="Group 4">
+              <a:extLst>
+                <a:ext uri="{FF2B5EF4-FFF2-40B4-BE49-F238E27FC236}">
+                  <a16:creationId xmlns:a16="http://schemas.microsoft.com/office/drawing/2014/main" id="{F926F1BE-F37C-65DD-645F-047392B9A344}"/>
+                </a:ext>
+              </a:extLst>
+            </p:cNvPr>
+            <p:cNvGrpSpPr/>
+            <p:nvPr/>
+          </p:nvGrpSpPr>
+          <p:grpSpPr>
+            <a:xfrm>
+              <a:off x="2128157" y="571500"/>
+              <a:ext cx="2857500" cy="5715000"/>
+              <a:chOff x="4667250" y="571500"/>
+              <a:chExt cx="2857500" cy="5715000"/>
+            </a:xfrm>
+          </p:grpSpPr>
+          <p:pic>
+            <p:nvPicPr>
+              <p:cNvPr id="7" name="Graphic 6">
+                <a:extLst>
+                  <a:ext uri="{FF2B5EF4-FFF2-40B4-BE49-F238E27FC236}">
+                    <a16:creationId xmlns:a16="http://schemas.microsoft.com/office/drawing/2014/main" id="{1E35F728-84F0-B89B-D7D4-0F21DB63AD77}"/>
+                  </a:ext>
+                </a:extLst>
+              </p:cNvPr>
+              <p:cNvPicPr>
+                <a:picLocks noChangeAspect="1"/>
+              </p:cNvPicPr>
+              <p:nvPr/>
+            </p:nvPicPr>
+            <p:blipFill>
+              <a:blip r:embed="rId2">
+                <a:extLst>
+                  <a:ext uri="{96DAC541-7B7A-43D3-8B79-37D633B846F1}">
+                    <asvg:svgBlip xmlns:asvg="http://schemas.microsoft.com/office/drawing/2016/SVG/main" r:embed="rId3"/>
+                  </a:ext>
+                </a:extLst>
+              </a:blip>
+              <a:stretch>
+                <a:fillRect/>
+              </a:stretch>
+            </p:blipFill>
+            <p:spPr>
+              <a:xfrm>
+                <a:off x="4667250" y="571500"/>
+                <a:ext cx="2857500" cy="5715000"/>
+              </a:xfrm>
+              <a:prstGeom prst="rect">
+                <a:avLst/>
+              </a:prstGeom>
+            </p:spPr>
+          </p:pic>
+          <p:pic>
+            <p:nvPicPr>
+              <p:cNvPr id="8" name="Graphic 7">
+                <a:extLst>
+                  <a:ext uri="{FF2B5EF4-FFF2-40B4-BE49-F238E27FC236}">
+                    <a16:creationId xmlns:a16="http://schemas.microsoft.com/office/drawing/2014/main" id="{184699B0-3E4C-8BBD-5911-E297C3DCC9A4}"/>
+                  </a:ext>
+                </a:extLst>
+              </p:cNvPr>
+              <p:cNvPicPr>
+                <a:picLocks noChangeAspect="1"/>
+              </p:cNvPicPr>
+              <p:nvPr/>
+            </p:nvPicPr>
+            <p:blipFill>
+              <a:blip r:embed="rId4">
+                <a:extLst>
+                  <a:ext uri="{96DAC541-7B7A-43D3-8B79-37D633B846F1}">
+                    <asvg:svgBlip xmlns:asvg="http://schemas.microsoft.com/office/drawing/2016/SVG/main" r:embed="rId5"/>
+                  </a:ext>
+                </a:extLst>
+              </a:blip>
+              <a:stretch>
+                <a:fillRect/>
+              </a:stretch>
+            </p:blipFill>
+            <p:spPr>
+              <a:xfrm>
+                <a:off x="4667250" y="571500"/>
+                <a:ext cx="2857500" cy="5715000"/>
+              </a:xfrm>
+              <a:prstGeom prst="rect">
+                <a:avLst/>
+              </a:prstGeom>
+            </p:spPr>
+          </p:pic>
+        </p:grpSp>
+        <p:pic>
+          <p:nvPicPr>
+            <p:cNvPr id="6" name="Graphic 5">
+              <a:extLst>
+                <a:ext uri="{FF2B5EF4-FFF2-40B4-BE49-F238E27FC236}">
+                  <a16:creationId xmlns:a16="http://schemas.microsoft.com/office/drawing/2014/main" id="{3A6C08D5-6028-7B10-3CD3-87168919F502}"/>
+                </a:ext>
+              </a:extLst>
+            </p:cNvPr>
+            <p:cNvPicPr>
+              <a:picLocks noChangeAspect="1"/>
+            </p:cNvPicPr>
+            <p:nvPr/>
+          </p:nvPicPr>
+          <p:blipFill>
+            <a:blip r:embed="rId6">
+              <a:extLst>
+                <a:ext uri="{96DAC541-7B7A-43D3-8B79-37D633B846F1}">
+                  <asvg:svgBlip xmlns:asvg="http://schemas.microsoft.com/office/drawing/2016/SVG/main" r:embed="rId7"/>
+                </a:ext>
+              </a:extLst>
+            </a:blip>
+            <a:stretch>
+              <a:fillRect/>
+            </a:stretch>
+          </p:blipFill>
+          <p:spPr>
+            <a:xfrm>
+              <a:off x="2128157" y="571500"/>
+              <a:ext cx="2857500" cy="5715000"/>
+            </a:xfrm>
+            <a:prstGeom prst="rect">
+              <a:avLst/>
+            </a:prstGeom>
+          </p:spPr>
+        </p:pic>
+      </p:grpSp>
+      <p:grpSp>
+        <p:nvGrpSpPr>
+          <p:cNvPr id="9" name="Group 8">
+            <a:extLst>
+              <a:ext uri="{FF2B5EF4-FFF2-40B4-BE49-F238E27FC236}">
+                <a16:creationId xmlns:a16="http://schemas.microsoft.com/office/drawing/2014/main" id="{D961FFAC-53BA-3098-693B-31A8E2C69EFC}"/>
+              </a:ext>
+            </a:extLst>
+          </p:cNvPr>
+          <p:cNvGrpSpPr/>
+          <p:nvPr/>
+        </p:nvGrpSpPr>
+        <p:grpSpPr>
+          <a:xfrm>
+            <a:off x="1095961" y="0"/>
+            <a:ext cx="6228572" cy="12457144"/>
+            <a:chOff x="4667250" y="571500"/>
+            <a:chExt cx="2857500" cy="5715000"/>
+          </a:xfrm>
+        </p:grpSpPr>
+        <p:pic>
+          <p:nvPicPr>
+            <p:cNvPr id="10" name="Graphic 9">
+              <a:extLst>
+                <a:ext uri="{FF2B5EF4-FFF2-40B4-BE49-F238E27FC236}">
+                  <a16:creationId xmlns:a16="http://schemas.microsoft.com/office/drawing/2014/main" id="{103B01A9-177A-21E9-EE60-C3ADC147EE6C}"/>
+                </a:ext>
+              </a:extLst>
+            </p:cNvPr>
+            <p:cNvPicPr>
+              <a:picLocks noChangeAspect="1"/>
+            </p:cNvPicPr>
+            <p:nvPr/>
+          </p:nvPicPr>
+          <p:blipFill>
+            <a:blip r:embed="rId8">
+              <a:extLst>
+                <a:ext uri="{96DAC541-7B7A-43D3-8B79-37D633B846F1}">
+                  <asvg:svgBlip xmlns:asvg="http://schemas.microsoft.com/office/drawing/2016/SVG/main" r:embed="rId9"/>
+                </a:ext>
+              </a:extLst>
+            </a:blip>
+            <a:stretch>
+              <a:fillRect/>
+            </a:stretch>
+          </p:blipFill>
+          <p:spPr>
+            <a:xfrm>
+              <a:off x="4667250" y="571500"/>
+              <a:ext cx="2857500" cy="5715000"/>
+            </a:xfrm>
+            <a:prstGeom prst="rect">
+              <a:avLst/>
+            </a:prstGeom>
+          </p:spPr>
+        </p:pic>
+        <p:pic>
+          <p:nvPicPr>
+            <p:cNvPr id="11" name="Graphic 10">
+              <a:extLst>
+                <a:ext uri="{FF2B5EF4-FFF2-40B4-BE49-F238E27FC236}">
+                  <a16:creationId xmlns:a16="http://schemas.microsoft.com/office/drawing/2014/main" id="{A1B4ABAE-C1C8-376A-9683-2F223819451B}"/>
+                </a:ext>
+              </a:extLst>
+            </p:cNvPr>
+            <p:cNvPicPr>
+              <a:picLocks noChangeAspect="1"/>
+            </p:cNvPicPr>
+            <p:nvPr/>
+          </p:nvPicPr>
+          <p:blipFill>
+            <a:blip r:embed="rId10">
+              <a:extLst>
+                <a:ext uri="{96DAC541-7B7A-43D3-8B79-37D633B846F1}">
+                  <asvg:svgBlip xmlns:asvg="http://schemas.microsoft.com/office/drawing/2016/SVG/main" r:embed="rId11"/>
+                </a:ext>
+              </a:extLst>
+            </a:blip>
+            <a:stretch>
+              <a:fillRect/>
+            </a:stretch>
+          </p:blipFill>
+          <p:spPr>
+            <a:xfrm>
+              <a:off x="4667250" y="571500"/>
+              <a:ext cx="2857500" cy="5715000"/>
+            </a:xfrm>
+            <a:prstGeom prst="rect">
+              <a:avLst/>
+            </a:prstGeom>
+          </p:spPr>
+        </p:pic>
+      </p:grpSp>
+      <p:cxnSp>
+        <p:nvCxnSpPr>
+          <p:cNvPr id="12" name="Straight Arrow Connector 11">
+            <a:extLst>
+              <a:ext uri="{FF2B5EF4-FFF2-40B4-BE49-F238E27FC236}">
+                <a16:creationId xmlns:a16="http://schemas.microsoft.com/office/drawing/2014/main" id="{004DCCDD-668D-AB7D-CED1-E554AE6C3A80}"/>
+              </a:ext>
+            </a:extLst>
+          </p:cNvPr>
+          <p:cNvCxnSpPr>
+            <a:cxnSpLocks/>
+          </p:cNvCxnSpPr>
+          <p:nvPr/>
+        </p:nvCxnSpPr>
+        <p:spPr>
+          <a:xfrm>
+            <a:off x="2756034" y="2407899"/>
+            <a:ext cx="313737" cy="736517"/>
+          </a:xfrm>
+          <a:prstGeom prst="straightConnector1">
+            <a:avLst/>
+          </a:prstGeom>
+          <a:ln w="38100">
+            <a:solidFill>
+              <a:srgbClr val="FF99FF"/>
+            </a:solidFill>
+            <a:headEnd type="none" w="med" len="med"/>
+            <a:tailEnd type="none" w="med" len="med"/>
+          </a:ln>
+        </p:spPr>
+        <p:style>
+          <a:lnRef idx="1">
+            <a:schemeClr val="accent1"/>
+          </a:lnRef>
+          <a:fillRef idx="0">
+            <a:schemeClr val="accent1"/>
+          </a:fillRef>
+          <a:effectRef idx="0">
+            <a:schemeClr val="accent1"/>
+          </a:effectRef>
+          <a:fontRef idx="minor">
+            <a:schemeClr val="tx1"/>
+          </a:fontRef>
+        </p:style>
+      </p:cxnSp>
+      <p:cxnSp>
+        <p:nvCxnSpPr>
+          <p:cNvPr id="15" name="Straight Arrow Connector 14">
+            <a:extLst>
+              <a:ext uri="{FF2B5EF4-FFF2-40B4-BE49-F238E27FC236}">
+                <a16:creationId xmlns:a16="http://schemas.microsoft.com/office/drawing/2014/main" id="{F673C7FC-DE59-F0AE-F2C5-3AF3FC84EAFF}"/>
+              </a:ext>
+            </a:extLst>
+          </p:cNvPr>
+          <p:cNvCxnSpPr>
+            <a:cxnSpLocks/>
+          </p:cNvCxnSpPr>
+          <p:nvPr/>
+        </p:nvCxnSpPr>
+        <p:spPr>
+          <a:xfrm flipH="1">
+            <a:off x="5327780" y="2435290"/>
+            <a:ext cx="382169" cy="709126"/>
+          </a:xfrm>
+          <a:prstGeom prst="straightConnector1">
+            <a:avLst/>
+          </a:prstGeom>
+          <a:ln w="38100">
+            <a:solidFill>
+              <a:srgbClr val="FF99FF"/>
+            </a:solidFill>
+            <a:headEnd type="none" w="med" len="med"/>
+            <a:tailEnd type="none" w="med" len="med"/>
+          </a:ln>
+        </p:spPr>
+        <p:style>
+          <a:lnRef idx="1">
+            <a:schemeClr val="accent1"/>
+          </a:lnRef>
+          <a:fillRef idx="0">
+            <a:schemeClr val="accent1"/>
+          </a:fillRef>
+          <a:effectRef idx="0">
+            <a:schemeClr val="accent1"/>
+          </a:effectRef>
+          <a:fontRef idx="minor">
+            <a:schemeClr val="tx1"/>
+          </a:fontRef>
+        </p:style>
+      </p:cxnSp>
+      <p:cxnSp>
+        <p:nvCxnSpPr>
+          <p:cNvPr id="21" name="Straight Arrow Connector 20">
+            <a:extLst>
+              <a:ext uri="{FF2B5EF4-FFF2-40B4-BE49-F238E27FC236}">
+                <a16:creationId xmlns:a16="http://schemas.microsoft.com/office/drawing/2014/main" id="{C574412E-D31D-19E4-9BF3-57DBA3DE47C3}"/>
+              </a:ext>
+            </a:extLst>
+          </p:cNvPr>
+          <p:cNvCxnSpPr>
+            <a:cxnSpLocks/>
+          </p:cNvCxnSpPr>
+          <p:nvPr/>
+        </p:nvCxnSpPr>
+        <p:spPr>
+          <a:xfrm>
+            <a:off x="6895325" y="2845836"/>
+            <a:ext cx="335899" cy="681135"/>
+          </a:xfrm>
+          <a:prstGeom prst="straightConnector1">
+            <a:avLst/>
+          </a:prstGeom>
+          <a:ln w="38100">
+            <a:solidFill>
+              <a:srgbClr val="FF99FF"/>
+            </a:solidFill>
+            <a:headEnd type="none" w="med" len="med"/>
+            <a:tailEnd type="none" w="med" len="med"/>
+          </a:ln>
+        </p:spPr>
+        <p:style>
+          <a:lnRef idx="1">
+            <a:schemeClr val="accent1"/>
+          </a:lnRef>
+          <a:fillRef idx="0">
+            <a:schemeClr val="accent1"/>
+          </a:fillRef>
+          <a:effectRef idx="0">
+            <a:schemeClr val="accent1"/>
+          </a:effectRef>
+          <a:fontRef idx="minor">
+            <a:schemeClr val="tx1"/>
+          </a:fontRef>
+        </p:style>
+      </p:cxnSp>
+      <p:cxnSp>
+        <p:nvCxnSpPr>
+          <p:cNvPr id="23" name="Straight Arrow Connector 22">
+            <a:extLst>
+              <a:ext uri="{FF2B5EF4-FFF2-40B4-BE49-F238E27FC236}">
+                <a16:creationId xmlns:a16="http://schemas.microsoft.com/office/drawing/2014/main" id="{CF4A3EBF-C03F-81BA-FEAE-352ED9E36857}"/>
+              </a:ext>
+            </a:extLst>
+          </p:cNvPr>
+          <p:cNvCxnSpPr>
+            <a:cxnSpLocks/>
+          </p:cNvCxnSpPr>
+          <p:nvPr/>
+        </p:nvCxnSpPr>
+        <p:spPr>
+          <a:xfrm flipH="1">
+            <a:off x="9087240" y="2845836"/>
+            <a:ext cx="308687" cy="681135"/>
+          </a:xfrm>
+          <a:prstGeom prst="straightConnector1">
+            <a:avLst/>
+          </a:prstGeom>
+          <a:ln w="38100">
+            <a:solidFill>
+              <a:srgbClr val="FF99FF"/>
+            </a:solidFill>
+            <a:headEnd type="none" w="med" len="med"/>
+            <a:tailEnd type="none" w="med" len="med"/>
+          </a:ln>
+        </p:spPr>
+        <p:style>
+          <a:lnRef idx="1">
+            <a:schemeClr val="accent1"/>
+          </a:lnRef>
+          <a:fillRef idx="0">
+            <a:schemeClr val="accent1"/>
+          </a:fillRef>
+          <a:effectRef idx="0">
+            <a:schemeClr val="accent1"/>
+          </a:effectRef>
+          <a:fontRef idx="minor">
+            <a:schemeClr val="tx1"/>
+          </a:fontRef>
+        </p:style>
+      </p:cxnSp>
+      <p:cxnSp>
+        <p:nvCxnSpPr>
+          <p:cNvPr id="13" name="Straight Arrow Connector 12">
+            <a:extLst>
+              <a:ext uri="{FF2B5EF4-FFF2-40B4-BE49-F238E27FC236}">
+                <a16:creationId xmlns:a16="http://schemas.microsoft.com/office/drawing/2014/main" id="{A635D950-088D-F4D0-AFD0-E6D9E92669C3}"/>
+              </a:ext>
+            </a:extLst>
+          </p:cNvPr>
+          <p:cNvCxnSpPr>
+            <a:cxnSpLocks/>
+          </p:cNvCxnSpPr>
+          <p:nvPr/>
+        </p:nvCxnSpPr>
+        <p:spPr>
+          <a:xfrm flipV="1">
+            <a:off x="2756034" y="2230016"/>
+            <a:ext cx="1405419" cy="205274"/>
+          </a:xfrm>
+          <a:prstGeom prst="straightConnector1">
+            <a:avLst/>
+          </a:prstGeom>
+          <a:ln w="38100">
+            <a:solidFill>
+              <a:srgbClr val="CCFF99"/>
+            </a:solidFill>
+            <a:headEnd type="triangle" w="med" len="med"/>
+            <a:tailEnd type="none" w="med" len="med"/>
+          </a:ln>
+        </p:spPr>
+        <p:style>
+          <a:lnRef idx="1">
+            <a:schemeClr val="accent1"/>
+          </a:lnRef>
+          <a:fillRef idx="0">
+            <a:schemeClr val="accent1"/>
+          </a:fillRef>
+          <a:effectRef idx="0">
+            <a:schemeClr val="accent1"/>
+          </a:effectRef>
+          <a:fontRef idx="minor">
+            <a:schemeClr val="tx1"/>
+          </a:fontRef>
+        </p:style>
+      </p:cxnSp>
+      <p:cxnSp>
+        <p:nvCxnSpPr>
+          <p:cNvPr id="14" name="Straight Arrow Connector 13">
+            <a:extLst>
+              <a:ext uri="{FF2B5EF4-FFF2-40B4-BE49-F238E27FC236}">
+                <a16:creationId xmlns:a16="http://schemas.microsoft.com/office/drawing/2014/main" id="{344D2431-0569-8D77-110B-E3D7B920EAB9}"/>
+              </a:ext>
+            </a:extLst>
+          </p:cNvPr>
+          <p:cNvCxnSpPr>
+            <a:cxnSpLocks/>
+          </p:cNvCxnSpPr>
+          <p:nvPr/>
+        </p:nvCxnSpPr>
+        <p:spPr>
+          <a:xfrm flipV="1">
+            <a:off x="6908931" y="2659224"/>
+            <a:ext cx="1227363" cy="186612"/>
+          </a:xfrm>
+          <a:prstGeom prst="straightConnector1">
+            <a:avLst/>
+          </a:prstGeom>
+          <a:ln w="38100">
+            <a:solidFill>
+              <a:srgbClr val="CCFF99"/>
+            </a:solidFill>
+            <a:headEnd type="triangle" w="med" len="med"/>
+            <a:tailEnd type="none" w="med" len="med"/>
+          </a:ln>
+        </p:spPr>
+        <p:style>
+          <a:lnRef idx="1">
+            <a:schemeClr val="accent1"/>
+          </a:lnRef>
+          <a:fillRef idx="0">
+            <a:schemeClr val="accent1"/>
+          </a:fillRef>
+          <a:effectRef idx="0">
+            <a:schemeClr val="accent1"/>
+          </a:effectRef>
+          <a:fontRef idx="minor">
+            <a:schemeClr val="tx1"/>
+          </a:fontRef>
+        </p:style>
+      </p:cxnSp>
+      <p:sp>
+        <p:nvSpPr>
+          <p:cNvPr id="3" name="Arc 2">
+            <a:extLst>
+              <a:ext uri="{FF2B5EF4-FFF2-40B4-BE49-F238E27FC236}">
+                <a16:creationId xmlns:a16="http://schemas.microsoft.com/office/drawing/2014/main" id="{E55A98F6-F4C0-E64F-F739-E41ADA89B46F}"/>
+              </a:ext>
+            </a:extLst>
+          </p:cNvPr>
+          <p:cNvSpPr/>
+          <p:nvPr/>
+        </p:nvSpPr>
+        <p:spPr>
+          <a:xfrm>
+            <a:off x="3942574" y="1814803"/>
+            <a:ext cx="531066" cy="363894"/>
+          </a:xfrm>
+          <a:prstGeom prst="arc">
+            <a:avLst>
+              <a:gd name="adj1" fmla="val 21221159"/>
+              <a:gd name="adj2" fmla="val 10926675"/>
+            </a:avLst>
+          </a:prstGeom>
+          <a:ln w="38100">
+            <a:solidFill>
+              <a:srgbClr val="FF99FF"/>
+            </a:solidFill>
+            <a:headEnd type="none" w="med" len="med"/>
+            <a:tailEnd type="none" w="med" len="med"/>
+          </a:ln>
+        </p:spPr>
+        <p:style>
+          <a:lnRef idx="1">
+            <a:schemeClr val="accent1"/>
+          </a:lnRef>
+          <a:fillRef idx="0">
+            <a:schemeClr val="accent1"/>
+          </a:fillRef>
+          <a:effectRef idx="0">
+            <a:schemeClr val="accent1"/>
+          </a:effectRef>
+          <a:fontRef idx="minor">
+            <a:schemeClr val="tx1"/>
+          </a:fontRef>
+        </p:style>
+        <p:txBody>
+          <a:bodyPr rtlCol="0" anchor="ctr"/>
+          <a:lstStyle/>
+          <a:p>
+            <a:pPr algn="ctr"/>
+            <a:endParaRPr lang="en-GB"/>
+          </a:p>
+        </p:txBody>
+      </p:sp>
+      <p:sp>
+        <p:nvSpPr>
+          <p:cNvPr id="16" name="Arc 15">
+            <a:extLst>
+              <a:ext uri="{FF2B5EF4-FFF2-40B4-BE49-F238E27FC236}">
+                <a16:creationId xmlns:a16="http://schemas.microsoft.com/office/drawing/2014/main" id="{1858CDE1-8207-7588-BE0D-9CCFD4A88086}"/>
+              </a:ext>
+            </a:extLst>
+          </p:cNvPr>
+          <p:cNvSpPr/>
+          <p:nvPr/>
+        </p:nvSpPr>
+        <p:spPr>
+          <a:xfrm>
+            <a:off x="3942574" y="1819468"/>
+            <a:ext cx="531066" cy="363894"/>
+          </a:xfrm>
+          <a:prstGeom prst="arc">
+            <a:avLst>
+              <a:gd name="adj1" fmla="val 3758739"/>
+              <a:gd name="adj2" fmla="val 10926675"/>
+            </a:avLst>
+          </a:prstGeom>
+          <a:ln w="38100">
+            <a:solidFill>
+              <a:srgbClr val="FF99FF"/>
+            </a:solidFill>
+            <a:headEnd type="none" w="med" len="med"/>
+            <a:tailEnd type="none" w="med" len="med"/>
+          </a:ln>
+        </p:spPr>
+        <p:style>
+          <a:lnRef idx="1">
+            <a:schemeClr val="accent1"/>
+          </a:lnRef>
+          <a:fillRef idx="0">
+            <a:schemeClr val="accent1"/>
+          </a:fillRef>
+          <a:effectRef idx="0">
+            <a:schemeClr val="accent1"/>
+          </a:effectRef>
+          <a:fontRef idx="minor">
+            <a:schemeClr val="tx1"/>
+          </a:fontRef>
+        </p:style>
+        <p:txBody>
+          <a:bodyPr rtlCol="0" anchor="ctr"/>
+          <a:lstStyle/>
+          <a:p>
+            <a:pPr algn="ctr"/>
+            <a:endParaRPr lang="en-GB"/>
+          </a:p>
+        </p:txBody>
+      </p:sp>
+      <p:sp>
+        <p:nvSpPr>
+          <p:cNvPr id="17" name="Arc 16">
+            <a:extLst>
+              <a:ext uri="{FF2B5EF4-FFF2-40B4-BE49-F238E27FC236}">
+                <a16:creationId xmlns:a16="http://schemas.microsoft.com/office/drawing/2014/main" id="{0A421716-BCF9-D7C0-CA2C-53B3AD115DDC}"/>
+              </a:ext>
+            </a:extLst>
+          </p:cNvPr>
+          <p:cNvSpPr/>
+          <p:nvPr/>
+        </p:nvSpPr>
+        <p:spPr>
+          <a:xfrm>
+            <a:off x="7896422" y="2230016"/>
+            <a:ext cx="531066" cy="363894"/>
+          </a:xfrm>
+          <a:prstGeom prst="arc">
+            <a:avLst>
+              <a:gd name="adj1" fmla="val 21221159"/>
+              <a:gd name="adj2" fmla="val 10926675"/>
+            </a:avLst>
+          </a:prstGeom>
+          <a:ln w="38100">
+            <a:solidFill>
+              <a:srgbClr val="FF99FF"/>
+            </a:solidFill>
+            <a:headEnd type="none" w="med" len="med"/>
+            <a:tailEnd type="none" w="med" len="med"/>
+          </a:ln>
+        </p:spPr>
+        <p:style>
+          <a:lnRef idx="1">
+            <a:schemeClr val="accent1"/>
+          </a:lnRef>
+          <a:fillRef idx="0">
+            <a:schemeClr val="accent1"/>
+          </a:fillRef>
+          <a:effectRef idx="0">
+            <a:schemeClr val="accent1"/>
+          </a:effectRef>
+          <a:fontRef idx="minor">
+            <a:schemeClr val="tx1"/>
+          </a:fontRef>
+        </p:style>
+        <p:txBody>
+          <a:bodyPr rtlCol="0" anchor="ctr"/>
+          <a:lstStyle/>
+          <a:p>
+            <a:pPr algn="ctr"/>
+            <a:endParaRPr lang="en-GB"/>
+          </a:p>
+        </p:txBody>
+      </p:sp>
+      <p:sp>
+        <p:nvSpPr>
+          <p:cNvPr id="18" name="Arc 17">
+            <a:extLst>
+              <a:ext uri="{FF2B5EF4-FFF2-40B4-BE49-F238E27FC236}">
+                <a16:creationId xmlns:a16="http://schemas.microsoft.com/office/drawing/2014/main" id="{B315AE7C-485E-7FD8-C33D-8C24564D6265}"/>
+              </a:ext>
+            </a:extLst>
+          </p:cNvPr>
+          <p:cNvSpPr/>
+          <p:nvPr/>
+        </p:nvSpPr>
+        <p:spPr>
+          <a:xfrm>
+            <a:off x="7896422" y="2234681"/>
+            <a:ext cx="531066" cy="363894"/>
+          </a:xfrm>
+          <a:prstGeom prst="arc">
+            <a:avLst>
+              <a:gd name="adj1" fmla="val 3758739"/>
+              <a:gd name="adj2" fmla="val 10926675"/>
+            </a:avLst>
+          </a:prstGeom>
+          <a:ln w="38100">
+            <a:solidFill>
+              <a:srgbClr val="FF99FF"/>
+            </a:solidFill>
+            <a:headEnd type="none" w="med" len="med"/>
+            <a:tailEnd type="none" w="med" len="med"/>
+          </a:ln>
+        </p:spPr>
+        <p:style>
+          <a:lnRef idx="1">
+            <a:schemeClr val="accent1"/>
+          </a:lnRef>
+          <a:fillRef idx="0">
+            <a:schemeClr val="accent1"/>
+          </a:fillRef>
+          <a:effectRef idx="0">
+            <a:schemeClr val="accent1"/>
+          </a:effectRef>
+          <a:fontRef idx="minor">
+            <a:schemeClr val="tx1"/>
+          </a:fontRef>
+        </p:style>
+        <p:txBody>
+          <a:bodyPr rtlCol="0" anchor="ctr"/>
+          <a:lstStyle/>
+          <a:p>
+            <a:pPr algn="ctr"/>
+            <a:endParaRPr lang="en-GB"/>
+          </a:p>
+        </p:txBody>
+      </p:sp>
+    </p:spTree>
+    <p:extLst>
+      <p:ext uri="{BB962C8B-B14F-4D97-AF65-F5344CB8AC3E}">
+        <p14:creationId xmlns:p14="http://schemas.microsoft.com/office/powerpoint/2010/main" val="592535747"/>
+      </p:ext>
+    </p:extLst>
+  </p:cSld>
+  <p:clrMapOvr>
+    <a:masterClrMapping/>
+  </p:clrMapOvr>
+</p:sld>
+</file>
+
+<file path=ppt/slides/slide32.xml><?xml version="1.0" encoding="utf-8"?>
+<p:sld xmlns:a="http://schemas.openxmlformats.org/drawingml/2006/main" xmlns:r="http://schemas.openxmlformats.org/officeDocument/2006/relationships" xmlns:p="http://schemas.openxmlformats.org/presentationml/2006/main">
+  <p:cSld>
+    <p:spTree>
+      <p:nvGrpSpPr>
+        <p:cNvPr id="1" name="">
+          <a:extLst>
+            <a:ext uri="{FF2B5EF4-FFF2-40B4-BE49-F238E27FC236}">
+              <a16:creationId xmlns:a16="http://schemas.microsoft.com/office/drawing/2014/main" id="{7C352406-6D3E-C470-400C-F89FF267EFE7}"/>
+            </a:ext>
+          </a:extLst>
+        </p:cNvPr>
+        <p:cNvGrpSpPr/>
+        <p:nvPr/>
+      </p:nvGrpSpPr>
+      <p:grpSpPr>
+        <a:xfrm>
+          <a:off x="0" y="0"/>
+          <a:ext cx="0" cy="0"/>
+          <a:chOff x="0" y="0"/>
+          <a:chExt cx="0" cy="0"/>
+        </a:xfrm>
+      </p:grpSpPr>
+      <p:pic>
+        <p:nvPicPr>
+          <p:cNvPr id="2" name="Graphic 1">
+            <a:extLst>
+              <a:ext uri="{FF2B5EF4-FFF2-40B4-BE49-F238E27FC236}">
+                <a16:creationId xmlns:a16="http://schemas.microsoft.com/office/drawing/2014/main" id="{AD1B46D3-08D3-632A-7846-FA21022AF48B}"/>
+              </a:ext>
+            </a:extLst>
+          </p:cNvPr>
+          <p:cNvPicPr>
+            <a:picLocks noChangeAspect="1"/>
+          </p:cNvPicPr>
+          <p:nvPr/>
+        </p:nvPicPr>
+        <p:blipFill>
+          <a:blip r:embed="rId2">
+            <a:extLst>
+              <a:ext uri="{96DAC541-7B7A-43D3-8B79-37D633B846F1}">
+                <asvg:svgBlip xmlns:asvg="http://schemas.microsoft.com/office/drawing/2016/SVG/main" r:embed="rId3"/>
+              </a:ext>
+            </a:extLst>
+          </a:blip>
+          <a:stretch>
+            <a:fillRect/>
+          </a:stretch>
+        </p:blipFill>
+        <p:spPr>
+          <a:xfrm>
+            <a:off x="2099388" y="812933"/>
+            <a:ext cx="5391924" cy="5391924"/>
+          </a:xfrm>
+          <a:prstGeom prst="rect">
+            <a:avLst/>
+          </a:prstGeom>
+        </p:spPr>
+      </p:pic>
+      <p:pic>
+        <p:nvPicPr>
+          <p:cNvPr id="8" name="Graphic 7">
+            <a:extLst>
+              <a:ext uri="{FF2B5EF4-FFF2-40B4-BE49-F238E27FC236}">
+                <a16:creationId xmlns:a16="http://schemas.microsoft.com/office/drawing/2014/main" id="{AD1F7503-9725-91D5-9253-185947F75D5C}"/>
+              </a:ext>
+            </a:extLst>
+          </p:cNvPr>
+          <p:cNvPicPr>
+            <a:picLocks noChangeAspect="1"/>
+          </p:cNvPicPr>
+          <p:nvPr/>
+        </p:nvPicPr>
+        <p:blipFill>
+          <a:blip r:embed="rId4">
+            <a:extLst>
+              <a:ext uri="{96DAC541-7B7A-43D3-8B79-37D633B846F1}">
+                <asvg:svgBlip xmlns:asvg="http://schemas.microsoft.com/office/drawing/2016/SVG/main" r:embed="rId5"/>
+              </a:ext>
+            </a:extLst>
+          </a:blip>
+          <a:stretch>
+            <a:fillRect/>
+          </a:stretch>
+        </p:blipFill>
+        <p:spPr>
+          <a:xfrm>
+            <a:off x="5253136" y="944194"/>
+            <a:ext cx="5390122" cy="5390122"/>
+          </a:xfrm>
+          <a:prstGeom prst="rect">
+            <a:avLst/>
+          </a:prstGeom>
+        </p:spPr>
+      </p:pic>
+      <p:cxnSp>
+        <p:nvCxnSpPr>
+          <p:cNvPr id="9" name="Straight Arrow Connector 8">
+            <a:extLst>
+              <a:ext uri="{FF2B5EF4-FFF2-40B4-BE49-F238E27FC236}">
+                <a16:creationId xmlns:a16="http://schemas.microsoft.com/office/drawing/2014/main" id="{34579110-0A55-4EBA-143B-2999F5F2C300}"/>
+              </a:ext>
+            </a:extLst>
+          </p:cNvPr>
+          <p:cNvCxnSpPr>
+            <a:cxnSpLocks/>
+          </p:cNvCxnSpPr>
+          <p:nvPr/>
+        </p:nvCxnSpPr>
+        <p:spPr>
+          <a:xfrm>
+            <a:off x="3706004" y="4870581"/>
+            <a:ext cx="1435163" cy="0"/>
+          </a:xfrm>
+          <a:prstGeom prst="straightConnector1">
+            <a:avLst/>
+          </a:prstGeom>
+          <a:ln w="38100">
+            <a:solidFill>
+              <a:srgbClr val="FF99FF"/>
+            </a:solidFill>
+            <a:headEnd type="none" w="med" len="med"/>
+            <a:tailEnd type="none" w="med" len="med"/>
+          </a:ln>
+        </p:spPr>
+        <p:style>
+          <a:lnRef idx="1">
+            <a:schemeClr val="accent1"/>
+          </a:lnRef>
+          <a:fillRef idx="0">
+            <a:schemeClr val="accent1"/>
+          </a:fillRef>
+          <a:effectRef idx="0">
+            <a:schemeClr val="accent1"/>
+          </a:effectRef>
+          <a:fontRef idx="minor">
+            <a:schemeClr val="tx1"/>
+          </a:fontRef>
+        </p:style>
+      </p:cxnSp>
+      <p:cxnSp>
+        <p:nvCxnSpPr>
+          <p:cNvPr id="12" name="Straight Arrow Connector 11">
+            <a:extLst>
+              <a:ext uri="{FF2B5EF4-FFF2-40B4-BE49-F238E27FC236}">
+                <a16:creationId xmlns:a16="http://schemas.microsoft.com/office/drawing/2014/main" id="{56B5D28D-452C-2FC0-D818-A50361EDD099}"/>
+              </a:ext>
+            </a:extLst>
+          </p:cNvPr>
+          <p:cNvCxnSpPr>
+            <a:cxnSpLocks/>
+          </p:cNvCxnSpPr>
+          <p:nvPr/>
+        </p:nvCxnSpPr>
+        <p:spPr>
+          <a:xfrm flipH="1">
+            <a:off x="4805265" y="3275045"/>
+            <a:ext cx="186613" cy="1595536"/>
+          </a:xfrm>
+          <a:prstGeom prst="straightConnector1">
+            <a:avLst/>
+          </a:prstGeom>
+          <a:ln w="38100">
+            <a:solidFill>
+              <a:srgbClr val="CCFF99"/>
+            </a:solidFill>
+            <a:headEnd type="none" w="med" len="med"/>
+            <a:tailEnd type="triangle" w="med" len="med"/>
+          </a:ln>
+        </p:spPr>
+        <p:style>
+          <a:lnRef idx="1">
+            <a:schemeClr val="accent1"/>
+          </a:lnRef>
+          <a:fillRef idx="0">
+            <a:schemeClr val="accent1"/>
+          </a:fillRef>
+          <a:effectRef idx="0">
+            <a:schemeClr val="accent1"/>
+          </a:effectRef>
+          <a:fontRef idx="minor">
+            <a:schemeClr val="tx1"/>
+          </a:fontRef>
+        </p:style>
+      </p:cxnSp>
+      <p:cxnSp>
+        <p:nvCxnSpPr>
+          <p:cNvPr id="19" name="Straight Arrow Connector 18">
+            <a:extLst>
+              <a:ext uri="{FF2B5EF4-FFF2-40B4-BE49-F238E27FC236}">
+                <a16:creationId xmlns:a16="http://schemas.microsoft.com/office/drawing/2014/main" id="{35800935-89F1-E40C-F622-6A2BC53A8350}"/>
+              </a:ext>
+            </a:extLst>
+          </p:cNvPr>
+          <p:cNvCxnSpPr>
+            <a:cxnSpLocks/>
+          </p:cNvCxnSpPr>
+          <p:nvPr/>
+        </p:nvCxnSpPr>
+        <p:spPr>
+          <a:xfrm>
+            <a:off x="6923314" y="4870581"/>
+            <a:ext cx="1481523" cy="0"/>
+          </a:xfrm>
+          <a:prstGeom prst="straightConnector1">
+            <a:avLst/>
+          </a:prstGeom>
+          <a:ln w="38100">
+            <a:solidFill>
+              <a:srgbClr val="FF99FF"/>
+            </a:solidFill>
+            <a:headEnd type="none" w="med" len="med"/>
+            <a:tailEnd type="none" w="med" len="med"/>
+          </a:ln>
+        </p:spPr>
+        <p:style>
+          <a:lnRef idx="1">
+            <a:schemeClr val="accent1"/>
+          </a:lnRef>
+          <a:fillRef idx="0">
+            <a:schemeClr val="accent1"/>
+          </a:fillRef>
+          <a:effectRef idx="0">
+            <a:schemeClr val="accent1"/>
+          </a:effectRef>
+          <a:fontRef idx="minor">
+            <a:schemeClr val="tx1"/>
+          </a:fontRef>
+        </p:style>
+      </p:cxnSp>
+      <p:cxnSp>
+        <p:nvCxnSpPr>
+          <p:cNvPr id="20" name="Straight Arrow Connector 19">
+            <a:extLst>
+              <a:ext uri="{FF2B5EF4-FFF2-40B4-BE49-F238E27FC236}">
+                <a16:creationId xmlns:a16="http://schemas.microsoft.com/office/drawing/2014/main" id="{A35EDA25-168D-5C0C-A97E-8BBB70E8653A}"/>
+              </a:ext>
+            </a:extLst>
+          </p:cNvPr>
+          <p:cNvCxnSpPr>
+            <a:cxnSpLocks/>
+          </p:cNvCxnSpPr>
+          <p:nvPr/>
+        </p:nvCxnSpPr>
+        <p:spPr>
+          <a:xfrm flipH="1">
+            <a:off x="7968343" y="3568959"/>
+            <a:ext cx="177283" cy="1301622"/>
+          </a:xfrm>
+          <a:prstGeom prst="straightConnector1">
+            <a:avLst/>
+          </a:prstGeom>
+          <a:ln w="38100">
+            <a:solidFill>
+              <a:srgbClr val="CCFF99"/>
+            </a:solidFill>
+            <a:headEnd type="none" w="med" len="med"/>
+            <a:tailEnd type="triangle" w="med" len="med"/>
+          </a:ln>
+        </p:spPr>
+        <p:style>
+          <a:lnRef idx="1">
+            <a:schemeClr val="accent1"/>
+          </a:lnRef>
+          <a:fillRef idx="0">
+            <a:schemeClr val="accent1"/>
+          </a:fillRef>
+          <a:effectRef idx="0">
+            <a:schemeClr val="accent1"/>
+          </a:effectRef>
+          <a:fontRef idx="minor">
+            <a:schemeClr val="tx1"/>
+          </a:fontRef>
+        </p:style>
+      </p:cxnSp>
+      <p:cxnSp>
+        <p:nvCxnSpPr>
+          <p:cNvPr id="32" name="Straight Arrow Connector 31">
+            <a:extLst>
+              <a:ext uri="{FF2B5EF4-FFF2-40B4-BE49-F238E27FC236}">
+                <a16:creationId xmlns:a16="http://schemas.microsoft.com/office/drawing/2014/main" id="{E3E9E5A9-E2B7-8E06-0937-8E776B61D37D}"/>
+              </a:ext>
+            </a:extLst>
+          </p:cNvPr>
+          <p:cNvCxnSpPr>
+            <a:cxnSpLocks/>
+          </p:cNvCxnSpPr>
+          <p:nvPr/>
+        </p:nvCxnSpPr>
+        <p:spPr>
+          <a:xfrm>
+            <a:off x="4898571" y="3275044"/>
+            <a:ext cx="205276" cy="0"/>
+          </a:xfrm>
+          <a:prstGeom prst="straightConnector1">
+            <a:avLst/>
+          </a:prstGeom>
+          <a:ln w="38100">
+            <a:solidFill>
+              <a:srgbClr val="FF99FF"/>
+            </a:solidFill>
+            <a:headEnd type="none" w="med" len="med"/>
+            <a:tailEnd type="none" w="med" len="med"/>
+          </a:ln>
+        </p:spPr>
+        <p:style>
+          <a:lnRef idx="1">
+            <a:schemeClr val="accent1"/>
+          </a:lnRef>
+          <a:fillRef idx="0">
+            <a:schemeClr val="accent1"/>
+          </a:fillRef>
+          <a:effectRef idx="0">
+            <a:schemeClr val="accent1"/>
+          </a:effectRef>
+          <a:fontRef idx="minor">
+            <a:schemeClr val="tx1"/>
+          </a:fontRef>
+        </p:style>
+      </p:cxnSp>
+      <p:cxnSp>
+        <p:nvCxnSpPr>
+          <p:cNvPr id="38" name="Straight Arrow Connector 37">
+            <a:extLst>
+              <a:ext uri="{FF2B5EF4-FFF2-40B4-BE49-F238E27FC236}">
+                <a16:creationId xmlns:a16="http://schemas.microsoft.com/office/drawing/2014/main" id="{65BCE20A-DEDC-7BD2-CA3A-BB305E4EEC87}"/>
+              </a:ext>
+            </a:extLst>
+          </p:cNvPr>
+          <p:cNvCxnSpPr>
+            <a:cxnSpLocks/>
+          </p:cNvCxnSpPr>
+          <p:nvPr/>
+        </p:nvCxnSpPr>
+        <p:spPr>
+          <a:xfrm>
+            <a:off x="8064760" y="3554962"/>
+            <a:ext cx="205276" cy="0"/>
+          </a:xfrm>
+          <a:prstGeom prst="straightConnector1">
+            <a:avLst/>
+          </a:prstGeom>
+          <a:ln w="38100">
+            <a:solidFill>
+              <a:srgbClr val="FF99FF"/>
+            </a:solidFill>
+            <a:headEnd type="none" w="med" len="med"/>
+            <a:tailEnd type="none" w="med" len="med"/>
+          </a:ln>
+        </p:spPr>
+        <p:style>
+          <a:lnRef idx="1">
+            <a:schemeClr val="accent1"/>
+          </a:lnRef>
+          <a:fillRef idx="0">
+            <a:schemeClr val="accent1"/>
+          </a:fillRef>
+          <a:effectRef idx="0">
+            <a:schemeClr val="accent1"/>
+          </a:effectRef>
+          <a:fontRef idx="minor">
+            <a:schemeClr val="tx1"/>
+          </a:fontRef>
+        </p:style>
+      </p:cxnSp>
+    </p:spTree>
+    <p:extLst>
+      <p:ext uri="{BB962C8B-B14F-4D97-AF65-F5344CB8AC3E}">
+        <p14:creationId xmlns:p14="http://schemas.microsoft.com/office/powerpoint/2010/main" val="2027865794"/>
+      </p:ext>
+    </p:extLst>
+  </p:cSld>
+  <p:clrMapOvr>
+    <a:masterClrMapping/>
+  </p:clrMapOvr>
+</p:sld>
+</file>
+
+<file path=ppt/slides/slide33.xml><?xml version="1.0" encoding="utf-8"?>
+<p:sld xmlns:a="http://schemas.openxmlformats.org/drawingml/2006/main" xmlns:r="http://schemas.openxmlformats.org/officeDocument/2006/relationships" xmlns:p="http://schemas.openxmlformats.org/presentationml/2006/main">
+  <p:cSld>
+    <p:spTree>
+      <p:nvGrpSpPr>
+        <p:cNvPr id="1" name="">
+          <a:extLst>
+            <a:ext uri="{FF2B5EF4-FFF2-40B4-BE49-F238E27FC236}">
               <a16:creationId xmlns:a16="http://schemas.microsoft.com/office/drawing/2014/main" id="{D5C3E803-8320-F9D1-AE5C-E8EB5AD92BEF}"/>
             </a:ext>
           </a:extLst>
@@ -15922,7 +17899,7 @@
 </p:sld>
 </file>
 
-<file path=ppt/slides/slide31.xml><?xml version="1.0" encoding="utf-8"?>
+<file path=ppt/slides/slide34.xml><?xml version="1.0" encoding="utf-8"?>
 <p:sld xmlns:a="http://schemas.openxmlformats.org/drawingml/2006/main" xmlns:r="http://schemas.openxmlformats.org/officeDocument/2006/relationships" xmlns:p="http://schemas.openxmlformats.org/presentationml/2006/main">
   <p:cSld>
     <p:spTree>
@@ -16473,7 +18450,7 @@
 </p:sld>
 </file>
 
-<file path=ppt/slides/slide32.xml><?xml version="1.0" encoding="utf-8"?>
+<file path=ppt/slides/slide35.xml><?xml version="1.0" encoding="utf-8"?>
 <p:sld xmlns:a="http://schemas.openxmlformats.org/drawingml/2006/main" xmlns:r="http://schemas.openxmlformats.org/officeDocument/2006/relationships" xmlns:p="http://schemas.openxmlformats.org/presentationml/2006/main">
   <p:cSld>
     <p:spTree>
@@ -16932,7 +18909,7 @@
 </p:sld>
 </file>
 
-<file path=ppt/slides/slide33.xml><?xml version="1.0" encoding="utf-8"?>
+<file path=ppt/slides/slide36.xml><?xml version="1.0" encoding="utf-8"?>
 <p:sld xmlns:a="http://schemas.openxmlformats.org/drawingml/2006/main" xmlns:r="http://schemas.openxmlformats.org/officeDocument/2006/relationships" xmlns:p="http://schemas.openxmlformats.org/presentationml/2006/main">
   <p:cSld>
     <p:spTree>
@@ -17426,7 +19403,7 @@
 </p:sld>
 </file>
 
-<file path=ppt/slides/slide34.xml><?xml version="1.0" encoding="utf-8"?>
+<file path=ppt/slides/slide37.xml><?xml version="1.0" encoding="utf-8"?>
 <p:sld xmlns:a="http://schemas.openxmlformats.org/drawingml/2006/main" xmlns:r="http://schemas.openxmlformats.org/officeDocument/2006/relationships" xmlns:p="http://schemas.openxmlformats.org/presentationml/2006/main">
   <p:cSld>
     <p:spTree>
@@ -18378,7 +20355,7 @@
 </p:sld>
 </file>
 
-<file path=ppt/slides/slide35.xml><?xml version="1.0" encoding="utf-8"?>
+<file path=ppt/slides/slide38.xml><?xml version="1.0" encoding="utf-8"?>
 <p:sld xmlns:a="http://schemas.openxmlformats.org/drawingml/2006/main" xmlns:r="http://schemas.openxmlformats.org/officeDocument/2006/relationships" xmlns:p="http://schemas.openxmlformats.org/presentationml/2006/main">
   <p:cSld>
     <p:spTree>
@@ -18780,7 +20757,7 @@
 </p:sld>
 </file>
 
-<file path=ppt/slides/slide36.xml><?xml version="1.0" encoding="utf-8"?>
+<file path=ppt/slides/slide39.xml><?xml version="1.0" encoding="utf-8"?>
 <p:sld xmlns:a="http://schemas.openxmlformats.org/drawingml/2006/main" xmlns:r="http://schemas.openxmlformats.org/officeDocument/2006/relationships" xmlns:p="http://schemas.openxmlformats.org/presentationml/2006/main">
   <p:cSld>
     <p:spTree>
@@ -19376,7 +21353,721 @@
 </p:sld>
 </file>
 
-<file path=ppt/slides/slide37.xml><?xml version="1.0" encoding="utf-8"?>
+<file path=ppt/slides/slide4.xml><?xml version="1.0" encoding="utf-8"?>
+<p:sld xmlns:a="http://schemas.openxmlformats.org/drawingml/2006/main" xmlns:r="http://schemas.openxmlformats.org/officeDocument/2006/relationships" xmlns:p="http://schemas.openxmlformats.org/presentationml/2006/main">
+  <p:cSld>
+    <p:spTree>
+      <p:nvGrpSpPr>
+        <p:cNvPr id="1" name="">
+          <a:extLst>
+            <a:ext uri="{FF2B5EF4-FFF2-40B4-BE49-F238E27FC236}">
+              <a16:creationId xmlns:a16="http://schemas.microsoft.com/office/drawing/2014/main" id="{0BB2EFA0-80E4-341D-4DF2-04A0EA76D4C6}"/>
+            </a:ext>
+          </a:extLst>
+        </p:cNvPr>
+        <p:cNvGrpSpPr/>
+        <p:nvPr/>
+      </p:nvGrpSpPr>
+      <p:grpSpPr>
+        <a:xfrm>
+          <a:off x="0" y="0"/>
+          <a:ext cx="0" cy="0"/>
+          <a:chOff x="0" y="0"/>
+          <a:chExt cx="0" cy="0"/>
+        </a:xfrm>
+      </p:grpSpPr>
+      <p:grpSp>
+        <p:nvGrpSpPr>
+          <p:cNvPr id="14" name="Group 13">
+            <a:extLst>
+              <a:ext uri="{FF2B5EF4-FFF2-40B4-BE49-F238E27FC236}">
+                <a16:creationId xmlns:a16="http://schemas.microsoft.com/office/drawing/2014/main" id="{320ED08B-88E9-7D2E-4D84-C47CF6F50465}"/>
+              </a:ext>
+            </a:extLst>
+          </p:cNvPr>
+          <p:cNvGrpSpPr/>
+          <p:nvPr/>
+        </p:nvGrpSpPr>
+        <p:grpSpPr>
+          <a:xfrm>
+            <a:off x="7162801" y="-318020"/>
+            <a:ext cx="5673013" cy="11346026"/>
+            <a:chOff x="7162801" y="-318020"/>
+            <a:chExt cx="5673013" cy="11346026"/>
+          </a:xfrm>
+        </p:grpSpPr>
+        <p:pic>
+          <p:nvPicPr>
+            <p:cNvPr id="20" name="Graphic 19">
+              <a:extLst>
+                <a:ext uri="{FF2B5EF4-FFF2-40B4-BE49-F238E27FC236}">
+                  <a16:creationId xmlns:a16="http://schemas.microsoft.com/office/drawing/2014/main" id="{B2499B72-F56A-BA33-E4AE-75EF5951E60F}"/>
+                </a:ext>
+              </a:extLst>
+            </p:cNvPr>
+            <p:cNvPicPr>
+              <a:picLocks noChangeAspect="1"/>
+            </p:cNvPicPr>
+            <p:nvPr/>
+          </p:nvPicPr>
+          <p:blipFill>
+            <a:blip r:embed="rId2">
+              <a:extLst>
+                <a:ext uri="{96DAC541-7B7A-43D3-8B79-37D633B846F1}">
+                  <asvg:svgBlip xmlns:asvg="http://schemas.microsoft.com/office/drawing/2016/SVG/main" r:embed="rId3"/>
+                </a:ext>
+              </a:extLst>
+            </a:blip>
+            <a:stretch>
+              <a:fillRect/>
+            </a:stretch>
+          </p:blipFill>
+          <p:spPr>
+            <a:xfrm>
+              <a:off x="7162801" y="-318020"/>
+              <a:ext cx="5673013" cy="11346026"/>
+            </a:xfrm>
+            <a:prstGeom prst="rect">
+              <a:avLst/>
+            </a:prstGeom>
+          </p:spPr>
+        </p:pic>
+        <p:pic>
+          <p:nvPicPr>
+            <p:cNvPr id="6" name="Graphic 5">
+              <a:extLst>
+                <a:ext uri="{FF2B5EF4-FFF2-40B4-BE49-F238E27FC236}">
+                  <a16:creationId xmlns:a16="http://schemas.microsoft.com/office/drawing/2014/main" id="{1EB004E9-5536-1D68-D579-70F7DFEC03C2}"/>
+                </a:ext>
+              </a:extLst>
+            </p:cNvPr>
+            <p:cNvPicPr>
+              <a:picLocks noChangeAspect="1"/>
+            </p:cNvPicPr>
+            <p:nvPr/>
+          </p:nvPicPr>
+          <p:blipFill>
+            <a:blip r:embed="rId4">
+              <a:extLst>
+                <a:ext uri="{96DAC541-7B7A-43D3-8B79-37D633B846F1}">
+                  <asvg:svgBlip xmlns:asvg="http://schemas.microsoft.com/office/drawing/2016/SVG/main" r:embed="rId5"/>
+                </a:ext>
+              </a:extLst>
+            </a:blip>
+            <a:stretch>
+              <a:fillRect/>
+            </a:stretch>
+          </p:blipFill>
+          <p:spPr>
+            <a:xfrm>
+              <a:off x="7162801" y="-318018"/>
+              <a:ext cx="5673012" cy="11346024"/>
+            </a:xfrm>
+            <a:prstGeom prst="rect">
+              <a:avLst/>
+            </a:prstGeom>
+          </p:spPr>
+        </p:pic>
+        <p:cxnSp>
+          <p:nvCxnSpPr>
+            <p:cNvPr id="9" name="Straight Arrow Connector 8">
+              <a:extLst>
+                <a:ext uri="{FF2B5EF4-FFF2-40B4-BE49-F238E27FC236}">
+                  <a16:creationId xmlns:a16="http://schemas.microsoft.com/office/drawing/2014/main" id="{4D1B45E6-75B9-C142-0655-A0E1951AB26C}"/>
+                </a:ext>
+              </a:extLst>
+            </p:cNvPr>
+            <p:cNvCxnSpPr>
+              <a:cxnSpLocks/>
+            </p:cNvCxnSpPr>
+            <p:nvPr/>
+          </p:nvCxnSpPr>
+          <p:spPr>
+            <a:xfrm>
+              <a:off x="9178213" y="3169302"/>
+              <a:ext cx="895738" cy="0"/>
+            </a:xfrm>
+            <a:prstGeom prst="straightConnector1">
+              <a:avLst/>
+            </a:prstGeom>
+            <a:ln w="38100">
+              <a:solidFill>
+                <a:srgbClr val="CCFF99"/>
+              </a:solidFill>
+              <a:headEnd type="none" w="med" len="med"/>
+              <a:tailEnd type="triangle" w="med" len="med"/>
+            </a:ln>
+          </p:spPr>
+          <p:style>
+            <a:lnRef idx="1">
+              <a:schemeClr val="accent1"/>
+            </a:lnRef>
+            <a:fillRef idx="0">
+              <a:schemeClr val="accent1"/>
+            </a:fillRef>
+            <a:effectRef idx="0">
+              <a:schemeClr val="accent1"/>
+            </a:effectRef>
+            <a:fontRef idx="minor">
+              <a:schemeClr val="tx1"/>
+            </a:fontRef>
+          </p:style>
+        </p:cxnSp>
+        <p:cxnSp>
+          <p:nvCxnSpPr>
+            <p:cNvPr id="10" name="Straight Arrow Connector 9">
+              <a:extLst>
+                <a:ext uri="{FF2B5EF4-FFF2-40B4-BE49-F238E27FC236}">
+                  <a16:creationId xmlns:a16="http://schemas.microsoft.com/office/drawing/2014/main" id="{5BD87844-AF1F-7D60-0CD5-EF1312F1C41F}"/>
+                </a:ext>
+              </a:extLst>
+            </p:cNvPr>
+            <p:cNvCxnSpPr>
+              <a:cxnSpLocks/>
+            </p:cNvCxnSpPr>
+            <p:nvPr/>
+          </p:nvCxnSpPr>
+          <p:spPr>
+            <a:xfrm>
+              <a:off x="9607422" y="3169302"/>
+              <a:ext cx="1212979" cy="0"/>
+            </a:xfrm>
+            <a:prstGeom prst="straightConnector1">
+              <a:avLst/>
+            </a:prstGeom>
+            <a:ln w="38100">
+              <a:solidFill>
+                <a:srgbClr val="CCFF99"/>
+              </a:solidFill>
+              <a:headEnd type="none" w="med" len="med"/>
+              <a:tailEnd type="none" w="med" len="med"/>
+            </a:ln>
+          </p:spPr>
+          <p:style>
+            <a:lnRef idx="1">
+              <a:schemeClr val="accent1"/>
+            </a:lnRef>
+            <a:fillRef idx="0">
+              <a:schemeClr val="accent1"/>
+            </a:fillRef>
+            <a:effectRef idx="0">
+              <a:schemeClr val="accent1"/>
+            </a:effectRef>
+            <a:fontRef idx="minor">
+              <a:schemeClr val="tx1"/>
+            </a:fontRef>
+          </p:style>
+        </p:cxnSp>
+        <p:pic>
+          <p:nvPicPr>
+            <p:cNvPr id="11" name="Graphic 10">
+              <a:extLst>
+                <a:ext uri="{FF2B5EF4-FFF2-40B4-BE49-F238E27FC236}">
+                  <a16:creationId xmlns:a16="http://schemas.microsoft.com/office/drawing/2014/main" id="{9A797FF2-300B-E9F6-1E7A-3BCE6B288711}"/>
+                </a:ext>
+              </a:extLst>
+            </p:cNvPr>
+            <p:cNvPicPr>
+              <a:picLocks noChangeAspect="1"/>
+            </p:cNvPicPr>
+            <p:nvPr/>
+          </p:nvPicPr>
+          <p:blipFill>
+            <a:blip r:embed="rId6">
+              <a:extLst>
+                <a:ext uri="{96DAC541-7B7A-43D3-8B79-37D633B846F1}">
+                  <asvg:svgBlip xmlns:asvg="http://schemas.microsoft.com/office/drawing/2016/SVG/main" r:embed="rId7"/>
+                </a:ext>
+              </a:extLst>
+            </a:blip>
+            <a:stretch>
+              <a:fillRect/>
+            </a:stretch>
+          </p:blipFill>
+          <p:spPr>
+            <a:xfrm>
+              <a:off x="7162801" y="-318018"/>
+              <a:ext cx="5673012" cy="11346024"/>
+            </a:xfrm>
+            <a:prstGeom prst="rect">
+              <a:avLst/>
+            </a:prstGeom>
+          </p:spPr>
+        </p:pic>
+      </p:grpSp>
+      <p:grpSp>
+        <p:nvGrpSpPr>
+          <p:cNvPr id="19" name="Group 18">
+            <a:extLst>
+              <a:ext uri="{FF2B5EF4-FFF2-40B4-BE49-F238E27FC236}">
+                <a16:creationId xmlns:a16="http://schemas.microsoft.com/office/drawing/2014/main" id="{0FD10BF5-9DAE-B70F-C045-D968EFBAF35D}"/>
+              </a:ext>
+            </a:extLst>
+          </p:cNvPr>
+          <p:cNvGrpSpPr/>
+          <p:nvPr/>
+        </p:nvGrpSpPr>
+        <p:grpSpPr>
+          <a:xfrm>
+            <a:off x="-653142" y="-318020"/>
+            <a:ext cx="5682342" cy="11346026"/>
+            <a:chOff x="-653142" y="-318020"/>
+            <a:chExt cx="5682342" cy="11346026"/>
+          </a:xfrm>
+        </p:grpSpPr>
+        <p:grpSp>
+          <p:nvGrpSpPr>
+            <p:cNvPr id="37" name="Group 36">
+              <a:extLst>
+                <a:ext uri="{FF2B5EF4-FFF2-40B4-BE49-F238E27FC236}">
+                  <a16:creationId xmlns:a16="http://schemas.microsoft.com/office/drawing/2014/main" id="{E99F1377-52AC-F6F6-CE45-8A722C418F18}"/>
+                </a:ext>
+              </a:extLst>
+            </p:cNvPr>
+            <p:cNvGrpSpPr/>
+            <p:nvPr/>
+          </p:nvGrpSpPr>
+          <p:grpSpPr>
+            <a:xfrm>
+              <a:off x="-643813" y="-318020"/>
+              <a:ext cx="5673013" cy="11346026"/>
+              <a:chOff x="4667250" y="571500"/>
+              <a:chExt cx="2857500" cy="5715000"/>
+            </a:xfrm>
+          </p:grpSpPr>
+          <p:pic>
+            <p:nvPicPr>
+              <p:cNvPr id="32" name="Graphic 31">
+                <a:extLst>
+                  <a:ext uri="{FF2B5EF4-FFF2-40B4-BE49-F238E27FC236}">
+                    <a16:creationId xmlns:a16="http://schemas.microsoft.com/office/drawing/2014/main" id="{B03D5DC1-B7F8-9D25-457D-C45AFDBE36CF}"/>
+                  </a:ext>
+                </a:extLst>
+              </p:cNvPr>
+              <p:cNvPicPr>
+                <a:picLocks noChangeAspect="1"/>
+              </p:cNvPicPr>
+              <p:nvPr/>
+            </p:nvPicPr>
+            <p:blipFill>
+              <a:blip r:embed="rId2">
+                <a:extLst>
+                  <a:ext uri="{96DAC541-7B7A-43D3-8B79-37D633B846F1}">
+                    <asvg:svgBlip xmlns:asvg="http://schemas.microsoft.com/office/drawing/2016/SVG/main" r:embed="rId3"/>
+                  </a:ext>
+                </a:extLst>
+              </a:blip>
+              <a:stretch>
+                <a:fillRect/>
+              </a:stretch>
+            </p:blipFill>
+            <p:spPr>
+              <a:xfrm>
+                <a:off x="4667250" y="571500"/>
+                <a:ext cx="2857500" cy="5715000"/>
+              </a:xfrm>
+              <a:prstGeom prst="rect">
+                <a:avLst/>
+              </a:prstGeom>
+            </p:spPr>
+          </p:pic>
+          <p:pic>
+            <p:nvPicPr>
+              <p:cNvPr id="34" name="Graphic 33">
+                <a:extLst>
+                  <a:ext uri="{FF2B5EF4-FFF2-40B4-BE49-F238E27FC236}">
+                    <a16:creationId xmlns:a16="http://schemas.microsoft.com/office/drawing/2014/main" id="{4DB4209A-80AB-0E1C-54DB-90E54F71DEBD}"/>
+                  </a:ext>
+                </a:extLst>
+              </p:cNvPr>
+              <p:cNvPicPr>
+                <a:picLocks noChangeAspect="1"/>
+              </p:cNvPicPr>
+              <p:nvPr/>
+            </p:nvPicPr>
+            <p:blipFill>
+              <a:blip r:embed="rId8">
+                <a:extLst>
+                  <a:ext uri="{96DAC541-7B7A-43D3-8B79-37D633B846F1}">
+                    <asvg:svgBlip xmlns:asvg="http://schemas.microsoft.com/office/drawing/2016/SVG/main" r:embed="rId9"/>
+                  </a:ext>
+                </a:extLst>
+              </a:blip>
+              <a:stretch>
+                <a:fillRect/>
+              </a:stretch>
+            </p:blipFill>
+            <p:spPr>
+              <a:xfrm>
+                <a:off x="4667250" y="571500"/>
+                <a:ext cx="2857500" cy="5715000"/>
+              </a:xfrm>
+              <a:prstGeom prst="rect">
+                <a:avLst/>
+              </a:prstGeom>
+            </p:spPr>
+          </p:pic>
+        </p:grpSp>
+        <p:cxnSp>
+          <p:nvCxnSpPr>
+            <p:cNvPr id="2" name="Straight Arrow Connector 1">
+              <a:extLst>
+                <a:ext uri="{FF2B5EF4-FFF2-40B4-BE49-F238E27FC236}">
+                  <a16:creationId xmlns:a16="http://schemas.microsoft.com/office/drawing/2014/main" id="{1FC4A001-326C-D9DC-205C-31B04C67DC14}"/>
+                </a:ext>
+              </a:extLst>
+            </p:cNvPr>
+            <p:cNvCxnSpPr>
+              <a:cxnSpLocks/>
+            </p:cNvCxnSpPr>
+            <p:nvPr/>
+          </p:nvCxnSpPr>
+          <p:spPr>
+            <a:xfrm>
+              <a:off x="1380931" y="3169302"/>
+              <a:ext cx="895738" cy="0"/>
+            </a:xfrm>
+            <a:prstGeom prst="straightConnector1">
+              <a:avLst/>
+            </a:prstGeom>
+            <a:ln w="38100">
+              <a:solidFill>
+                <a:srgbClr val="CCFF99"/>
+              </a:solidFill>
+              <a:headEnd type="none" w="med" len="med"/>
+              <a:tailEnd type="triangle" w="med" len="med"/>
+            </a:ln>
+          </p:spPr>
+          <p:style>
+            <a:lnRef idx="1">
+              <a:schemeClr val="accent1"/>
+            </a:lnRef>
+            <a:fillRef idx="0">
+              <a:schemeClr val="accent1"/>
+            </a:fillRef>
+            <a:effectRef idx="0">
+              <a:schemeClr val="accent1"/>
+            </a:effectRef>
+            <a:fontRef idx="minor">
+              <a:schemeClr val="tx1"/>
+            </a:fontRef>
+          </p:style>
+        </p:cxnSp>
+        <p:cxnSp>
+          <p:nvCxnSpPr>
+            <p:cNvPr id="3" name="Straight Arrow Connector 2">
+              <a:extLst>
+                <a:ext uri="{FF2B5EF4-FFF2-40B4-BE49-F238E27FC236}">
+                  <a16:creationId xmlns:a16="http://schemas.microsoft.com/office/drawing/2014/main" id="{C5E93A92-5F25-B2DF-3185-3723DFEE6144}"/>
+                </a:ext>
+              </a:extLst>
+            </p:cNvPr>
+            <p:cNvCxnSpPr>
+              <a:cxnSpLocks/>
+            </p:cNvCxnSpPr>
+            <p:nvPr/>
+          </p:nvCxnSpPr>
+          <p:spPr>
+            <a:xfrm>
+              <a:off x="1800809" y="3169302"/>
+              <a:ext cx="1212979" cy="0"/>
+            </a:xfrm>
+            <a:prstGeom prst="straightConnector1">
+              <a:avLst/>
+            </a:prstGeom>
+            <a:ln w="38100">
+              <a:solidFill>
+                <a:srgbClr val="CCFF99"/>
+              </a:solidFill>
+              <a:headEnd type="none" w="med" len="med"/>
+              <a:tailEnd type="none" w="med" len="med"/>
+            </a:ln>
+          </p:spPr>
+          <p:style>
+            <a:lnRef idx="1">
+              <a:schemeClr val="accent1"/>
+            </a:lnRef>
+            <a:fillRef idx="0">
+              <a:schemeClr val="accent1"/>
+            </a:fillRef>
+            <a:effectRef idx="0">
+              <a:schemeClr val="accent1"/>
+            </a:effectRef>
+            <a:fontRef idx="minor">
+              <a:schemeClr val="tx1"/>
+            </a:fontRef>
+          </p:style>
+        </p:cxnSp>
+        <p:pic>
+          <p:nvPicPr>
+            <p:cNvPr id="12" name="Graphic 11">
+              <a:extLst>
+                <a:ext uri="{FF2B5EF4-FFF2-40B4-BE49-F238E27FC236}">
+                  <a16:creationId xmlns:a16="http://schemas.microsoft.com/office/drawing/2014/main" id="{DF0193F9-5F19-DBF0-F8AE-43617064E215}"/>
+                </a:ext>
+              </a:extLst>
+            </p:cNvPr>
+            <p:cNvPicPr>
+              <a:picLocks noChangeAspect="1"/>
+            </p:cNvPicPr>
+            <p:nvPr/>
+          </p:nvPicPr>
+          <p:blipFill>
+            <a:blip r:embed="rId6">
+              <a:extLst>
+                <a:ext uri="{96DAC541-7B7A-43D3-8B79-37D633B846F1}">
+                  <asvg:svgBlip xmlns:asvg="http://schemas.microsoft.com/office/drawing/2016/SVG/main" r:embed="rId7"/>
+                </a:ext>
+              </a:extLst>
+            </a:blip>
+            <a:stretch>
+              <a:fillRect/>
+            </a:stretch>
+          </p:blipFill>
+          <p:spPr>
+            <a:xfrm>
+              <a:off x="-653142" y="-318018"/>
+              <a:ext cx="5673012" cy="11346024"/>
+            </a:xfrm>
+            <a:prstGeom prst="rect">
+              <a:avLst/>
+            </a:prstGeom>
+          </p:spPr>
+        </p:pic>
+      </p:grpSp>
+      <p:grpSp>
+        <p:nvGrpSpPr>
+          <p:cNvPr id="17" name="Group 16">
+            <a:extLst>
+              <a:ext uri="{FF2B5EF4-FFF2-40B4-BE49-F238E27FC236}">
+                <a16:creationId xmlns:a16="http://schemas.microsoft.com/office/drawing/2014/main" id="{A798DBA1-2D02-904C-E6F8-183847156069}"/>
+              </a:ext>
+            </a:extLst>
+          </p:cNvPr>
+          <p:cNvGrpSpPr/>
+          <p:nvPr/>
+        </p:nvGrpSpPr>
+        <p:grpSpPr>
+          <a:xfrm>
+            <a:off x="3259494" y="-318020"/>
+            <a:ext cx="5673013" cy="11346026"/>
+            <a:chOff x="3259494" y="-318020"/>
+            <a:chExt cx="5673013" cy="11346026"/>
+          </a:xfrm>
+        </p:grpSpPr>
+        <p:pic>
+          <p:nvPicPr>
+            <p:cNvPr id="27" name="Graphic 26">
+              <a:extLst>
+                <a:ext uri="{FF2B5EF4-FFF2-40B4-BE49-F238E27FC236}">
+                  <a16:creationId xmlns:a16="http://schemas.microsoft.com/office/drawing/2014/main" id="{E16868EC-EDB7-D7B1-AA22-A76642B69028}"/>
+                </a:ext>
+              </a:extLst>
+            </p:cNvPr>
+            <p:cNvPicPr>
+              <a:picLocks noChangeAspect="1"/>
+            </p:cNvPicPr>
+            <p:nvPr/>
+          </p:nvPicPr>
+          <p:blipFill>
+            <a:blip r:embed="rId2">
+              <a:extLst>
+                <a:ext uri="{96DAC541-7B7A-43D3-8B79-37D633B846F1}">
+                  <asvg:svgBlip xmlns:asvg="http://schemas.microsoft.com/office/drawing/2016/SVG/main" r:embed="rId3"/>
+                </a:ext>
+              </a:extLst>
+            </a:blip>
+            <a:stretch>
+              <a:fillRect/>
+            </a:stretch>
+          </p:blipFill>
+          <p:spPr>
+            <a:xfrm>
+              <a:off x="3259494" y="-318020"/>
+              <a:ext cx="5673013" cy="11346026"/>
+            </a:xfrm>
+            <a:prstGeom prst="rect">
+              <a:avLst/>
+            </a:prstGeom>
+          </p:spPr>
+        </p:pic>
+        <p:pic>
+          <p:nvPicPr>
+            <p:cNvPr id="25" name="Graphic 24">
+              <a:extLst>
+                <a:ext uri="{FF2B5EF4-FFF2-40B4-BE49-F238E27FC236}">
+                  <a16:creationId xmlns:a16="http://schemas.microsoft.com/office/drawing/2014/main" id="{E54A3696-2AE8-84F2-E322-7A7F54970FFD}"/>
+                </a:ext>
+              </a:extLst>
+            </p:cNvPr>
+            <p:cNvPicPr>
+              <a:picLocks noChangeAspect="1"/>
+            </p:cNvPicPr>
+            <p:nvPr/>
+          </p:nvPicPr>
+          <p:blipFill>
+            <a:blip r:embed="rId10">
+              <a:extLst>
+                <a:ext uri="{96DAC541-7B7A-43D3-8B79-37D633B846F1}">
+                  <asvg:svgBlip xmlns:asvg="http://schemas.microsoft.com/office/drawing/2016/SVG/main" r:embed="rId11"/>
+                </a:ext>
+              </a:extLst>
+            </a:blip>
+            <a:stretch>
+              <a:fillRect/>
+            </a:stretch>
+          </p:blipFill>
+          <p:spPr>
+            <a:xfrm>
+              <a:off x="3259494" y="-318020"/>
+              <a:ext cx="5673013" cy="11346026"/>
+            </a:xfrm>
+            <a:prstGeom prst="rect">
+              <a:avLst/>
+            </a:prstGeom>
+          </p:spPr>
+        </p:pic>
+        <p:cxnSp>
+          <p:nvCxnSpPr>
+            <p:cNvPr id="7" name="Straight Arrow Connector 6">
+              <a:extLst>
+                <a:ext uri="{FF2B5EF4-FFF2-40B4-BE49-F238E27FC236}">
+                  <a16:creationId xmlns:a16="http://schemas.microsoft.com/office/drawing/2014/main" id="{A93E053B-74AD-3053-7BAB-79FEF9468AC8}"/>
+                </a:ext>
+              </a:extLst>
+            </p:cNvPr>
+            <p:cNvCxnSpPr>
+              <a:cxnSpLocks/>
+            </p:cNvCxnSpPr>
+            <p:nvPr/>
+          </p:nvCxnSpPr>
+          <p:spPr>
+            <a:xfrm>
+              <a:off x="5274907" y="3237726"/>
+              <a:ext cx="895738" cy="0"/>
+            </a:xfrm>
+            <a:prstGeom prst="straightConnector1">
+              <a:avLst/>
+            </a:prstGeom>
+            <a:ln w="38100">
+              <a:solidFill>
+                <a:srgbClr val="CCFF99"/>
+              </a:solidFill>
+              <a:headEnd type="none" w="med" len="med"/>
+              <a:tailEnd type="triangle" w="med" len="med"/>
+            </a:ln>
+          </p:spPr>
+          <p:style>
+            <a:lnRef idx="1">
+              <a:schemeClr val="accent1"/>
+            </a:lnRef>
+            <a:fillRef idx="0">
+              <a:schemeClr val="accent1"/>
+            </a:fillRef>
+            <a:effectRef idx="0">
+              <a:schemeClr val="accent1"/>
+            </a:effectRef>
+            <a:fontRef idx="minor">
+              <a:schemeClr val="tx1"/>
+            </a:fontRef>
+          </p:style>
+        </p:cxnSp>
+        <p:cxnSp>
+          <p:nvCxnSpPr>
+            <p:cNvPr id="8" name="Straight Arrow Connector 7">
+              <a:extLst>
+                <a:ext uri="{FF2B5EF4-FFF2-40B4-BE49-F238E27FC236}">
+                  <a16:creationId xmlns:a16="http://schemas.microsoft.com/office/drawing/2014/main" id="{83760F7C-03D5-ABF0-0776-EC9C76F6934A}"/>
+                </a:ext>
+              </a:extLst>
+            </p:cNvPr>
+            <p:cNvCxnSpPr>
+              <a:cxnSpLocks/>
+            </p:cNvCxnSpPr>
+            <p:nvPr/>
+          </p:nvCxnSpPr>
+          <p:spPr>
+            <a:xfrm>
+              <a:off x="5694785" y="3237726"/>
+              <a:ext cx="1212979" cy="0"/>
+            </a:xfrm>
+            <a:prstGeom prst="straightConnector1">
+              <a:avLst/>
+            </a:prstGeom>
+            <a:ln w="38100">
+              <a:solidFill>
+                <a:srgbClr val="CCFF99"/>
+              </a:solidFill>
+              <a:headEnd type="none" w="med" len="med"/>
+              <a:tailEnd type="none" w="med" len="med"/>
+            </a:ln>
+          </p:spPr>
+          <p:style>
+            <a:lnRef idx="1">
+              <a:schemeClr val="accent1"/>
+            </a:lnRef>
+            <a:fillRef idx="0">
+              <a:schemeClr val="accent1"/>
+            </a:fillRef>
+            <a:effectRef idx="0">
+              <a:schemeClr val="accent1"/>
+            </a:effectRef>
+            <a:fontRef idx="minor">
+              <a:schemeClr val="tx1"/>
+            </a:fontRef>
+          </p:style>
+        </p:cxnSp>
+        <p:pic>
+          <p:nvPicPr>
+            <p:cNvPr id="13" name="Graphic 12">
+              <a:extLst>
+                <a:ext uri="{FF2B5EF4-FFF2-40B4-BE49-F238E27FC236}">
+                  <a16:creationId xmlns:a16="http://schemas.microsoft.com/office/drawing/2014/main" id="{0FF6E49C-5554-8A0B-D177-7075325C3096}"/>
+                </a:ext>
+              </a:extLst>
+            </p:cNvPr>
+            <p:cNvPicPr>
+              <a:picLocks noChangeAspect="1"/>
+            </p:cNvPicPr>
+            <p:nvPr/>
+          </p:nvPicPr>
+          <p:blipFill>
+            <a:blip r:embed="rId6">
+              <a:extLst>
+                <a:ext uri="{96DAC541-7B7A-43D3-8B79-37D633B846F1}">
+                  <asvg:svgBlip xmlns:asvg="http://schemas.microsoft.com/office/drawing/2016/SVG/main" r:embed="rId7"/>
+                </a:ext>
+              </a:extLst>
+            </a:blip>
+            <a:stretch>
+              <a:fillRect/>
+            </a:stretch>
+          </p:blipFill>
+          <p:spPr>
+            <a:xfrm>
+              <a:off x="3259495" y="-318018"/>
+              <a:ext cx="5673012" cy="11346024"/>
+            </a:xfrm>
+            <a:prstGeom prst="rect">
+              <a:avLst/>
+            </a:prstGeom>
+          </p:spPr>
+        </p:pic>
+      </p:grpSp>
+    </p:spTree>
+    <p:extLst>
+      <p:ext uri="{BB962C8B-B14F-4D97-AF65-F5344CB8AC3E}">
+        <p14:creationId xmlns:p14="http://schemas.microsoft.com/office/powerpoint/2010/main" val="977898101"/>
+      </p:ext>
+    </p:extLst>
+  </p:cSld>
+  <p:clrMapOvr>
+    <a:masterClrMapping/>
+  </p:clrMapOvr>
+</p:sld>
+</file>
+
+<file path=ppt/slides/slide40.xml><?xml version="1.0" encoding="utf-8"?>
 <p:sld xmlns:a="http://schemas.openxmlformats.org/drawingml/2006/main" xmlns:r="http://schemas.openxmlformats.org/officeDocument/2006/relationships" xmlns:p="http://schemas.openxmlformats.org/presentationml/2006/main">
   <p:cSld>
     <p:spTree>
@@ -19927,7 +22618,7 @@
 </p:sld>
 </file>
 
-<file path=ppt/slides/slide38.xml><?xml version="1.0" encoding="utf-8"?>
+<file path=ppt/slides/slide41.xml><?xml version="1.0" encoding="utf-8"?>
 <p:sld xmlns:a="http://schemas.openxmlformats.org/drawingml/2006/main" xmlns:r="http://schemas.openxmlformats.org/officeDocument/2006/relationships" xmlns:p="http://schemas.openxmlformats.org/presentationml/2006/main">
   <p:cSld>
     <p:spTree>
@@ -20386,7 +23077,7 @@
 </p:sld>
 </file>
 
-<file path=ppt/slides/slide39.xml><?xml version="1.0" encoding="utf-8"?>
+<file path=ppt/slides/slide42.xml><?xml version="1.0" encoding="utf-8"?>
 <p:sld xmlns:a="http://schemas.openxmlformats.org/drawingml/2006/main" xmlns:r="http://schemas.openxmlformats.org/officeDocument/2006/relationships" xmlns:p="http://schemas.openxmlformats.org/presentationml/2006/main">
   <p:cSld>
     <p:spTree>
@@ -20935,721 +23626,7 @@
 </p:sld>
 </file>
 
-<file path=ppt/slides/slide4.xml><?xml version="1.0" encoding="utf-8"?>
-<p:sld xmlns:a="http://schemas.openxmlformats.org/drawingml/2006/main" xmlns:r="http://schemas.openxmlformats.org/officeDocument/2006/relationships" xmlns:p="http://schemas.openxmlformats.org/presentationml/2006/main">
-  <p:cSld>
-    <p:spTree>
-      <p:nvGrpSpPr>
-        <p:cNvPr id="1" name="">
-          <a:extLst>
-            <a:ext uri="{FF2B5EF4-FFF2-40B4-BE49-F238E27FC236}">
-              <a16:creationId xmlns:a16="http://schemas.microsoft.com/office/drawing/2014/main" id="{0BB2EFA0-80E4-341D-4DF2-04A0EA76D4C6}"/>
-            </a:ext>
-          </a:extLst>
-        </p:cNvPr>
-        <p:cNvGrpSpPr/>
-        <p:nvPr/>
-      </p:nvGrpSpPr>
-      <p:grpSpPr>
-        <a:xfrm>
-          <a:off x="0" y="0"/>
-          <a:ext cx="0" cy="0"/>
-          <a:chOff x="0" y="0"/>
-          <a:chExt cx="0" cy="0"/>
-        </a:xfrm>
-      </p:grpSpPr>
-      <p:grpSp>
-        <p:nvGrpSpPr>
-          <p:cNvPr id="14" name="Group 13">
-            <a:extLst>
-              <a:ext uri="{FF2B5EF4-FFF2-40B4-BE49-F238E27FC236}">
-                <a16:creationId xmlns:a16="http://schemas.microsoft.com/office/drawing/2014/main" id="{320ED08B-88E9-7D2E-4D84-C47CF6F50465}"/>
-              </a:ext>
-            </a:extLst>
-          </p:cNvPr>
-          <p:cNvGrpSpPr/>
-          <p:nvPr/>
-        </p:nvGrpSpPr>
-        <p:grpSpPr>
-          <a:xfrm>
-            <a:off x="7162801" y="-318020"/>
-            <a:ext cx="5673013" cy="11346026"/>
-            <a:chOff x="7162801" y="-318020"/>
-            <a:chExt cx="5673013" cy="11346026"/>
-          </a:xfrm>
-        </p:grpSpPr>
-        <p:pic>
-          <p:nvPicPr>
-            <p:cNvPr id="20" name="Graphic 19">
-              <a:extLst>
-                <a:ext uri="{FF2B5EF4-FFF2-40B4-BE49-F238E27FC236}">
-                  <a16:creationId xmlns:a16="http://schemas.microsoft.com/office/drawing/2014/main" id="{B2499B72-F56A-BA33-E4AE-75EF5951E60F}"/>
-                </a:ext>
-              </a:extLst>
-            </p:cNvPr>
-            <p:cNvPicPr>
-              <a:picLocks noChangeAspect="1"/>
-            </p:cNvPicPr>
-            <p:nvPr/>
-          </p:nvPicPr>
-          <p:blipFill>
-            <a:blip r:embed="rId2">
-              <a:extLst>
-                <a:ext uri="{96DAC541-7B7A-43D3-8B79-37D633B846F1}">
-                  <asvg:svgBlip xmlns:asvg="http://schemas.microsoft.com/office/drawing/2016/SVG/main" r:embed="rId3"/>
-                </a:ext>
-              </a:extLst>
-            </a:blip>
-            <a:stretch>
-              <a:fillRect/>
-            </a:stretch>
-          </p:blipFill>
-          <p:spPr>
-            <a:xfrm>
-              <a:off x="7162801" y="-318020"/>
-              <a:ext cx="5673013" cy="11346026"/>
-            </a:xfrm>
-            <a:prstGeom prst="rect">
-              <a:avLst/>
-            </a:prstGeom>
-          </p:spPr>
-        </p:pic>
-        <p:pic>
-          <p:nvPicPr>
-            <p:cNvPr id="6" name="Graphic 5">
-              <a:extLst>
-                <a:ext uri="{FF2B5EF4-FFF2-40B4-BE49-F238E27FC236}">
-                  <a16:creationId xmlns:a16="http://schemas.microsoft.com/office/drawing/2014/main" id="{1EB004E9-5536-1D68-D579-70F7DFEC03C2}"/>
-                </a:ext>
-              </a:extLst>
-            </p:cNvPr>
-            <p:cNvPicPr>
-              <a:picLocks noChangeAspect="1"/>
-            </p:cNvPicPr>
-            <p:nvPr/>
-          </p:nvPicPr>
-          <p:blipFill>
-            <a:blip r:embed="rId4">
-              <a:extLst>
-                <a:ext uri="{96DAC541-7B7A-43D3-8B79-37D633B846F1}">
-                  <asvg:svgBlip xmlns:asvg="http://schemas.microsoft.com/office/drawing/2016/SVG/main" r:embed="rId5"/>
-                </a:ext>
-              </a:extLst>
-            </a:blip>
-            <a:stretch>
-              <a:fillRect/>
-            </a:stretch>
-          </p:blipFill>
-          <p:spPr>
-            <a:xfrm>
-              <a:off x="7162801" y="-318018"/>
-              <a:ext cx="5673012" cy="11346024"/>
-            </a:xfrm>
-            <a:prstGeom prst="rect">
-              <a:avLst/>
-            </a:prstGeom>
-          </p:spPr>
-        </p:pic>
-        <p:cxnSp>
-          <p:nvCxnSpPr>
-            <p:cNvPr id="9" name="Straight Arrow Connector 8">
-              <a:extLst>
-                <a:ext uri="{FF2B5EF4-FFF2-40B4-BE49-F238E27FC236}">
-                  <a16:creationId xmlns:a16="http://schemas.microsoft.com/office/drawing/2014/main" id="{4D1B45E6-75B9-C142-0655-A0E1951AB26C}"/>
-                </a:ext>
-              </a:extLst>
-            </p:cNvPr>
-            <p:cNvCxnSpPr>
-              <a:cxnSpLocks/>
-            </p:cNvCxnSpPr>
-            <p:nvPr/>
-          </p:nvCxnSpPr>
-          <p:spPr>
-            <a:xfrm>
-              <a:off x="9178213" y="3169302"/>
-              <a:ext cx="895738" cy="0"/>
-            </a:xfrm>
-            <a:prstGeom prst="straightConnector1">
-              <a:avLst/>
-            </a:prstGeom>
-            <a:ln w="38100">
-              <a:solidFill>
-                <a:srgbClr val="CCFF99"/>
-              </a:solidFill>
-              <a:headEnd type="none" w="med" len="med"/>
-              <a:tailEnd type="triangle" w="med" len="med"/>
-            </a:ln>
-          </p:spPr>
-          <p:style>
-            <a:lnRef idx="1">
-              <a:schemeClr val="accent1"/>
-            </a:lnRef>
-            <a:fillRef idx="0">
-              <a:schemeClr val="accent1"/>
-            </a:fillRef>
-            <a:effectRef idx="0">
-              <a:schemeClr val="accent1"/>
-            </a:effectRef>
-            <a:fontRef idx="minor">
-              <a:schemeClr val="tx1"/>
-            </a:fontRef>
-          </p:style>
-        </p:cxnSp>
-        <p:cxnSp>
-          <p:nvCxnSpPr>
-            <p:cNvPr id="10" name="Straight Arrow Connector 9">
-              <a:extLst>
-                <a:ext uri="{FF2B5EF4-FFF2-40B4-BE49-F238E27FC236}">
-                  <a16:creationId xmlns:a16="http://schemas.microsoft.com/office/drawing/2014/main" id="{5BD87844-AF1F-7D60-0CD5-EF1312F1C41F}"/>
-                </a:ext>
-              </a:extLst>
-            </p:cNvPr>
-            <p:cNvCxnSpPr>
-              <a:cxnSpLocks/>
-            </p:cNvCxnSpPr>
-            <p:nvPr/>
-          </p:nvCxnSpPr>
-          <p:spPr>
-            <a:xfrm>
-              <a:off x="9607422" y="3169302"/>
-              <a:ext cx="1212979" cy="0"/>
-            </a:xfrm>
-            <a:prstGeom prst="straightConnector1">
-              <a:avLst/>
-            </a:prstGeom>
-            <a:ln w="38100">
-              <a:solidFill>
-                <a:srgbClr val="CCFF99"/>
-              </a:solidFill>
-              <a:headEnd type="none" w="med" len="med"/>
-              <a:tailEnd type="none" w="med" len="med"/>
-            </a:ln>
-          </p:spPr>
-          <p:style>
-            <a:lnRef idx="1">
-              <a:schemeClr val="accent1"/>
-            </a:lnRef>
-            <a:fillRef idx="0">
-              <a:schemeClr val="accent1"/>
-            </a:fillRef>
-            <a:effectRef idx="0">
-              <a:schemeClr val="accent1"/>
-            </a:effectRef>
-            <a:fontRef idx="minor">
-              <a:schemeClr val="tx1"/>
-            </a:fontRef>
-          </p:style>
-        </p:cxnSp>
-        <p:pic>
-          <p:nvPicPr>
-            <p:cNvPr id="11" name="Graphic 10">
-              <a:extLst>
-                <a:ext uri="{FF2B5EF4-FFF2-40B4-BE49-F238E27FC236}">
-                  <a16:creationId xmlns:a16="http://schemas.microsoft.com/office/drawing/2014/main" id="{9A797FF2-300B-E9F6-1E7A-3BCE6B288711}"/>
-                </a:ext>
-              </a:extLst>
-            </p:cNvPr>
-            <p:cNvPicPr>
-              <a:picLocks noChangeAspect="1"/>
-            </p:cNvPicPr>
-            <p:nvPr/>
-          </p:nvPicPr>
-          <p:blipFill>
-            <a:blip r:embed="rId6">
-              <a:extLst>
-                <a:ext uri="{96DAC541-7B7A-43D3-8B79-37D633B846F1}">
-                  <asvg:svgBlip xmlns:asvg="http://schemas.microsoft.com/office/drawing/2016/SVG/main" r:embed="rId7"/>
-                </a:ext>
-              </a:extLst>
-            </a:blip>
-            <a:stretch>
-              <a:fillRect/>
-            </a:stretch>
-          </p:blipFill>
-          <p:spPr>
-            <a:xfrm>
-              <a:off x="7162801" y="-318018"/>
-              <a:ext cx="5673012" cy="11346024"/>
-            </a:xfrm>
-            <a:prstGeom prst="rect">
-              <a:avLst/>
-            </a:prstGeom>
-          </p:spPr>
-        </p:pic>
-      </p:grpSp>
-      <p:grpSp>
-        <p:nvGrpSpPr>
-          <p:cNvPr id="19" name="Group 18">
-            <a:extLst>
-              <a:ext uri="{FF2B5EF4-FFF2-40B4-BE49-F238E27FC236}">
-                <a16:creationId xmlns:a16="http://schemas.microsoft.com/office/drawing/2014/main" id="{0FD10BF5-9DAE-B70F-C045-D968EFBAF35D}"/>
-              </a:ext>
-            </a:extLst>
-          </p:cNvPr>
-          <p:cNvGrpSpPr/>
-          <p:nvPr/>
-        </p:nvGrpSpPr>
-        <p:grpSpPr>
-          <a:xfrm>
-            <a:off x="-653142" y="-318020"/>
-            <a:ext cx="5682342" cy="11346026"/>
-            <a:chOff x="-653142" y="-318020"/>
-            <a:chExt cx="5682342" cy="11346026"/>
-          </a:xfrm>
-        </p:grpSpPr>
-        <p:grpSp>
-          <p:nvGrpSpPr>
-            <p:cNvPr id="37" name="Group 36">
-              <a:extLst>
-                <a:ext uri="{FF2B5EF4-FFF2-40B4-BE49-F238E27FC236}">
-                  <a16:creationId xmlns:a16="http://schemas.microsoft.com/office/drawing/2014/main" id="{E99F1377-52AC-F6F6-CE45-8A722C418F18}"/>
-                </a:ext>
-              </a:extLst>
-            </p:cNvPr>
-            <p:cNvGrpSpPr/>
-            <p:nvPr/>
-          </p:nvGrpSpPr>
-          <p:grpSpPr>
-            <a:xfrm>
-              <a:off x="-643813" y="-318020"/>
-              <a:ext cx="5673013" cy="11346026"/>
-              <a:chOff x="4667250" y="571500"/>
-              <a:chExt cx="2857500" cy="5715000"/>
-            </a:xfrm>
-          </p:grpSpPr>
-          <p:pic>
-            <p:nvPicPr>
-              <p:cNvPr id="32" name="Graphic 31">
-                <a:extLst>
-                  <a:ext uri="{FF2B5EF4-FFF2-40B4-BE49-F238E27FC236}">
-                    <a16:creationId xmlns:a16="http://schemas.microsoft.com/office/drawing/2014/main" id="{B03D5DC1-B7F8-9D25-457D-C45AFDBE36CF}"/>
-                  </a:ext>
-                </a:extLst>
-              </p:cNvPr>
-              <p:cNvPicPr>
-                <a:picLocks noChangeAspect="1"/>
-              </p:cNvPicPr>
-              <p:nvPr/>
-            </p:nvPicPr>
-            <p:blipFill>
-              <a:blip r:embed="rId2">
-                <a:extLst>
-                  <a:ext uri="{96DAC541-7B7A-43D3-8B79-37D633B846F1}">
-                    <asvg:svgBlip xmlns:asvg="http://schemas.microsoft.com/office/drawing/2016/SVG/main" r:embed="rId3"/>
-                  </a:ext>
-                </a:extLst>
-              </a:blip>
-              <a:stretch>
-                <a:fillRect/>
-              </a:stretch>
-            </p:blipFill>
-            <p:spPr>
-              <a:xfrm>
-                <a:off x="4667250" y="571500"/>
-                <a:ext cx="2857500" cy="5715000"/>
-              </a:xfrm>
-              <a:prstGeom prst="rect">
-                <a:avLst/>
-              </a:prstGeom>
-            </p:spPr>
-          </p:pic>
-          <p:pic>
-            <p:nvPicPr>
-              <p:cNvPr id="34" name="Graphic 33">
-                <a:extLst>
-                  <a:ext uri="{FF2B5EF4-FFF2-40B4-BE49-F238E27FC236}">
-                    <a16:creationId xmlns:a16="http://schemas.microsoft.com/office/drawing/2014/main" id="{4DB4209A-80AB-0E1C-54DB-90E54F71DEBD}"/>
-                  </a:ext>
-                </a:extLst>
-              </p:cNvPr>
-              <p:cNvPicPr>
-                <a:picLocks noChangeAspect="1"/>
-              </p:cNvPicPr>
-              <p:nvPr/>
-            </p:nvPicPr>
-            <p:blipFill>
-              <a:blip r:embed="rId8">
-                <a:extLst>
-                  <a:ext uri="{96DAC541-7B7A-43D3-8B79-37D633B846F1}">
-                    <asvg:svgBlip xmlns:asvg="http://schemas.microsoft.com/office/drawing/2016/SVG/main" r:embed="rId9"/>
-                  </a:ext>
-                </a:extLst>
-              </a:blip>
-              <a:stretch>
-                <a:fillRect/>
-              </a:stretch>
-            </p:blipFill>
-            <p:spPr>
-              <a:xfrm>
-                <a:off x="4667250" y="571500"/>
-                <a:ext cx="2857500" cy="5715000"/>
-              </a:xfrm>
-              <a:prstGeom prst="rect">
-                <a:avLst/>
-              </a:prstGeom>
-            </p:spPr>
-          </p:pic>
-        </p:grpSp>
-        <p:cxnSp>
-          <p:nvCxnSpPr>
-            <p:cNvPr id="2" name="Straight Arrow Connector 1">
-              <a:extLst>
-                <a:ext uri="{FF2B5EF4-FFF2-40B4-BE49-F238E27FC236}">
-                  <a16:creationId xmlns:a16="http://schemas.microsoft.com/office/drawing/2014/main" id="{1FC4A001-326C-D9DC-205C-31B04C67DC14}"/>
-                </a:ext>
-              </a:extLst>
-            </p:cNvPr>
-            <p:cNvCxnSpPr>
-              <a:cxnSpLocks/>
-            </p:cNvCxnSpPr>
-            <p:nvPr/>
-          </p:nvCxnSpPr>
-          <p:spPr>
-            <a:xfrm>
-              <a:off x="1380931" y="3169302"/>
-              <a:ext cx="895738" cy="0"/>
-            </a:xfrm>
-            <a:prstGeom prst="straightConnector1">
-              <a:avLst/>
-            </a:prstGeom>
-            <a:ln w="38100">
-              <a:solidFill>
-                <a:srgbClr val="CCFF99"/>
-              </a:solidFill>
-              <a:headEnd type="none" w="med" len="med"/>
-              <a:tailEnd type="triangle" w="med" len="med"/>
-            </a:ln>
-          </p:spPr>
-          <p:style>
-            <a:lnRef idx="1">
-              <a:schemeClr val="accent1"/>
-            </a:lnRef>
-            <a:fillRef idx="0">
-              <a:schemeClr val="accent1"/>
-            </a:fillRef>
-            <a:effectRef idx="0">
-              <a:schemeClr val="accent1"/>
-            </a:effectRef>
-            <a:fontRef idx="minor">
-              <a:schemeClr val="tx1"/>
-            </a:fontRef>
-          </p:style>
-        </p:cxnSp>
-        <p:cxnSp>
-          <p:nvCxnSpPr>
-            <p:cNvPr id="3" name="Straight Arrow Connector 2">
-              <a:extLst>
-                <a:ext uri="{FF2B5EF4-FFF2-40B4-BE49-F238E27FC236}">
-                  <a16:creationId xmlns:a16="http://schemas.microsoft.com/office/drawing/2014/main" id="{C5E93A92-5F25-B2DF-3185-3723DFEE6144}"/>
-                </a:ext>
-              </a:extLst>
-            </p:cNvPr>
-            <p:cNvCxnSpPr>
-              <a:cxnSpLocks/>
-            </p:cNvCxnSpPr>
-            <p:nvPr/>
-          </p:nvCxnSpPr>
-          <p:spPr>
-            <a:xfrm>
-              <a:off x="1800809" y="3169302"/>
-              <a:ext cx="1212979" cy="0"/>
-            </a:xfrm>
-            <a:prstGeom prst="straightConnector1">
-              <a:avLst/>
-            </a:prstGeom>
-            <a:ln w="38100">
-              <a:solidFill>
-                <a:srgbClr val="CCFF99"/>
-              </a:solidFill>
-              <a:headEnd type="none" w="med" len="med"/>
-              <a:tailEnd type="none" w="med" len="med"/>
-            </a:ln>
-          </p:spPr>
-          <p:style>
-            <a:lnRef idx="1">
-              <a:schemeClr val="accent1"/>
-            </a:lnRef>
-            <a:fillRef idx="0">
-              <a:schemeClr val="accent1"/>
-            </a:fillRef>
-            <a:effectRef idx="0">
-              <a:schemeClr val="accent1"/>
-            </a:effectRef>
-            <a:fontRef idx="minor">
-              <a:schemeClr val="tx1"/>
-            </a:fontRef>
-          </p:style>
-        </p:cxnSp>
-        <p:pic>
-          <p:nvPicPr>
-            <p:cNvPr id="12" name="Graphic 11">
-              <a:extLst>
-                <a:ext uri="{FF2B5EF4-FFF2-40B4-BE49-F238E27FC236}">
-                  <a16:creationId xmlns:a16="http://schemas.microsoft.com/office/drawing/2014/main" id="{DF0193F9-5F19-DBF0-F8AE-43617064E215}"/>
-                </a:ext>
-              </a:extLst>
-            </p:cNvPr>
-            <p:cNvPicPr>
-              <a:picLocks noChangeAspect="1"/>
-            </p:cNvPicPr>
-            <p:nvPr/>
-          </p:nvPicPr>
-          <p:blipFill>
-            <a:blip r:embed="rId6">
-              <a:extLst>
-                <a:ext uri="{96DAC541-7B7A-43D3-8B79-37D633B846F1}">
-                  <asvg:svgBlip xmlns:asvg="http://schemas.microsoft.com/office/drawing/2016/SVG/main" r:embed="rId7"/>
-                </a:ext>
-              </a:extLst>
-            </a:blip>
-            <a:stretch>
-              <a:fillRect/>
-            </a:stretch>
-          </p:blipFill>
-          <p:spPr>
-            <a:xfrm>
-              <a:off x="-653142" y="-318018"/>
-              <a:ext cx="5673012" cy="11346024"/>
-            </a:xfrm>
-            <a:prstGeom prst="rect">
-              <a:avLst/>
-            </a:prstGeom>
-          </p:spPr>
-        </p:pic>
-      </p:grpSp>
-      <p:grpSp>
-        <p:nvGrpSpPr>
-          <p:cNvPr id="17" name="Group 16">
-            <a:extLst>
-              <a:ext uri="{FF2B5EF4-FFF2-40B4-BE49-F238E27FC236}">
-                <a16:creationId xmlns:a16="http://schemas.microsoft.com/office/drawing/2014/main" id="{A798DBA1-2D02-904C-E6F8-183847156069}"/>
-              </a:ext>
-            </a:extLst>
-          </p:cNvPr>
-          <p:cNvGrpSpPr/>
-          <p:nvPr/>
-        </p:nvGrpSpPr>
-        <p:grpSpPr>
-          <a:xfrm>
-            <a:off x="3259494" y="-318020"/>
-            <a:ext cx="5673013" cy="11346026"/>
-            <a:chOff x="3259494" y="-318020"/>
-            <a:chExt cx="5673013" cy="11346026"/>
-          </a:xfrm>
-        </p:grpSpPr>
-        <p:pic>
-          <p:nvPicPr>
-            <p:cNvPr id="27" name="Graphic 26">
-              <a:extLst>
-                <a:ext uri="{FF2B5EF4-FFF2-40B4-BE49-F238E27FC236}">
-                  <a16:creationId xmlns:a16="http://schemas.microsoft.com/office/drawing/2014/main" id="{E16868EC-EDB7-D7B1-AA22-A76642B69028}"/>
-                </a:ext>
-              </a:extLst>
-            </p:cNvPr>
-            <p:cNvPicPr>
-              <a:picLocks noChangeAspect="1"/>
-            </p:cNvPicPr>
-            <p:nvPr/>
-          </p:nvPicPr>
-          <p:blipFill>
-            <a:blip r:embed="rId2">
-              <a:extLst>
-                <a:ext uri="{96DAC541-7B7A-43D3-8B79-37D633B846F1}">
-                  <asvg:svgBlip xmlns:asvg="http://schemas.microsoft.com/office/drawing/2016/SVG/main" r:embed="rId3"/>
-                </a:ext>
-              </a:extLst>
-            </a:blip>
-            <a:stretch>
-              <a:fillRect/>
-            </a:stretch>
-          </p:blipFill>
-          <p:spPr>
-            <a:xfrm>
-              <a:off x="3259494" y="-318020"/>
-              <a:ext cx="5673013" cy="11346026"/>
-            </a:xfrm>
-            <a:prstGeom prst="rect">
-              <a:avLst/>
-            </a:prstGeom>
-          </p:spPr>
-        </p:pic>
-        <p:pic>
-          <p:nvPicPr>
-            <p:cNvPr id="25" name="Graphic 24">
-              <a:extLst>
-                <a:ext uri="{FF2B5EF4-FFF2-40B4-BE49-F238E27FC236}">
-                  <a16:creationId xmlns:a16="http://schemas.microsoft.com/office/drawing/2014/main" id="{E54A3696-2AE8-84F2-E322-7A7F54970FFD}"/>
-                </a:ext>
-              </a:extLst>
-            </p:cNvPr>
-            <p:cNvPicPr>
-              <a:picLocks noChangeAspect="1"/>
-            </p:cNvPicPr>
-            <p:nvPr/>
-          </p:nvPicPr>
-          <p:blipFill>
-            <a:blip r:embed="rId10">
-              <a:extLst>
-                <a:ext uri="{96DAC541-7B7A-43D3-8B79-37D633B846F1}">
-                  <asvg:svgBlip xmlns:asvg="http://schemas.microsoft.com/office/drawing/2016/SVG/main" r:embed="rId11"/>
-                </a:ext>
-              </a:extLst>
-            </a:blip>
-            <a:stretch>
-              <a:fillRect/>
-            </a:stretch>
-          </p:blipFill>
-          <p:spPr>
-            <a:xfrm>
-              <a:off x="3259494" y="-318020"/>
-              <a:ext cx="5673013" cy="11346026"/>
-            </a:xfrm>
-            <a:prstGeom prst="rect">
-              <a:avLst/>
-            </a:prstGeom>
-          </p:spPr>
-        </p:pic>
-        <p:cxnSp>
-          <p:nvCxnSpPr>
-            <p:cNvPr id="7" name="Straight Arrow Connector 6">
-              <a:extLst>
-                <a:ext uri="{FF2B5EF4-FFF2-40B4-BE49-F238E27FC236}">
-                  <a16:creationId xmlns:a16="http://schemas.microsoft.com/office/drawing/2014/main" id="{A93E053B-74AD-3053-7BAB-79FEF9468AC8}"/>
-                </a:ext>
-              </a:extLst>
-            </p:cNvPr>
-            <p:cNvCxnSpPr>
-              <a:cxnSpLocks/>
-            </p:cNvCxnSpPr>
-            <p:nvPr/>
-          </p:nvCxnSpPr>
-          <p:spPr>
-            <a:xfrm>
-              <a:off x="5274907" y="3237726"/>
-              <a:ext cx="895738" cy="0"/>
-            </a:xfrm>
-            <a:prstGeom prst="straightConnector1">
-              <a:avLst/>
-            </a:prstGeom>
-            <a:ln w="38100">
-              <a:solidFill>
-                <a:srgbClr val="CCFF99"/>
-              </a:solidFill>
-              <a:headEnd type="none" w="med" len="med"/>
-              <a:tailEnd type="triangle" w="med" len="med"/>
-            </a:ln>
-          </p:spPr>
-          <p:style>
-            <a:lnRef idx="1">
-              <a:schemeClr val="accent1"/>
-            </a:lnRef>
-            <a:fillRef idx="0">
-              <a:schemeClr val="accent1"/>
-            </a:fillRef>
-            <a:effectRef idx="0">
-              <a:schemeClr val="accent1"/>
-            </a:effectRef>
-            <a:fontRef idx="minor">
-              <a:schemeClr val="tx1"/>
-            </a:fontRef>
-          </p:style>
-        </p:cxnSp>
-        <p:cxnSp>
-          <p:nvCxnSpPr>
-            <p:cNvPr id="8" name="Straight Arrow Connector 7">
-              <a:extLst>
-                <a:ext uri="{FF2B5EF4-FFF2-40B4-BE49-F238E27FC236}">
-                  <a16:creationId xmlns:a16="http://schemas.microsoft.com/office/drawing/2014/main" id="{83760F7C-03D5-ABF0-0776-EC9C76F6934A}"/>
-                </a:ext>
-              </a:extLst>
-            </p:cNvPr>
-            <p:cNvCxnSpPr>
-              <a:cxnSpLocks/>
-            </p:cNvCxnSpPr>
-            <p:nvPr/>
-          </p:nvCxnSpPr>
-          <p:spPr>
-            <a:xfrm>
-              <a:off x="5694785" y="3237726"/>
-              <a:ext cx="1212979" cy="0"/>
-            </a:xfrm>
-            <a:prstGeom prst="straightConnector1">
-              <a:avLst/>
-            </a:prstGeom>
-            <a:ln w="38100">
-              <a:solidFill>
-                <a:srgbClr val="CCFF99"/>
-              </a:solidFill>
-              <a:headEnd type="none" w="med" len="med"/>
-              <a:tailEnd type="none" w="med" len="med"/>
-            </a:ln>
-          </p:spPr>
-          <p:style>
-            <a:lnRef idx="1">
-              <a:schemeClr val="accent1"/>
-            </a:lnRef>
-            <a:fillRef idx="0">
-              <a:schemeClr val="accent1"/>
-            </a:fillRef>
-            <a:effectRef idx="0">
-              <a:schemeClr val="accent1"/>
-            </a:effectRef>
-            <a:fontRef idx="minor">
-              <a:schemeClr val="tx1"/>
-            </a:fontRef>
-          </p:style>
-        </p:cxnSp>
-        <p:pic>
-          <p:nvPicPr>
-            <p:cNvPr id="13" name="Graphic 12">
-              <a:extLst>
-                <a:ext uri="{FF2B5EF4-FFF2-40B4-BE49-F238E27FC236}">
-                  <a16:creationId xmlns:a16="http://schemas.microsoft.com/office/drawing/2014/main" id="{0FF6E49C-5554-8A0B-D177-7075325C3096}"/>
-                </a:ext>
-              </a:extLst>
-            </p:cNvPr>
-            <p:cNvPicPr>
-              <a:picLocks noChangeAspect="1"/>
-            </p:cNvPicPr>
-            <p:nvPr/>
-          </p:nvPicPr>
-          <p:blipFill>
-            <a:blip r:embed="rId6">
-              <a:extLst>
-                <a:ext uri="{96DAC541-7B7A-43D3-8B79-37D633B846F1}">
-                  <asvg:svgBlip xmlns:asvg="http://schemas.microsoft.com/office/drawing/2016/SVG/main" r:embed="rId7"/>
-                </a:ext>
-              </a:extLst>
-            </a:blip>
-            <a:stretch>
-              <a:fillRect/>
-            </a:stretch>
-          </p:blipFill>
-          <p:spPr>
-            <a:xfrm>
-              <a:off x="3259495" y="-318018"/>
-              <a:ext cx="5673012" cy="11346024"/>
-            </a:xfrm>
-            <a:prstGeom prst="rect">
-              <a:avLst/>
-            </a:prstGeom>
-          </p:spPr>
-        </p:pic>
-      </p:grpSp>
-    </p:spTree>
-    <p:extLst>
-      <p:ext uri="{BB962C8B-B14F-4D97-AF65-F5344CB8AC3E}">
-        <p14:creationId xmlns:p14="http://schemas.microsoft.com/office/powerpoint/2010/main" val="977898101"/>
-      </p:ext>
-    </p:extLst>
-  </p:cSld>
-  <p:clrMapOvr>
-    <a:masterClrMapping/>
-  </p:clrMapOvr>
-</p:sld>
-</file>
-
-<file path=ppt/slides/slide40.xml><?xml version="1.0" encoding="utf-8"?>
+<file path=ppt/slides/slide43.xml><?xml version="1.0" encoding="utf-8"?>
 <p:sld xmlns:a="http://schemas.openxmlformats.org/drawingml/2006/main" xmlns:r="http://schemas.openxmlformats.org/officeDocument/2006/relationships" xmlns:p="http://schemas.openxmlformats.org/presentationml/2006/main">
   <p:cSld>
     <p:spTree>
@@ -22213,7 +24190,7 @@
 </p:sld>
 </file>
 
-<file path=ppt/slides/slide41.xml><?xml version="1.0" encoding="utf-8"?>
+<file path=ppt/slides/slide44.xml><?xml version="1.0" encoding="utf-8"?>
 <p:sld xmlns:a="http://schemas.openxmlformats.org/drawingml/2006/main" xmlns:r="http://schemas.openxmlformats.org/officeDocument/2006/relationships" xmlns:p="http://schemas.openxmlformats.org/presentationml/2006/main">
   <p:cSld>
     <p:spTree>
@@ -22762,7 +24739,7 @@
 </p:sld>
 </file>
 
-<file path=ppt/slides/slide42.xml><?xml version="1.0" encoding="utf-8"?>
+<file path=ppt/slides/slide45.xml><?xml version="1.0" encoding="utf-8"?>
 <p:sld xmlns:a="http://schemas.openxmlformats.org/drawingml/2006/main" xmlns:r="http://schemas.openxmlformats.org/officeDocument/2006/relationships" xmlns:p="http://schemas.openxmlformats.org/presentationml/2006/main">
   <p:cSld>
     <p:spTree>
@@ -23401,7 +25378,7 @@
 </p:sld>
 </file>
 
-<file path=ppt/slides/slide43.xml><?xml version="1.0" encoding="utf-8"?>
+<file path=ppt/slides/slide46.xml><?xml version="1.0" encoding="utf-8"?>
 <p:sld xmlns:a="http://schemas.openxmlformats.org/drawingml/2006/main" xmlns:r="http://schemas.openxmlformats.org/officeDocument/2006/relationships" xmlns:p="http://schemas.openxmlformats.org/presentationml/2006/main">
   <p:cSld>
     <p:spTree>
@@ -23965,7 +25942,7 @@
 </p:sld>
 </file>
 
-<file path=ppt/slides/slide44.xml><?xml version="1.0" encoding="utf-8"?>
+<file path=ppt/slides/slide47.xml><?xml version="1.0" encoding="utf-8"?>
 <p:sld xmlns:a="http://schemas.openxmlformats.org/drawingml/2006/main" xmlns:r="http://schemas.openxmlformats.org/officeDocument/2006/relationships" xmlns:p="http://schemas.openxmlformats.org/presentationml/2006/main">
   <p:cSld>
     <p:spTree>
@@ -24334,7 +26311,7 @@
 </p:sld>
 </file>
 
-<file path=ppt/slides/slide45.xml><?xml version="1.0" encoding="utf-8"?>
+<file path=ppt/slides/slide48.xml><?xml version="1.0" encoding="utf-8"?>
 <p:sld xmlns:a="http://schemas.openxmlformats.org/drawingml/2006/main" xmlns:r="http://schemas.openxmlformats.org/officeDocument/2006/relationships" xmlns:p="http://schemas.openxmlformats.org/presentationml/2006/main">
   <p:cSld>
     <p:spTree>
@@ -24928,7 +26905,7 @@
 </p:sld>
 </file>
 
-<file path=ppt/slides/slide46.xml><?xml version="1.0" encoding="utf-8"?>
+<file path=ppt/slides/slide49.xml><?xml version="1.0" encoding="utf-8"?>
 <p:sld xmlns:a="http://schemas.openxmlformats.org/drawingml/2006/main" xmlns:r="http://schemas.openxmlformats.org/officeDocument/2006/relationships" xmlns:p="http://schemas.openxmlformats.org/presentationml/2006/main">
   <p:cSld>
     <p:spTree>
@@ -25387,7 +27364,262 @@
 </p:sld>
 </file>
 
-<file path=ppt/slides/slide47.xml><?xml version="1.0" encoding="utf-8"?>
+<file path=ppt/slides/slide5.xml><?xml version="1.0" encoding="utf-8"?>
+<p:sld xmlns:a="http://schemas.openxmlformats.org/drawingml/2006/main" xmlns:r="http://schemas.openxmlformats.org/officeDocument/2006/relationships" xmlns:p="http://schemas.openxmlformats.org/presentationml/2006/main">
+  <p:cSld>
+    <p:spTree>
+      <p:nvGrpSpPr>
+        <p:cNvPr id="1" name="">
+          <a:extLst>
+            <a:ext uri="{FF2B5EF4-FFF2-40B4-BE49-F238E27FC236}">
+              <a16:creationId xmlns:a16="http://schemas.microsoft.com/office/drawing/2014/main" id="{629BD500-80E1-16AC-6D2A-1B743C51B2E4}"/>
+            </a:ext>
+          </a:extLst>
+        </p:cNvPr>
+        <p:cNvGrpSpPr/>
+        <p:nvPr/>
+      </p:nvGrpSpPr>
+      <p:grpSpPr>
+        <a:xfrm>
+          <a:off x="0" y="0"/>
+          <a:ext cx="0" cy="0"/>
+          <a:chOff x="0" y="0"/>
+          <a:chExt cx="0" cy="0"/>
+        </a:xfrm>
+      </p:grpSpPr>
+      <p:grpSp>
+        <p:nvGrpSpPr>
+          <p:cNvPr id="2" name="Group 1">
+            <a:extLst>
+              <a:ext uri="{FF2B5EF4-FFF2-40B4-BE49-F238E27FC236}">
+                <a16:creationId xmlns:a16="http://schemas.microsoft.com/office/drawing/2014/main" id="{C7AE46B3-3B9F-79FE-D3C4-306469F38E91}"/>
+              </a:ext>
+            </a:extLst>
+          </p:cNvPr>
+          <p:cNvGrpSpPr/>
+          <p:nvPr/>
+        </p:nvGrpSpPr>
+        <p:grpSpPr>
+          <a:xfrm>
+            <a:off x="3259494" y="-318020"/>
+            <a:ext cx="5673013" cy="11346026"/>
+            <a:chOff x="3259494" y="-318020"/>
+            <a:chExt cx="5673013" cy="11346026"/>
+          </a:xfrm>
+        </p:grpSpPr>
+        <p:pic>
+          <p:nvPicPr>
+            <p:cNvPr id="3" name="Graphic 2">
+              <a:extLst>
+                <a:ext uri="{FF2B5EF4-FFF2-40B4-BE49-F238E27FC236}">
+                  <a16:creationId xmlns:a16="http://schemas.microsoft.com/office/drawing/2014/main" id="{06D92280-A14A-7CE3-81C8-F227ACA9951E}"/>
+                </a:ext>
+              </a:extLst>
+            </p:cNvPr>
+            <p:cNvPicPr>
+              <a:picLocks noChangeAspect="1"/>
+            </p:cNvPicPr>
+            <p:nvPr/>
+          </p:nvPicPr>
+          <p:blipFill>
+            <a:blip r:embed="rId2">
+              <a:extLst>
+                <a:ext uri="{96DAC541-7B7A-43D3-8B79-37D633B846F1}">
+                  <asvg:svgBlip xmlns:asvg="http://schemas.microsoft.com/office/drawing/2016/SVG/main" r:embed="rId3"/>
+                </a:ext>
+              </a:extLst>
+            </a:blip>
+            <a:stretch>
+              <a:fillRect/>
+            </a:stretch>
+          </p:blipFill>
+          <p:spPr>
+            <a:xfrm>
+              <a:off x="3259494" y="-318020"/>
+              <a:ext cx="5673013" cy="11346026"/>
+            </a:xfrm>
+            <a:prstGeom prst="rect">
+              <a:avLst/>
+            </a:prstGeom>
+          </p:spPr>
+        </p:pic>
+        <p:pic>
+          <p:nvPicPr>
+            <p:cNvPr id="4" name="Graphic 3">
+              <a:extLst>
+                <a:ext uri="{FF2B5EF4-FFF2-40B4-BE49-F238E27FC236}">
+                  <a16:creationId xmlns:a16="http://schemas.microsoft.com/office/drawing/2014/main" id="{C9393B2B-643B-CB52-6163-E2116B5A531C}"/>
+                </a:ext>
+              </a:extLst>
+            </p:cNvPr>
+            <p:cNvPicPr>
+              <a:picLocks noChangeAspect="1"/>
+            </p:cNvPicPr>
+            <p:nvPr/>
+          </p:nvPicPr>
+          <p:blipFill>
+            <a:blip r:embed="rId4">
+              <a:extLst>
+                <a:ext uri="{96DAC541-7B7A-43D3-8B79-37D633B846F1}">
+                  <asvg:svgBlip xmlns:asvg="http://schemas.microsoft.com/office/drawing/2016/SVG/main" r:embed="rId5"/>
+                </a:ext>
+              </a:extLst>
+            </a:blip>
+            <a:stretch>
+              <a:fillRect/>
+            </a:stretch>
+          </p:blipFill>
+          <p:spPr>
+            <a:xfrm>
+              <a:off x="3259494" y="-318020"/>
+              <a:ext cx="5673013" cy="11346026"/>
+            </a:xfrm>
+            <a:prstGeom prst="rect">
+              <a:avLst/>
+            </a:prstGeom>
+          </p:spPr>
+        </p:pic>
+        <p:pic>
+          <p:nvPicPr>
+            <p:cNvPr id="9" name="Graphic 8">
+              <a:extLst>
+                <a:ext uri="{FF2B5EF4-FFF2-40B4-BE49-F238E27FC236}">
+                  <a16:creationId xmlns:a16="http://schemas.microsoft.com/office/drawing/2014/main" id="{7C49BDB2-CA9B-B7D6-EF18-21F9E931AFBF}"/>
+                </a:ext>
+              </a:extLst>
+            </p:cNvPr>
+            <p:cNvPicPr>
+              <a:picLocks noChangeAspect="1"/>
+            </p:cNvPicPr>
+            <p:nvPr/>
+          </p:nvPicPr>
+          <p:blipFill>
+            <a:blip r:embed="rId6">
+              <a:extLst>
+                <a:ext uri="{96DAC541-7B7A-43D3-8B79-37D633B846F1}">
+                  <asvg:svgBlip xmlns:asvg="http://schemas.microsoft.com/office/drawing/2016/SVG/main" r:embed="rId7"/>
+                </a:ext>
+              </a:extLst>
+            </a:blip>
+            <a:stretch>
+              <a:fillRect/>
+            </a:stretch>
+          </p:blipFill>
+          <p:spPr>
+            <a:xfrm>
+              <a:off x="3259495" y="-318018"/>
+              <a:ext cx="5673012" cy="11346024"/>
+            </a:xfrm>
+            <a:prstGeom prst="rect">
+              <a:avLst/>
+            </a:prstGeom>
+          </p:spPr>
+        </p:pic>
+      </p:grpSp>
+      <p:cxnSp>
+        <p:nvCxnSpPr>
+          <p:cNvPr id="7" name="Straight Arrow Connector 6">
+            <a:extLst>
+              <a:ext uri="{FF2B5EF4-FFF2-40B4-BE49-F238E27FC236}">
+                <a16:creationId xmlns:a16="http://schemas.microsoft.com/office/drawing/2014/main" id="{D8FF4F08-795C-ABEC-0E31-21ADA2BCDDCE}"/>
+              </a:ext>
+            </a:extLst>
+          </p:cNvPr>
+          <p:cNvCxnSpPr>
+            <a:cxnSpLocks/>
+          </p:cNvCxnSpPr>
+          <p:nvPr/>
+        </p:nvCxnSpPr>
+        <p:spPr>
+          <a:xfrm>
+            <a:off x="5337110" y="3582958"/>
+            <a:ext cx="833535" cy="0"/>
+          </a:xfrm>
+          <a:prstGeom prst="straightConnector1">
+            <a:avLst/>
+          </a:prstGeom>
+          <a:ln w="38100">
+            <a:solidFill>
+              <a:srgbClr val="CCFF99"/>
+            </a:solidFill>
+            <a:headEnd type="none" w="med" len="med"/>
+            <a:tailEnd type="triangle" w="med" len="med"/>
+          </a:ln>
+        </p:spPr>
+        <p:style>
+          <a:lnRef idx="1">
+            <a:schemeClr val="accent1"/>
+          </a:lnRef>
+          <a:fillRef idx="0">
+            <a:schemeClr val="accent1"/>
+          </a:fillRef>
+          <a:effectRef idx="0">
+            <a:schemeClr val="accent1"/>
+          </a:effectRef>
+          <a:fontRef idx="minor">
+            <a:schemeClr val="tx1"/>
+          </a:fontRef>
+        </p:style>
+      </p:cxnSp>
+      <p:cxnSp>
+        <p:nvCxnSpPr>
+          <p:cNvPr id="8" name="Straight Arrow Connector 7">
+            <a:extLst>
+              <a:ext uri="{FF2B5EF4-FFF2-40B4-BE49-F238E27FC236}">
+                <a16:creationId xmlns:a16="http://schemas.microsoft.com/office/drawing/2014/main" id="{850862D2-E64A-E9AB-59FB-9B4DADAE0AC3}"/>
+              </a:ext>
+            </a:extLst>
+          </p:cNvPr>
+          <p:cNvCxnSpPr>
+            <a:cxnSpLocks/>
+          </p:cNvCxnSpPr>
+          <p:nvPr/>
+        </p:nvCxnSpPr>
+        <p:spPr>
+          <a:xfrm>
+            <a:off x="5694785" y="3582958"/>
+            <a:ext cx="1144554" cy="0"/>
+          </a:xfrm>
+          <a:prstGeom prst="straightConnector1">
+            <a:avLst/>
+          </a:prstGeom>
+          <a:ln w="38100">
+            <a:solidFill>
+              <a:srgbClr val="CCFF99"/>
+            </a:solidFill>
+            <a:headEnd type="none" w="med" len="med"/>
+            <a:tailEnd type="none" w="med" len="med"/>
+          </a:ln>
+        </p:spPr>
+        <p:style>
+          <a:lnRef idx="1">
+            <a:schemeClr val="accent1"/>
+          </a:lnRef>
+          <a:fillRef idx="0">
+            <a:schemeClr val="accent1"/>
+          </a:fillRef>
+          <a:effectRef idx="0">
+            <a:schemeClr val="accent1"/>
+          </a:effectRef>
+          <a:fontRef idx="minor">
+            <a:schemeClr val="tx1"/>
+          </a:fontRef>
+        </p:style>
+      </p:cxnSp>
+    </p:spTree>
+    <p:extLst>
+      <p:ext uri="{BB962C8B-B14F-4D97-AF65-F5344CB8AC3E}">
+        <p14:creationId xmlns:p14="http://schemas.microsoft.com/office/powerpoint/2010/main" val="2065514246"/>
+      </p:ext>
+    </p:extLst>
+  </p:cSld>
+  <p:clrMapOvr>
+    <a:masterClrMapping/>
+  </p:clrMapOvr>
+</p:sld>
+</file>
+
+<file path=ppt/slides/slide50.xml><?xml version="1.0" encoding="utf-8"?>
 <p:sld xmlns:a="http://schemas.openxmlformats.org/drawingml/2006/main" xmlns:r="http://schemas.openxmlformats.org/officeDocument/2006/relationships" xmlns:p="http://schemas.openxmlformats.org/presentationml/2006/main">
   <p:cSld>
     <p:spTree>
@@ -26161,7 +28393,7 @@
 </p:sld>
 </file>
 
-<file path=ppt/slides/slide48.xml><?xml version="1.0" encoding="utf-8"?>
+<file path=ppt/slides/slide51.xml><?xml version="1.0" encoding="utf-8"?>
 <p:sld xmlns:a="http://schemas.openxmlformats.org/drawingml/2006/main" xmlns:r="http://schemas.openxmlformats.org/officeDocument/2006/relationships" xmlns:p="http://schemas.openxmlformats.org/presentationml/2006/main">
   <p:cSld>
     <p:spTree>
@@ -26860,7 +29092,7 @@
 </p:sld>
 </file>
 
-<file path=ppt/slides/slide49.xml><?xml version="1.0" encoding="utf-8"?>
+<file path=ppt/slides/slide52.xml><?xml version="1.0" encoding="utf-8"?>
 <p:sld xmlns:a="http://schemas.openxmlformats.org/drawingml/2006/main" xmlns:r="http://schemas.openxmlformats.org/officeDocument/2006/relationships" xmlns:p="http://schemas.openxmlformats.org/presentationml/2006/main">
   <p:cSld>
     <p:spTree>
@@ -27832,262 +30064,7 @@
 </p:sld>
 </file>
 
-<file path=ppt/slides/slide5.xml><?xml version="1.0" encoding="utf-8"?>
-<p:sld xmlns:a="http://schemas.openxmlformats.org/drawingml/2006/main" xmlns:r="http://schemas.openxmlformats.org/officeDocument/2006/relationships" xmlns:p="http://schemas.openxmlformats.org/presentationml/2006/main">
-  <p:cSld>
-    <p:spTree>
-      <p:nvGrpSpPr>
-        <p:cNvPr id="1" name="">
-          <a:extLst>
-            <a:ext uri="{FF2B5EF4-FFF2-40B4-BE49-F238E27FC236}">
-              <a16:creationId xmlns:a16="http://schemas.microsoft.com/office/drawing/2014/main" id="{629BD500-80E1-16AC-6D2A-1B743C51B2E4}"/>
-            </a:ext>
-          </a:extLst>
-        </p:cNvPr>
-        <p:cNvGrpSpPr/>
-        <p:nvPr/>
-      </p:nvGrpSpPr>
-      <p:grpSpPr>
-        <a:xfrm>
-          <a:off x="0" y="0"/>
-          <a:ext cx="0" cy="0"/>
-          <a:chOff x="0" y="0"/>
-          <a:chExt cx="0" cy="0"/>
-        </a:xfrm>
-      </p:grpSpPr>
-      <p:grpSp>
-        <p:nvGrpSpPr>
-          <p:cNvPr id="2" name="Group 1">
-            <a:extLst>
-              <a:ext uri="{FF2B5EF4-FFF2-40B4-BE49-F238E27FC236}">
-                <a16:creationId xmlns:a16="http://schemas.microsoft.com/office/drawing/2014/main" id="{C7AE46B3-3B9F-79FE-D3C4-306469F38E91}"/>
-              </a:ext>
-            </a:extLst>
-          </p:cNvPr>
-          <p:cNvGrpSpPr/>
-          <p:nvPr/>
-        </p:nvGrpSpPr>
-        <p:grpSpPr>
-          <a:xfrm>
-            <a:off x="3259494" y="-318020"/>
-            <a:ext cx="5673013" cy="11346026"/>
-            <a:chOff x="3259494" y="-318020"/>
-            <a:chExt cx="5673013" cy="11346026"/>
-          </a:xfrm>
-        </p:grpSpPr>
-        <p:pic>
-          <p:nvPicPr>
-            <p:cNvPr id="3" name="Graphic 2">
-              <a:extLst>
-                <a:ext uri="{FF2B5EF4-FFF2-40B4-BE49-F238E27FC236}">
-                  <a16:creationId xmlns:a16="http://schemas.microsoft.com/office/drawing/2014/main" id="{06D92280-A14A-7CE3-81C8-F227ACA9951E}"/>
-                </a:ext>
-              </a:extLst>
-            </p:cNvPr>
-            <p:cNvPicPr>
-              <a:picLocks noChangeAspect="1"/>
-            </p:cNvPicPr>
-            <p:nvPr/>
-          </p:nvPicPr>
-          <p:blipFill>
-            <a:blip r:embed="rId2">
-              <a:extLst>
-                <a:ext uri="{96DAC541-7B7A-43D3-8B79-37D633B846F1}">
-                  <asvg:svgBlip xmlns:asvg="http://schemas.microsoft.com/office/drawing/2016/SVG/main" r:embed="rId3"/>
-                </a:ext>
-              </a:extLst>
-            </a:blip>
-            <a:stretch>
-              <a:fillRect/>
-            </a:stretch>
-          </p:blipFill>
-          <p:spPr>
-            <a:xfrm>
-              <a:off x="3259494" y="-318020"/>
-              <a:ext cx="5673013" cy="11346026"/>
-            </a:xfrm>
-            <a:prstGeom prst="rect">
-              <a:avLst/>
-            </a:prstGeom>
-          </p:spPr>
-        </p:pic>
-        <p:pic>
-          <p:nvPicPr>
-            <p:cNvPr id="4" name="Graphic 3">
-              <a:extLst>
-                <a:ext uri="{FF2B5EF4-FFF2-40B4-BE49-F238E27FC236}">
-                  <a16:creationId xmlns:a16="http://schemas.microsoft.com/office/drawing/2014/main" id="{C9393B2B-643B-CB52-6163-E2116B5A531C}"/>
-                </a:ext>
-              </a:extLst>
-            </p:cNvPr>
-            <p:cNvPicPr>
-              <a:picLocks noChangeAspect="1"/>
-            </p:cNvPicPr>
-            <p:nvPr/>
-          </p:nvPicPr>
-          <p:blipFill>
-            <a:blip r:embed="rId4">
-              <a:extLst>
-                <a:ext uri="{96DAC541-7B7A-43D3-8B79-37D633B846F1}">
-                  <asvg:svgBlip xmlns:asvg="http://schemas.microsoft.com/office/drawing/2016/SVG/main" r:embed="rId5"/>
-                </a:ext>
-              </a:extLst>
-            </a:blip>
-            <a:stretch>
-              <a:fillRect/>
-            </a:stretch>
-          </p:blipFill>
-          <p:spPr>
-            <a:xfrm>
-              <a:off x="3259494" y="-318020"/>
-              <a:ext cx="5673013" cy="11346026"/>
-            </a:xfrm>
-            <a:prstGeom prst="rect">
-              <a:avLst/>
-            </a:prstGeom>
-          </p:spPr>
-        </p:pic>
-        <p:pic>
-          <p:nvPicPr>
-            <p:cNvPr id="9" name="Graphic 8">
-              <a:extLst>
-                <a:ext uri="{FF2B5EF4-FFF2-40B4-BE49-F238E27FC236}">
-                  <a16:creationId xmlns:a16="http://schemas.microsoft.com/office/drawing/2014/main" id="{7C49BDB2-CA9B-B7D6-EF18-21F9E931AFBF}"/>
-                </a:ext>
-              </a:extLst>
-            </p:cNvPr>
-            <p:cNvPicPr>
-              <a:picLocks noChangeAspect="1"/>
-            </p:cNvPicPr>
-            <p:nvPr/>
-          </p:nvPicPr>
-          <p:blipFill>
-            <a:blip r:embed="rId6">
-              <a:extLst>
-                <a:ext uri="{96DAC541-7B7A-43D3-8B79-37D633B846F1}">
-                  <asvg:svgBlip xmlns:asvg="http://schemas.microsoft.com/office/drawing/2016/SVG/main" r:embed="rId7"/>
-                </a:ext>
-              </a:extLst>
-            </a:blip>
-            <a:stretch>
-              <a:fillRect/>
-            </a:stretch>
-          </p:blipFill>
-          <p:spPr>
-            <a:xfrm>
-              <a:off x="3259495" y="-318018"/>
-              <a:ext cx="5673012" cy="11346024"/>
-            </a:xfrm>
-            <a:prstGeom prst="rect">
-              <a:avLst/>
-            </a:prstGeom>
-          </p:spPr>
-        </p:pic>
-      </p:grpSp>
-      <p:cxnSp>
-        <p:nvCxnSpPr>
-          <p:cNvPr id="7" name="Straight Arrow Connector 6">
-            <a:extLst>
-              <a:ext uri="{FF2B5EF4-FFF2-40B4-BE49-F238E27FC236}">
-                <a16:creationId xmlns:a16="http://schemas.microsoft.com/office/drawing/2014/main" id="{D8FF4F08-795C-ABEC-0E31-21ADA2BCDDCE}"/>
-              </a:ext>
-            </a:extLst>
-          </p:cNvPr>
-          <p:cNvCxnSpPr>
-            <a:cxnSpLocks/>
-          </p:cNvCxnSpPr>
-          <p:nvPr/>
-        </p:nvCxnSpPr>
-        <p:spPr>
-          <a:xfrm>
-            <a:off x="5337110" y="3582958"/>
-            <a:ext cx="833535" cy="0"/>
-          </a:xfrm>
-          <a:prstGeom prst="straightConnector1">
-            <a:avLst/>
-          </a:prstGeom>
-          <a:ln w="38100">
-            <a:solidFill>
-              <a:srgbClr val="CCFF99"/>
-            </a:solidFill>
-            <a:headEnd type="none" w="med" len="med"/>
-            <a:tailEnd type="triangle" w="med" len="med"/>
-          </a:ln>
-        </p:spPr>
-        <p:style>
-          <a:lnRef idx="1">
-            <a:schemeClr val="accent1"/>
-          </a:lnRef>
-          <a:fillRef idx="0">
-            <a:schemeClr val="accent1"/>
-          </a:fillRef>
-          <a:effectRef idx="0">
-            <a:schemeClr val="accent1"/>
-          </a:effectRef>
-          <a:fontRef idx="minor">
-            <a:schemeClr val="tx1"/>
-          </a:fontRef>
-        </p:style>
-      </p:cxnSp>
-      <p:cxnSp>
-        <p:nvCxnSpPr>
-          <p:cNvPr id="8" name="Straight Arrow Connector 7">
-            <a:extLst>
-              <a:ext uri="{FF2B5EF4-FFF2-40B4-BE49-F238E27FC236}">
-                <a16:creationId xmlns:a16="http://schemas.microsoft.com/office/drawing/2014/main" id="{850862D2-E64A-E9AB-59FB-9B4DADAE0AC3}"/>
-              </a:ext>
-            </a:extLst>
-          </p:cNvPr>
-          <p:cNvCxnSpPr>
-            <a:cxnSpLocks/>
-          </p:cNvCxnSpPr>
-          <p:nvPr/>
-        </p:nvCxnSpPr>
-        <p:spPr>
-          <a:xfrm>
-            <a:off x="5694785" y="3582958"/>
-            <a:ext cx="1144554" cy="0"/>
-          </a:xfrm>
-          <a:prstGeom prst="straightConnector1">
-            <a:avLst/>
-          </a:prstGeom>
-          <a:ln w="38100">
-            <a:solidFill>
-              <a:srgbClr val="CCFF99"/>
-            </a:solidFill>
-            <a:headEnd type="none" w="med" len="med"/>
-            <a:tailEnd type="none" w="med" len="med"/>
-          </a:ln>
-        </p:spPr>
-        <p:style>
-          <a:lnRef idx="1">
-            <a:schemeClr val="accent1"/>
-          </a:lnRef>
-          <a:fillRef idx="0">
-            <a:schemeClr val="accent1"/>
-          </a:fillRef>
-          <a:effectRef idx="0">
-            <a:schemeClr val="accent1"/>
-          </a:effectRef>
-          <a:fontRef idx="minor">
-            <a:schemeClr val="tx1"/>
-          </a:fontRef>
-        </p:style>
-      </p:cxnSp>
-    </p:spTree>
-    <p:extLst>
-      <p:ext uri="{BB962C8B-B14F-4D97-AF65-F5344CB8AC3E}">
-        <p14:creationId xmlns:p14="http://schemas.microsoft.com/office/powerpoint/2010/main" val="2065514246"/>
-      </p:ext>
-    </p:extLst>
-  </p:cSld>
-  <p:clrMapOvr>
-    <a:masterClrMapping/>
-  </p:clrMapOvr>
-</p:sld>
-</file>
-
-<file path=ppt/slides/slide50.xml><?xml version="1.0" encoding="utf-8"?>
+<file path=ppt/slides/slide53.xml><?xml version="1.0" encoding="utf-8"?>
 <p:sld xmlns:a="http://schemas.openxmlformats.org/drawingml/2006/main" xmlns:r="http://schemas.openxmlformats.org/officeDocument/2006/relationships" xmlns:p="http://schemas.openxmlformats.org/presentationml/2006/main">
   <p:cSld>
     <p:spTree>
@@ -28381,7 +30358,7 @@
 </p:sld>
 </file>
 
-<file path=ppt/slides/slide51.xml><?xml version="1.0" encoding="utf-8"?>
+<file path=ppt/slides/slide54.xml><?xml version="1.0" encoding="utf-8"?>
 <p:sld xmlns:a="http://schemas.openxmlformats.org/drawingml/2006/main" xmlns:r="http://schemas.openxmlformats.org/officeDocument/2006/relationships" xmlns:p="http://schemas.openxmlformats.org/presentationml/2006/main">
   <p:cSld>
     <p:spTree>
@@ -28855,7 +30832,7 @@
 </p:sld>
 </file>
 
-<file path=ppt/slides/slide52.xml><?xml version="1.0" encoding="utf-8"?>
+<file path=ppt/slides/slide55.xml><?xml version="1.0" encoding="utf-8"?>
 <p:sld xmlns:a="http://schemas.openxmlformats.org/drawingml/2006/main" xmlns:r="http://schemas.openxmlformats.org/officeDocument/2006/relationships" xmlns:p="http://schemas.openxmlformats.org/presentationml/2006/main">
   <p:cSld>
     <p:spTree>
@@ -29329,7 +31306,7 @@
 </p:sld>
 </file>
 
-<file path=ppt/slides/slide53.xml><?xml version="1.0" encoding="utf-8"?>
+<file path=ppt/slides/slide56.xml><?xml version="1.0" encoding="utf-8"?>
 <p:sld xmlns:a="http://schemas.openxmlformats.org/drawingml/2006/main" xmlns:r="http://schemas.openxmlformats.org/officeDocument/2006/relationships" xmlns:p="http://schemas.openxmlformats.org/presentationml/2006/main">
   <p:cSld>
     <p:spTree>
@@ -29676,7 +31653,7 @@
 </p:sld>
 </file>
 
-<file path=ppt/slides/slide54.xml><?xml version="1.0" encoding="utf-8"?>
+<file path=ppt/slides/slide57.xml><?xml version="1.0" encoding="utf-8"?>
 <p:sld xmlns:a="http://schemas.openxmlformats.org/drawingml/2006/main" xmlns:r="http://schemas.openxmlformats.org/officeDocument/2006/relationships" xmlns:p="http://schemas.openxmlformats.org/presentationml/2006/main">
   <p:cSld>
     <p:spTree>
@@ -30270,7 +32247,7 @@
 </p:sld>
 </file>
 
-<file path=ppt/slides/slide55.xml><?xml version="1.0" encoding="utf-8"?>
+<file path=ppt/slides/slide58.xml><?xml version="1.0" encoding="utf-8"?>
 <p:sld xmlns:a="http://schemas.openxmlformats.org/drawingml/2006/main" xmlns:r="http://schemas.openxmlformats.org/officeDocument/2006/relationships" xmlns:p="http://schemas.openxmlformats.org/presentationml/2006/main">
   <p:cSld>
     <p:spTree>
@@ -31288,7 +33265,7 @@
 </p:sld>
 </file>
 
-<file path=ppt/slides/slide56.xml><?xml version="1.0" encoding="utf-8"?>
+<file path=ppt/slides/slide59.xml><?xml version="1.0" encoding="utf-8"?>
 <p:sld xmlns:a="http://schemas.openxmlformats.org/drawingml/2006/main" xmlns:r="http://schemas.openxmlformats.org/officeDocument/2006/relationships" xmlns:p="http://schemas.openxmlformats.org/presentationml/2006/main">
   <p:cSld>
     <p:spTree>
@@ -32031,7 +34008,763 @@
 </p:sld>
 </file>
 
-<file path=ppt/slides/slide57.xml><?xml version="1.0" encoding="utf-8"?>
+<file path=ppt/slides/slide6.xml><?xml version="1.0" encoding="utf-8"?>
+<p:sld xmlns:a="http://schemas.openxmlformats.org/drawingml/2006/main" xmlns:r="http://schemas.openxmlformats.org/officeDocument/2006/relationships" xmlns:p="http://schemas.openxmlformats.org/presentationml/2006/main">
+  <p:cSld>
+    <p:spTree>
+      <p:nvGrpSpPr>
+        <p:cNvPr id="1" name="">
+          <a:extLst>
+            <a:ext uri="{FF2B5EF4-FFF2-40B4-BE49-F238E27FC236}">
+              <a16:creationId xmlns:a16="http://schemas.microsoft.com/office/drawing/2014/main" id="{A28EA41B-52ED-EBC3-E55F-F20E14A3F3F8}"/>
+            </a:ext>
+          </a:extLst>
+        </p:cNvPr>
+        <p:cNvGrpSpPr/>
+        <p:nvPr/>
+      </p:nvGrpSpPr>
+      <p:grpSpPr>
+        <a:xfrm>
+          <a:off x="0" y="0"/>
+          <a:ext cx="0" cy="0"/>
+          <a:chOff x="0" y="0"/>
+          <a:chExt cx="0" cy="0"/>
+        </a:xfrm>
+      </p:grpSpPr>
+      <p:grpSp>
+        <p:nvGrpSpPr>
+          <p:cNvPr id="18" name="Group 17">
+            <a:extLst>
+              <a:ext uri="{FF2B5EF4-FFF2-40B4-BE49-F238E27FC236}">
+                <a16:creationId xmlns:a16="http://schemas.microsoft.com/office/drawing/2014/main" id="{83EA67A1-2647-4BB9-C75E-5945BE358431}"/>
+              </a:ext>
+            </a:extLst>
+          </p:cNvPr>
+          <p:cNvGrpSpPr/>
+          <p:nvPr/>
+        </p:nvGrpSpPr>
+        <p:grpSpPr>
+          <a:xfrm>
+            <a:off x="7081935" y="-1503007"/>
+            <a:ext cx="5682342" cy="11346026"/>
+            <a:chOff x="-653142" y="-318020"/>
+            <a:chExt cx="5682342" cy="11346026"/>
+          </a:xfrm>
+        </p:grpSpPr>
+        <p:grpSp>
+          <p:nvGrpSpPr>
+            <p:cNvPr id="20" name="Group 19">
+              <a:extLst>
+                <a:ext uri="{FF2B5EF4-FFF2-40B4-BE49-F238E27FC236}">
+                  <a16:creationId xmlns:a16="http://schemas.microsoft.com/office/drawing/2014/main" id="{A59DF1D8-F586-2CE8-56F0-1242B57BC8E8}"/>
+                </a:ext>
+              </a:extLst>
+            </p:cNvPr>
+            <p:cNvGrpSpPr/>
+            <p:nvPr/>
+          </p:nvGrpSpPr>
+          <p:grpSpPr>
+            <a:xfrm>
+              <a:off x="-643813" y="-318020"/>
+              <a:ext cx="5673013" cy="11346026"/>
+              <a:chOff x="4667250" y="571500"/>
+              <a:chExt cx="2857500" cy="5715000"/>
+            </a:xfrm>
+          </p:grpSpPr>
+          <p:pic>
+            <p:nvPicPr>
+              <p:cNvPr id="23" name="Graphic 22">
+                <a:extLst>
+                  <a:ext uri="{FF2B5EF4-FFF2-40B4-BE49-F238E27FC236}">
+                    <a16:creationId xmlns:a16="http://schemas.microsoft.com/office/drawing/2014/main" id="{46195768-F055-918E-19C2-CB5D35B56D1D}"/>
+                  </a:ext>
+                </a:extLst>
+              </p:cNvPr>
+              <p:cNvPicPr>
+                <a:picLocks noChangeAspect="1"/>
+              </p:cNvPicPr>
+              <p:nvPr/>
+            </p:nvPicPr>
+            <p:blipFill>
+              <a:blip r:embed="rId2">
+                <a:extLst>
+                  <a:ext uri="{96DAC541-7B7A-43D3-8B79-37D633B846F1}">
+                    <asvg:svgBlip xmlns:asvg="http://schemas.microsoft.com/office/drawing/2016/SVG/main" r:embed="rId3"/>
+                  </a:ext>
+                </a:extLst>
+              </a:blip>
+              <a:stretch>
+                <a:fillRect/>
+              </a:stretch>
+            </p:blipFill>
+            <p:spPr>
+              <a:xfrm>
+                <a:off x="4667250" y="571500"/>
+                <a:ext cx="2857500" cy="5715000"/>
+              </a:xfrm>
+              <a:prstGeom prst="rect">
+                <a:avLst/>
+              </a:prstGeom>
+            </p:spPr>
+          </p:pic>
+          <p:pic>
+            <p:nvPicPr>
+              <p:cNvPr id="25" name="Graphic 24">
+                <a:extLst>
+                  <a:ext uri="{FF2B5EF4-FFF2-40B4-BE49-F238E27FC236}">
+                    <a16:creationId xmlns:a16="http://schemas.microsoft.com/office/drawing/2014/main" id="{F781ED47-F0C9-6CE1-C795-B58AF2B58EBE}"/>
+                  </a:ext>
+                </a:extLst>
+              </p:cNvPr>
+              <p:cNvPicPr>
+                <a:picLocks noChangeAspect="1"/>
+              </p:cNvPicPr>
+              <p:nvPr/>
+            </p:nvPicPr>
+            <p:blipFill>
+              <a:blip r:embed="rId4">
+                <a:extLst>
+                  <a:ext uri="{96DAC541-7B7A-43D3-8B79-37D633B846F1}">
+                    <asvg:svgBlip xmlns:asvg="http://schemas.microsoft.com/office/drawing/2016/SVG/main" r:embed="rId5"/>
+                  </a:ext>
+                </a:extLst>
+              </a:blip>
+              <a:stretch>
+                <a:fillRect/>
+              </a:stretch>
+            </p:blipFill>
+            <p:spPr>
+              <a:xfrm>
+                <a:off x="4667250" y="571500"/>
+                <a:ext cx="2857500" cy="5715000"/>
+              </a:xfrm>
+              <a:prstGeom prst="rect">
+                <a:avLst/>
+              </a:prstGeom>
+            </p:spPr>
+          </p:pic>
+        </p:grpSp>
+        <p:pic>
+          <p:nvPicPr>
+            <p:cNvPr id="22" name="Graphic 21">
+              <a:extLst>
+                <a:ext uri="{FF2B5EF4-FFF2-40B4-BE49-F238E27FC236}">
+                  <a16:creationId xmlns:a16="http://schemas.microsoft.com/office/drawing/2014/main" id="{030C8CA0-408B-7FA1-C100-2BBF9045C343}"/>
+                </a:ext>
+              </a:extLst>
+            </p:cNvPr>
+            <p:cNvPicPr>
+              <a:picLocks noChangeAspect="1"/>
+            </p:cNvPicPr>
+            <p:nvPr/>
+          </p:nvPicPr>
+          <p:blipFill>
+            <a:blip r:embed="rId6">
+              <a:extLst>
+                <a:ext uri="{96DAC541-7B7A-43D3-8B79-37D633B846F1}">
+                  <asvg:svgBlip xmlns:asvg="http://schemas.microsoft.com/office/drawing/2016/SVG/main" r:embed="rId7"/>
+                </a:ext>
+              </a:extLst>
+            </a:blip>
+            <a:stretch>
+              <a:fillRect/>
+            </a:stretch>
+          </p:blipFill>
+          <p:spPr>
+            <a:xfrm>
+              <a:off x="-653142" y="-318018"/>
+              <a:ext cx="5673012" cy="11346024"/>
+            </a:xfrm>
+            <a:prstGeom prst="rect">
+              <a:avLst/>
+            </a:prstGeom>
+          </p:spPr>
+        </p:pic>
+      </p:grpSp>
+      <p:grpSp>
+        <p:nvGrpSpPr>
+          <p:cNvPr id="11" name="Group 10">
+            <a:extLst>
+              <a:ext uri="{FF2B5EF4-FFF2-40B4-BE49-F238E27FC236}">
+                <a16:creationId xmlns:a16="http://schemas.microsoft.com/office/drawing/2014/main" id="{695E3877-9775-E896-E5C0-3422AD657E2A}"/>
+              </a:ext>
+            </a:extLst>
+          </p:cNvPr>
+          <p:cNvGrpSpPr/>
+          <p:nvPr/>
+        </p:nvGrpSpPr>
+        <p:grpSpPr>
+          <a:xfrm>
+            <a:off x="3257161" y="-1521000"/>
+            <a:ext cx="5682342" cy="11346026"/>
+            <a:chOff x="-653142" y="-318020"/>
+            <a:chExt cx="5682342" cy="11346026"/>
+          </a:xfrm>
+        </p:grpSpPr>
+        <p:grpSp>
+          <p:nvGrpSpPr>
+            <p:cNvPr id="12" name="Group 11">
+              <a:extLst>
+                <a:ext uri="{FF2B5EF4-FFF2-40B4-BE49-F238E27FC236}">
+                  <a16:creationId xmlns:a16="http://schemas.microsoft.com/office/drawing/2014/main" id="{E1B5F99E-DAAB-40BB-CB81-ED3C998A6BCD}"/>
+                </a:ext>
+              </a:extLst>
+            </p:cNvPr>
+            <p:cNvGrpSpPr/>
+            <p:nvPr/>
+          </p:nvGrpSpPr>
+          <p:grpSpPr>
+            <a:xfrm>
+              <a:off x="-643813" y="-318020"/>
+              <a:ext cx="5673013" cy="11346026"/>
+              <a:chOff x="4667250" y="571500"/>
+              <a:chExt cx="2857500" cy="5715000"/>
+            </a:xfrm>
+          </p:grpSpPr>
+          <p:pic>
+            <p:nvPicPr>
+              <p:cNvPr id="14" name="Graphic 13">
+                <a:extLst>
+                  <a:ext uri="{FF2B5EF4-FFF2-40B4-BE49-F238E27FC236}">
+                    <a16:creationId xmlns:a16="http://schemas.microsoft.com/office/drawing/2014/main" id="{3102A77A-91E0-8E0C-96D9-DE03714C5499}"/>
+                  </a:ext>
+                </a:extLst>
+              </p:cNvPr>
+              <p:cNvPicPr>
+                <a:picLocks noChangeAspect="1"/>
+              </p:cNvPicPr>
+              <p:nvPr/>
+            </p:nvPicPr>
+            <p:blipFill>
+              <a:blip r:embed="rId2">
+                <a:extLst>
+                  <a:ext uri="{96DAC541-7B7A-43D3-8B79-37D633B846F1}">
+                    <asvg:svgBlip xmlns:asvg="http://schemas.microsoft.com/office/drawing/2016/SVG/main" r:embed="rId3"/>
+                  </a:ext>
+                </a:extLst>
+              </a:blip>
+              <a:stretch>
+                <a:fillRect/>
+              </a:stretch>
+            </p:blipFill>
+            <p:spPr>
+              <a:xfrm>
+                <a:off x="4667250" y="571500"/>
+                <a:ext cx="2857500" cy="5715000"/>
+              </a:xfrm>
+              <a:prstGeom prst="rect">
+                <a:avLst/>
+              </a:prstGeom>
+            </p:spPr>
+          </p:pic>
+          <p:pic>
+            <p:nvPicPr>
+              <p:cNvPr id="15" name="Graphic 14">
+                <a:extLst>
+                  <a:ext uri="{FF2B5EF4-FFF2-40B4-BE49-F238E27FC236}">
+                    <a16:creationId xmlns:a16="http://schemas.microsoft.com/office/drawing/2014/main" id="{5E5AD427-EADB-ECF4-E209-13CDD0C30DA0}"/>
+                  </a:ext>
+                </a:extLst>
+              </p:cNvPr>
+              <p:cNvPicPr>
+                <a:picLocks noChangeAspect="1"/>
+              </p:cNvPicPr>
+              <p:nvPr/>
+            </p:nvPicPr>
+            <p:blipFill>
+              <a:blip r:embed="rId4">
+                <a:extLst>
+                  <a:ext uri="{96DAC541-7B7A-43D3-8B79-37D633B846F1}">
+                    <asvg:svgBlip xmlns:asvg="http://schemas.microsoft.com/office/drawing/2016/SVG/main" r:embed="rId5"/>
+                  </a:ext>
+                </a:extLst>
+              </a:blip>
+              <a:stretch>
+                <a:fillRect/>
+              </a:stretch>
+            </p:blipFill>
+            <p:spPr>
+              <a:xfrm>
+                <a:off x="4667250" y="571500"/>
+                <a:ext cx="2857500" cy="5715000"/>
+              </a:xfrm>
+              <a:prstGeom prst="rect">
+                <a:avLst/>
+              </a:prstGeom>
+            </p:spPr>
+          </p:pic>
+        </p:grpSp>
+        <p:pic>
+          <p:nvPicPr>
+            <p:cNvPr id="13" name="Graphic 12">
+              <a:extLst>
+                <a:ext uri="{FF2B5EF4-FFF2-40B4-BE49-F238E27FC236}">
+                  <a16:creationId xmlns:a16="http://schemas.microsoft.com/office/drawing/2014/main" id="{AB025B59-987D-9CFF-ABC1-87B337B4FC52}"/>
+                </a:ext>
+              </a:extLst>
+            </p:cNvPr>
+            <p:cNvPicPr>
+              <a:picLocks noChangeAspect="1"/>
+            </p:cNvPicPr>
+            <p:nvPr/>
+          </p:nvPicPr>
+          <p:blipFill>
+            <a:blip r:embed="rId6">
+              <a:extLst>
+                <a:ext uri="{96DAC541-7B7A-43D3-8B79-37D633B846F1}">
+                  <asvg:svgBlip xmlns:asvg="http://schemas.microsoft.com/office/drawing/2016/SVG/main" r:embed="rId7"/>
+                </a:ext>
+              </a:extLst>
+            </a:blip>
+            <a:stretch>
+              <a:fillRect/>
+            </a:stretch>
+          </p:blipFill>
+          <p:spPr>
+            <a:xfrm>
+              <a:off x="-653142" y="-318018"/>
+              <a:ext cx="5673012" cy="11346024"/>
+            </a:xfrm>
+            <a:prstGeom prst="rect">
+              <a:avLst/>
+            </a:prstGeom>
+          </p:spPr>
+        </p:pic>
+      </p:grpSp>
+      <p:grpSp>
+        <p:nvGrpSpPr>
+          <p:cNvPr id="4" name="Group 3">
+            <a:extLst>
+              <a:ext uri="{FF2B5EF4-FFF2-40B4-BE49-F238E27FC236}">
+                <a16:creationId xmlns:a16="http://schemas.microsoft.com/office/drawing/2014/main" id="{B3BEF3EE-96EC-EB30-F605-96E27B667742}"/>
+              </a:ext>
+            </a:extLst>
+          </p:cNvPr>
+          <p:cNvGrpSpPr/>
+          <p:nvPr/>
+        </p:nvGrpSpPr>
+        <p:grpSpPr>
+          <a:xfrm>
+            <a:off x="-572279" y="-1503007"/>
+            <a:ext cx="5682342" cy="11346026"/>
+            <a:chOff x="-653142" y="-318020"/>
+            <a:chExt cx="5682342" cy="11346026"/>
+          </a:xfrm>
+        </p:grpSpPr>
+        <p:grpSp>
+          <p:nvGrpSpPr>
+            <p:cNvPr id="5" name="Group 4">
+              <a:extLst>
+                <a:ext uri="{FF2B5EF4-FFF2-40B4-BE49-F238E27FC236}">
+                  <a16:creationId xmlns:a16="http://schemas.microsoft.com/office/drawing/2014/main" id="{4B4893D1-4C24-1F26-BE52-155EECC5E298}"/>
+                </a:ext>
+              </a:extLst>
+            </p:cNvPr>
+            <p:cNvGrpSpPr/>
+            <p:nvPr/>
+          </p:nvGrpSpPr>
+          <p:grpSpPr>
+            <a:xfrm>
+              <a:off x="-643813" y="-318020"/>
+              <a:ext cx="5673013" cy="11346026"/>
+              <a:chOff x="4667250" y="571500"/>
+              <a:chExt cx="2857500" cy="5715000"/>
+            </a:xfrm>
+          </p:grpSpPr>
+          <p:pic>
+            <p:nvPicPr>
+              <p:cNvPr id="9" name="Graphic 8">
+                <a:extLst>
+                  <a:ext uri="{FF2B5EF4-FFF2-40B4-BE49-F238E27FC236}">
+                    <a16:creationId xmlns:a16="http://schemas.microsoft.com/office/drawing/2014/main" id="{4AB1AD10-79D9-A271-AD78-06DC33469EC7}"/>
+                  </a:ext>
+                </a:extLst>
+              </p:cNvPr>
+              <p:cNvPicPr>
+                <a:picLocks noChangeAspect="1"/>
+              </p:cNvPicPr>
+              <p:nvPr/>
+            </p:nvPicPr>
+            <p:blipFill>
+              <a:blip r:embed="rId2">
+                <a:extLst>
+                  <a:ext uri="{96DAC541-7B7A-43D3-8B79-37D633B846F1}">
+                    <asvg:svgBlip xmlns:asvg="http://schemas.microsoft.com/office/drawing/2016/SVG/main" r:embed="rId3"/>
+                  </a:ext>
+                </a:extLst>
+              </a:blip>
+              <a:stretch>
+                <a:fillRect/>
+              </a:stretch>
+            </p:blipFill>
+            <p:spPr>
+              <a:xfrm>
+                <a:off x="4667250" y="571500"/>
+                <a:ext cx="2857500" cy="5715000"/>
+              </a:xfrm>
+              <a:prstGeom prst="rect">
+                <a:avLst/>
+              </a:prstGeom>
+            </p:spPr>
+          </p:pic>
+          <p:pic>
+            <p:nvPicPr>
+              <p:cNvPr id="10" name="Graphic 9">
+                <a:extLst>
+                  <a:ext uri="{FF2B5EF4-FFF2-40B4-BE49-F238E27FC236}">
+                    <a16:creationId xmlns:a16="http://schemas.microsoft.com/office/drawing/2014/main" id="{3AA2B974-C43A-30AE-C77F-8F8DC4D20797}"/>
+                  </a:ext>
+                </a:extLst>
+              </p:cNvPr>
+              <p:cNvPicPr>
+                <a:picLocks noChangeAspect="1"/>
+              </p:cNvPicPr>
+              <p:nvPr/>
+            </p:nvPicPr>
+            <p:blipFill>
+              <a:blip r:embed="rId4">
+                <a:extLst>
+                  <a:ext uri="{96DAC541-7B7A-43D3-8B79-37D633B846F1}">
+                    <asvg:svgBlip xmlns:asvg="http://schemas.microsoft.com/office/drawing/2016/SVG/main" r:embed="rId5"/>
+                  </a:ext>
+                </a:extLst>
+              </a:blip>
+              <a:stretch>
+                <a:fillRect/>
+              </a:stretch>
+            </p:blipFill>
+            <p:spPr>
+              <a:xfrm>
+                <a:off x="4667250" y="571500"/>
+                <a:ext cx="2857500" cy="5715000"/>
+              </a:xfrm>
+              <a:prstGeom prst="rect">
+                <a:avLst/>
+              </a:prstGeom>
+            </p:spPr>
+          </p:pic>
+        </p:grpSp>
+        <p:pic>
+          <p:nvPicPr>
+            <p:cNvPr id="8" name="Graphic 7">
+              <a:extLst>
+                <a:ext uri="{FF2B5EF4-FFF2-40B4-BE49-F238E27FC236}">
+                  <a16:creationId xmlns:a16="http://schemas.microsoft.com/office/drawing/2014/main" id="{EAABD3C7-54E2-CBD5-6D84-1F1688833F3A}"/>
+                </a:ext>
+              </a:extLst>
+            </p:cNvPr>
+            <p:cNvPicPr>
+              <a:picLocks noChangeAspect="1"/>
+            </p:cNvPicPr>
+            <p:nvPr/>
+          </p:nvPicPr>
+          <p:blipFill>
+            <a:blip r:embed="rId6">
+              <a:extLst>
+                <a:ext uri="{96DAC541-7B7A-43D3-8B79-37D633B846F1}">
+                  <asvg:svgBlip xmlns:asvg="http://schemas.microsoft.com/office/drawing/2016/SVG/main" r:embed="rId7"/>
+                </a:ext>
+              </a:extLst>
+            </a:blip>
+            <a:stretch>
+              <a:fillRect/>
+            </a:stretch>
+          </p:blipFill>
+          <p:spPr>
+            <a:xfrm>
+              <a:off x="-653142" y="-318018"/>
+              <a:ext cx="5673012" cy="11346024"/>
+            </a:xfrm>
+            <a:prstGeom prst="rect">
+              <a:avLst/>
+            </a:prstGeom>
+          </p:spPr>
+        </p:pic>
+      </p:grpSp>
+      <p:cxnSp>
+        <p:nvCxnSpPr>
+          <p:cNvPr id="2" name="Straight Arrow Connector 1">
+            <a:extLst>
+              <a:ext uri="{FF2B5EF4-FFF2-40B4-BE49-F238E27FC236}">
+                <a16:creationId xmlns:a16="http://schemas.microsoft.com/office/drawing/2014/main" id="{71F6EB70-82A7-734F-934D-2D17D86FC3DA}"/>
+              </a:ext>
+            </a:extLst>
+          </p:cNvPr>
+          <p:cNvCxnSpPr>
+            <a:cxnSpLocks/>
+          </p:cNvCxnSpPr>
+          <p:nvPr/>
+        </p:nvCxnSpPr>
+        <p:spPr>
+          <a:xfrm>
+            <a:off x="5253135" y="3215957"/>
+            <a:ext cx="933061" cy="0"/>
+          </a:xfrm>
+          <a:prstGeom prst="straightConnector1">
+            <a:avLst/>
+          </a:prstGeom>
+          <a:ln w="38100">
+            <a:solidFill>
+              <a:srgbClr val="CCFF99"/>
+            </a:solidFill>
+            <a:headEnd type="none" w="med" len="med"/>
+            <a:tailEnd type="triangle" w="med" len="med"/>
+          </a:ln>
+        </p:spPr>
+        <p:style>
+          <a:lnRef idx="1">
+            <a:schemeClr val="accent1"/>
+          </a:lnRef>
+          <a:fillRef idx="0">
+            <a:schemeClr val="accent1"/>
+          </a:fillRef>
+          <a:effectRef idx="0">
+            <a:schemeClr val="accent1"/>
+          </a:effectRef>
+          <a:fontRef idx="minor">
+            <a:schemeClr val="tx1"/>
+          </a:fontRef>
+        </p:style>
+      </p:cxnSp>
+      <p:cxnSp>
+        <p:nvCxnSpPr>
+          <p:cNvPr id="3" name="Straight Arrow Connector 2">
+            <a:extLst>
+              <a:ext uri="{FF2B5EF4-FFF2-40B4-BE49-F238E27FC236}">
+                <a16:creationId xmlns:a16="http://schemas.microsoft.com/office/drawing/2014/main" id="{A44A9AA5-B0B3-B5A2-EFA7-FE2EA0BFE43B}"/>
+              </a:ext>
+            </a:extLst>
+          </p:cNvPr>
+          <p:cNvCxnSpPr>
+            <a:cxnSpLocks/>
+          </p:cNvCxnSpPr>
+          <p:nvPr/>
+        </p:nvCxnSpPr>
+        <p:spPr>
+          <a:xfrm>
+            <a:off x="5710336" y="3215957"/>
+            <a:ext cx="1240970" cy="0"/>
+          </a:xfrm>
+          <a:prstGeom prst="straightConnector1">
+            <a:avLst/>
+          </a:prstGeom>
+          <a:ln w="38100">
+            <a:solidFill>
+              <a:srgbClr val="CCFF99"/>
+            </a:solidFill>
+            <a:headEnd type="none" w="med" len="med"/>
+            <a:tailEnd type="none" w="med" len="med"/>
+          </a:ln>
+        </p:spPr>
+        <p:style>
+          <a:lnRef idx="1">
+            <a:schemeClr val="accent1"/>
+          </a:lnRef>
+          <a:fillRef idx="0">
+            <a:schemeClr val="accent1"/>
+          </a:fillRef>
+          <a:effectRef idx="0">
+            <a:schemeClr val="accent1"/>
+          </a:effectRef>
+          <a:fontRef idx="minor">
+            <a:schemeClr val="tx1"/>
+          </a:fontRef>
+        </p:style>
+      </p:cxnSp>
+      <p:cxnSp>
+        <p:nvCxnSpPr>
+          <p:cNvPr id="24" name="Straight Arrow Connector 23">
+            <a:extLst>
+              <a:ext uri="{FF2B5EF4-FFF2-40B4-BE49-F238E27FC236}">
+                <a16:creationId xmlns:a16="http://schemas.microsoft.com/office/drawing/2014/main" id="{71C74843-1F64-5891-A956-F481446C9681}"/>
+              </a:ext>
+            </a:extLst>
+          </p:cNvPr>
+          <p:cNvCxnSpPr>
+            <a:cxnSpLocks/>
+          </p:cNvCxnSpPr>
+          <p:nvPr/>
+        </p:nvCxnSpPr>
+        <p:spPr>
+          <a:xfrm>
+            <a:off x="1603309" y="2833401"/>
+            <a:ext cx="755780" cy="0"/>
+          </a:xfrm>
+          <a:prstGeom prst="straightConnector1">
+            <a:avLst/>
+          </a:prstGeom>
+          <a:ln w="38100">
+            <a:solidFill>
+              <a:srgbClr val="CCFF99"/>
+            </a:solidFill>
+            <a:headEnd type="none" w="med" len="med"/>
+            <a:tailEnd type="triangle" w="med" len="med"/>
+          </a:ln>
+        </p:spPr>
+        <p:style>
+          <a:lnRef idx="1">
+            <a:schemeClr val="accent1"/>
+          </a:lnRef>
+          <a:fillRef idx="0">
+            <a:schemeClr val="accent1"/>
+          </a:fillRef>
+          <a:effectRef idx="0">
+            <a:schemeClr val="accent1"/>
+          </a:effectRef>
+          <a:fontRef idx="minor">
+            <a:schemeClr val="tx1"/>
+          </a:fontRef>
+        </p:style>
+      </p:cxnSp>
+      <p:cxnSp>
+        <p:nvCxnSpPr>
+          <p:cNvPr id="26" name="Straight Arrow Connector 25">
+            <a:extLst>
+              <a:ext uri="{FF2B5EF4-FFF2-40B4-BE49-F238E27FC236}">
+                <a16:creationId xmlns:a16="http://schemas.microsoft.com/office/drawing/2014/main" id="{E56DF869-0EE1-9628-0B4A-B7DFDD67BE02}"/>
+              </a:ext>
+            </a:extLst>
+          </p:cNvPr>
+          <p:cNvCxnSpPr>
+            <a:cxnSpLocks/>
+          </p:cNvCxnSpPr>
+          <p:nvPr/>
+        </p:nvCxnSpPr>
+        <p:spPr>
+          <a:xfrm>
+            <a:off x="1883229" y="2833401"/>
+            <a:ext cx="1045027" cy="0"/>
+          </a:xfrm>
+          <a:prstGeom prst="straightConnector1">
+            <a:avLst/>
+          </a:prstGeom>
+          <a:ln w="38100">
+            <a:solidFill>
+              <a:srgbClr val="CCFF99"/>
+            </a:solidFill>
+            <a:headEnd type="none" w="med" len="med"/>
+            <a:tailEnd type="none" w="med" len="med"/>
+          </a:ln>
+        </p:spPr>
+        <p:style>
+          <a:lnRef idx="1">
+            <a:schemeClr val="accent1"/>
+          </a:lnRef>
+          <a:fillRef idx="0">
+            <a:schemeClr val="accent1"/>
+          </a:fillRef>
+          <a:effectRef idx="0">
+            <a:schemeClr val="accent1"/>
+          </a:effectRef>
+          <a:fontRef idx="minor">
+            <a:schemeClr val="tx1"/>
+          </a:fontRef>
+        </p:style>
+      </p:cxnSp>
+      <p:cxnSp>
+        <p:nvCxnSpPr>
+          <p:cNvPr id="43" name="Straight Arrow Connector 42">
+            <a:extLst>
+              <a:ext uri="{FF2B5EF4-FFF2-40B4-BE49-F238E27FC236}">
+                <a16:creationId xmlns:a16="http://schemas.microsoft.com/office/drawing/2014/main" id="{1AB61305-7D2B-57B6-E460-C7DFE4F48428}"/>
+              </a:ext>
+            </a:extLst>
+          </p:cNvPr>
+          <p:cNvCxnSpPr>
+            <a:cxnSpLocks/>
+          </p:cNvCxnSpPr>
+          <p:nvPr/>
+        </p:nvCxnSpPr>
+        <p:spPr>
+          <a:xfrm>
+            <a:off x="8904513" y="4232994"/>
+            <a:ext cx="1080797" cy="0"/>
+          </a:xfrm>
+          <a:prstGeom prst="straightConnector1">
+            <a:avLst/>
+          </a:prstGeom>
+          <a:ln w="38100">
+            <a:solidFill>
+              <a:srgbClr val="CCFF99"/>
+            </a:solidFill>
+            <a:headEnd type="none" w="med" len="med"/>
+            <a:tailEnd type="triangle" w="med" len="med"/>
+          </a:ln>
+        </p:spPr>
+        <p:style>
+          <a:lnRef idx="1">
+            <a:schemeClr val="accent1"/>
+          </a:lnRef>
+          <a:fillRef idx="0">
+            <a:schemeClr val="accent1"/>
+          </a:fillRef>
+          <a:effectRef idx="0">
+            <a:schemeClr val="accent1"/>
+          </a:effectRef>
+          <a:fontRef idx="minor">
+            <a:schemeClr val="tx1"/>
+          </a:fontRef>
+        </p:style>
+      </p:cxnSp>
+      <p:cxnSp>
+        <p:nvCxnSpPr>
+          <p:cNvPr id="44" name="Straight Arrow Connector 43">
+            <a:extLst>
+              <a:ext uri="{FF2B5EF4-FFF2-40B4-BE49-F238E27FC236}">
+                <a16:creationId xmlns:a16="http://schemas.microsoft.com/office/drawing/2014/main" id="{B10B1A7B-F835-1EAF-EAF9-32130FE56988}"/>
+              </a:ext>
+            </a:extLst>
+          </p:cNvPr>
+          <p:cNvCxnSpPr>
+            <a:cxnSpLocks/>
+          </p:cNvCxnSpPr>
+          <p:nvPr/>
+        </p:nvCxnSpPr>
+        <p:spPr>
+          <a:xfrm>
+            <a:off x="9537443" y="4232994"/>
+            <a:ext cx="1416696" cy="0"/>
+          </a:xfrm>
+          <a:prstGeom prst="straightConnector1">
+            <a:avLst/>
+          </a:prstGeom>
+          <a:ln w="38100">
+            <a:solidFill>
+              <a:srgbClr val="CCFF99"/>
+            </a:solidFill>
+            <a:headEnd type="none" w="med" len="med"/>
+            <a:tailEnd type="none" w="med" len="med"/>
+          </a:ln>
+        </p:spPr>
+        <p:style>
+          <a:lnRef idx="1">
+            <a:schemeClr val="accent1"/>
+          </a:lnRef>
+          <a:fillRef idx="0">
+            <a:schemeClr val="accent1"/>
+          </a:fillRef>
+          <a:effectRef idx="0">
+            <a:schemeClr val="accent1"/>
+          </a:effectRef>
+          <a:fontRef idx="minor">
+            <a:schemeClr val="tx1"/>
+          </a:fontRef>
+        </p:style>
+      </p:cxnSp>
+    </p:spTree>
+    <p:extLst>
+      <p:ext uri="{BB962C8B-B14F-4D97-AF65-F5344CB8AC3E}">
+        <p14:creationId xmlns:p14="http://schemas.microsoft.com/office/powerpoint/2010/main" val="3677288008"/>
+      </p:ext>
+    </p:extLst>
+  </p:cSld>
+  <p:clrMapOvr>
+    <a:masterClrMapping/>
+  </p:clrMapOvr>
+</p:sld>
+</file>
+
+<file path=ppt/slides/slide60.xml><?xml version="1.0" encoding="utf-8"?>
 <p:sld xmlns:a="http://schemas.openxmlformats.org/drawingml/2006/main" xmlns:r="http://schemas.openxmlformats.org/officeDocument/2006/relationships" xmlns:p="http://schemas.openxmlformats.org/presentationml/2006/main">
   <p:cSld>
     <p:spTree>
@@ -32700,7 +35433,7 @@
 </p:sld>
 </file>
 
-<file path=ppt/slides/slide58.xml><?xml version="1.0" encoding="utf-8"?>
+<file path=ppt/slides/slide61.xml><?xml version="1.0" encoding="utf-8"?>
 <p:sld xmlns:a="http://schemas.openxmlformats.org/drawingml/2006/main" xmlns:r="http://schemas.openxmlformats.org/officeDocument/2006/relationships" xmlns:p="http://schemas.openxmlformats.org/presentationml/2006/main">
   <p:cSld>
     <p:spTree>
@@ -32976,7 +35709,7 @@
 </p:sld>
 </file>
 
-<file path=ppt/slides/slide59.xml><?xml version="1.0" encoding="utf-8"?>
+<file path=ppt/slides/slide62.xml><?xml version="1.0" encoding="utf-8"?>
 <p:sld xmlns:a="http://schemas.openxmlformats.org/drawingml/2006/main" xmlns:r="http://schemas.openxmlformats.org/officeDocument/2006/relationships" xmlns:p="http://schemas.openxmlformats.org/presentationml/2006/main">
   <p:cSld>
     <p:spTree>
@@ -33435,763 +36168,7 @@
 </p:sld>
 </file>
 
-<file path=ppt/slides/slide6.xml><?xml version="1.0" encoding="utf-8"?>
-<p:sld xmlns:a="http://schemas.openxmlformats.org/drawingml/2006/main" xmlns:r="http://schemas.openxmlformats.org/officeDocument/2006/relationships" xmlns:p="http://schemas.openxmlformats.org/presentationml/2006/main">
-  <p:cSld>
-    <p:spTree>
-      <p:nvGrpSpPr>
-        <p:cNvPr id="1" name="">
-          <a:extLst>
-            <a:ext uri="{FF2B5EF4-FFF2-40B4-BE49-F238E27FC236}">
-              <a16:creationId xmlns:a16="http://schemas.microsoft.com/office/drawing/2014/main" id="{A28EA41B-52ED-EBC3-E55F-F20E14A3F3F8}"/>
-            </a:ext>
-          </a:extLst>
-        </p:cNvPr>
-        <p:cNvGrpSpPr/>
-        <p:nvPr/>
-      </p:nvGrpSpPr>
-      <p:grpSpPr>
-        <a:xfrm>
-          <a:off x="0" y="0"/>
-          <a:ext cx="0" cy="0"/>
-          <a:chOff x="0" y="0"/>
-          <a:chExt cx="0" cy="0"/>
-        </a:xfrm>
-      </p:grpSpPr>
-      <p:grpSp>
-        <p:nvGrpSpPr>
-          <p:cNvPr id="18" name="Group 17">
-            <a:extLst>
-              <a:ext uri="{FF2B5EF4-FFF2-40B4-BE49-F238E27FC236}">
-                <a16:creationId xmlns:a16="http://schemas.microsoft.com/office/drawing/2014/main" id="{83EA67A1-2647-4BB9-C75E-5945BE358431}"/>
-              </a:ext>
-            </a:extLst>
-          </p:cNvPr>
-          <p:cNvGrpSpPr/>
-          <p:nvPr/>
-        </p:nvGrpSpPr>
-        <p:grpSpPr>
-          <a:xfrm>
-            <a:off x="7081935" y="-1503007"/>
-            <a:ext cx="5682342" cy="11346026"/>
-            <a:chOff x="-653142" y="-318020"/>
-            <a:chExt cx="5682342" cy="11346026"/>
-          </a:xfrm>
-        </p:grpSpPr>
-        <p:grpSp>
-          <p:nvGrpSpPr>
-            <p:cNvPr id="20" name="Group 19">
-              <a:extLst>
-                <a:ext uri="{FF2B5EF4-FFF2-40B4-BE49-F238E27FC236}">
-                  <a16:creationId xmlns:a16="http://schemas.microsoft.com/office/drawing/2014/main" id="{A59DF1D8-F586-2CE8-56F0-1242B57BC8E8}"/>
-                </a:ext>
-              </a:extLst>
-            </p:cNvPr>
-            <p:cNvGrpSpPr/>
-            <p:nvPr/>
-          </p:nvGrpSpPr>
-          <p:grpSpPr>
-            <a:xfrm>
-              <a:off x="-643813" y="-318020"/>
-              <a:ext cx="5673013" cy="11346026"/>
-              <a:chOff x="4667250" y="571500"/>
-              <a:chExt cx="2857500" cy="5715000"/>
-            </a:xfrm>
-          </p:grpSpPr>
-          <p:pic>
-            <p:nvPicPr>
-              <p:cNvPr id="23" name="Graphic 22">
-                <a:extLst>
-                  <a:ext uri="{FF2B5EF4-FFF2-40B4-BE49-F238E27FC236}">
-                    <a16:creationId xmlns:a16="http://schemas.microsoft.com/office/drawing/2014/main" id="{46195768-F055-918E-19C2-CB5D35B56D1D}"/>
-                  </a:ext>
-                </a:extLst>
-              </p:cNvPr>
-              <p:cNvPicPr>
-                <a:picLocks noChangeAspect="1"/>
-              </p:cNvPicPr>
-              <p:nvPr/>
-            </p:nvPicPr>
-            <p:blipFill>
-              <a:blip r:embed="rId2">
-                <a:extLst>
-                  <a:ext uri="{96DAC541-7B7A-43D3-8B79-37D633B846F1}">
-                    <asvg:svgBlip xmlns:asvg="http://schemas.microsoft.com/office/drawing/2016/SVG/main" r:embed="rId3"/>
-                  </a:ext>
-                </a:extLst>
-              </a:blip>
-              <a:stretch>
-                <a:fillRect/>
-              </a:stretch>
-            </p:blipFill>
-            <p:spPr>
-              <a:xfrm>
-                <a:off x="4667250" y="571500"/>
-                <a:ext cx="2857500" cy="5715000"/>
-              </a:xfrm>
-              <a:prstGeom prst="rect">
-                <a:avLst/>
-              </a:prstGeom>
-            </p:spPr>
-          </p:pic>
-          <p:pic>
-            <p:nvPicPr>
-              <p:cNvPr id="25" name="Graphic 24">
-                <a:extLst>
-                  <a:ext uri="{FF2B5EF4-FFF2-40B4-BE49-F238E27FC236}">
-                    <a16:creationId xmlns:a16="http://schemas.microsoft.com/office/drawing/2014/main" id="{F781ED47-F0C9-6CE1-C795-B58AF2B58EBE}"/>
-                  </a:ext>
-                </a:extLst>
-              </p:cNvPr>
-              <p:cNvPicPr>
-                <a:picLocks noChangeAspect="1"/>
-              </p:cNvPicPr>
-              <p:nvPr/>
-            </p:nvPicPr>
-            <p:blipFill>
-              <a:blip r:embed="rId4">
-                <a:extLst>
-                  <a:ext uri="{96DAC541-7B7A-43D3-8B79-37D633B846F1}">
-                    <asvg:svgBlip xmlns:asvg="http://schemas.microsoft.com/office/drawing/2016/SVG/main" r:embed="rId5"/>
-                  </a:ext>
-                </a:extLst>
-              </a:blip>
-              <a:stretch>
-                <a:fillRect/>
-              </a:stretch>
-            </p:blipFill>
-            <p:spPr>
-              <a:xfrm>
-                <a:off x="4667250" y="571500"/>
-                <a:ext cx="2857500" cy="5715000"/>
-              </a:xfrm>
-              <a:prstGeom prst="rect">
-                <a:avLst/>
-              </a:prstGeom>
-            </p:spPr>
-          </p:pic>
-        </p:grpSp>
-        <p:pic>
-          <p:nvPicPr>
-            <p:cNvPr id="22" name="Graphic 21">
-              <a:extLst>
-                <a:ext uri="{FF2B5EF4-FFF2-40B4-BE49-F238E27FC236}">
-                  <a16:creationId xmlns:a16="http://schemas.microsoft.com/office/drawing/2014/main" id="{030C8CA0-408B-7FA1-C100-2BBF9045C343}"/>
-                </a:ext>
-              </a:extLst>
-            </p:cNvPr>
-            <p:cNvPicPr>
-              <a:picLocks noChangeAspect="1"/>
-            </p:cNvPicPr>
-            <p:nvPr/>
-          </p:nvPicPr>
-          <p:blipFill>
-            <a:blip r:embed="rId6">
-              <a:extLst>
-                <a:ext uri="{96DAC541-7B7A-43D3-8B79-37D633B846F1}">
-                  <asvg:svgBlip xmlns:asvg="http://schemas.microsoft.com/office/drawing/2016/SVG/main" r:embed="rId7"/>
-                </a:ext>
-              </a:extLst>
-            </a:blip>
-            <a:stretch>
-              <a:fillRect/>
-            </a:stretch>
-          </p:blipFill>
-          <p:spPr>
-            <a:xfrm>
-              <a:off x="-653142" y="-318018"/>
-              <a:ext cx="5673012" cy="11346024"/>
-            </a:xfrm>
-            <a:prstGeom prst="rect">
-              <a:avLst/>
-            </a:prstGeom>
-          </p:spPr>
-        </p:pic>
-      </p:grpSp>
-      <p:grpSp>
-        <p:nvGrpSpPr>
-          <p:cNvPr id="11" name="Group 10">
-            <a:extLst>
-              <a:ext uri="{FF2B5EF4-FFF2-40B4-BE49-F238E27FC236}">
-                <a16:creationId xmlns:a16="http://schemas.microsoft.com/office/drawing/2014/main" id="{695E3877-9775-E896-E5C0-3422AD657E2A}"/>
-              </a:ext>
-            </a:extLst>
-          </p:cNvPr>
-          <p:cNvGrpSpPr/>
-          <p:nvPr/>
-        </p:nvGrpSpPr>
-        <p:grpSpPr>
-          <a:xfrm>
-            <a:off x="3257161" y="-1521000"/>
-            <a:ext cx="5682342" cy="11346026"/>
-            <a:chOff x="-653142" y="-318020"/>
-            <a:chExt cx="5682342" cy="11346026"/>
-          </a:xfrm>
-        </p:grpSpPr>
-        <p:grpSp>
-          <p:nvGrpSpPr>
-            <p:cNvPr id="12" name="Group 11">
-              <a:extLst>
-                <a:ext uri="{FF2B5EF4-FFF2-40B4-BE49-F238E27FC236}">
-                  <a16:creationId xmlns:a16="http://schemas.microsoft.com/office/drawing/2014/main" id="{E1B5F99E-DAAB-40BB-CB81-ED3C998A6BCD}"/>
-                </a:ext>
-              </a:extLst>
-            </p:cNvPr>
-            <p:cNvGrpSpPr/>
-            <p:nvPr/>
-          </p:nvGrpSpPr>
-          <p:grpSpPr>
-            <a:xfrm>
-              <a:off x="-643813" y="-318020"/>
-              <a:ext cx="5673013" cy="11346026"/>
-              <a:chOff x="4667250" y="571500"/>
-              <a:chExt cx="2857500" cy="5715000"/>
-            </a:xfrm>
-          </p:grpSpPr>
-          <p:pic>
-            <p:nvPicPr>
-              <p:cNvPr id="14" name="Graphic 13">
-                <a:extLst>
-                  <a:ext uri="{FF2B5EF4-FFF2-40B4-BE49-F238E27FC236}">
-                    <a16:creationId xmlns:a16="http://schemas.microsoft.com/office/drawing/2014/main" id="{3102A77A-91E0-8E0C-96D9-DE03714C5499}"/>
-                  </a:ext>
-                </a:extLst>
-              </p:cNvPr>
-              <p:cNvPicPr>
-                <a:picLocks noChangeAspect="1"/>
-              </p:cNvPicPr>
-              <p:nvPr/>
-            </p:nvPicPr>
-            <p:blipFill>
-              <a:blip r:embed="rId2">
-                <a:extLst>
-                  <a:ext uri="{96DAC541-7B7A-43D3-8B79-37D633B846F1}">
-                    <asvg:svgBlip xmlns:asvg="http://schemas.microsoft.com/office/drawing/2016/SVG/main" r:embed="rId3"/>
-                  </a:ext>
-                </a:extLst>
-              </a:blip>
-              <a:stretch>
-                <a:fillRect/>
-              </a:stretch>
-            </p:blipFill>
-            <p:spPr>
-              <a:xfrm>
-                <a:off x="4667250" y="571500"/>
-                <a:ext cx="2857500" cy="5715000"/>
-              </a:xfrm>
-              <a:prstGeom prst="rect">
-                <a:avLst/>
-              </a:prstGeom>
-            </p:spPr>
-          </p:pic>
-          <p:pic>
-            <p:nvPicPr>
-              <p:cNvPr id="15" name="Graphic 14">
-                <a:extLst>
-                  <a:ext uri="{FF2B5EF4-FFF2-40B4-BE49-F238E27FC236}">
-                    <a16:creationId xmlns:a16="http://schemas.microsoft.com/office/drawing/2014/main" id="{5E5AD427-EADB-ECF4-E209-13CDD0C30DA0}"/>
-                  </a:ext>
-                </a:extLst>
-              </p:cNvPr>
-              <p:cNvPicPr>
-                <a:picLocks noChangeAspect="1"/>
-              </p:cNvPicPr>
-              <p:nvPr/>
-            </p:nvPicPr>
-            <p:blipFill>
-              <a:blip r:embed="rId4">
-                <a:extLst>
-                  <a:ext uri="{96DAC541-7B7A-43D3-8B79-37D633B846F1}">
-                    <asvg:svgBlip xmlns:asvg="http://schemas.microsoft.com/office/drawing/2016/SVG/main" r:embed="rId5"/>
-                  </a:ext>
-                </a:extLst>
-              </a:blip>
-              <a:stretch>
-                <a:fillRect/>
-              </a:stretch>
-            </p:blipFill>
-            <p:spPr>
-              <a:xfrm>
-                <a:off x="4667250" y="571500"/>
-                <a:ext cx="2857500" cy="5715000"/>
-              </a:xfrm>
-              <a:prstGeom prst="rect">
-                <a:avLst/>
-              </a:prstGeom>
-            </p:spPr>
-          </p:pic>
-        </p:grpSp>
-        <p:pic>
-          <p:nvPicPr>
-            <p:cNvPr id="13" name="Graphic 12">
-              <a:extLst>
-                <a:ext uri="{FF2B5EF4-FFF2-40B4-BE49-F238E27FC236}">
-                  <a16:creationId xmlns:a16="http://schemas.microsoft.com/office/drawing/2014/main" id="{AB025B59-987D-9CFF-ABC1-87B337B4FC52}"/>
-                </a:ext>
-              </a:extLst>
-            </p:cNvPr>
-            <p:cNvPicPr>
-              <a:picLocks noChangeAspect="1"/>
-            </p:cNvPicPr>
-            <p:nvPr/>
-          </p:nvPicPr>
-          <p:blipFill>
-            <a:blip r:embed="rId6">
-              <a:extLst>
-                <a:ext uri="{96DAC541-7B7A-43D3-8B79-37D633B846F1}">
-                  <asvg:svgBlip xmlns:asvg="http://schemas.microsoft.com/office/drawing/2016/SVG/main" r:embed="rId7"/>
-                </a:ext>
-              </a:extLst>
-            </a:blip>
-            <a:stretch>
-              <a:fillRect/>
-            </a:stretch>
-          </p:blipFill>
-          <p:spPr>
-            <a:xfrm>
-              <a:off x="-653142" y="-318018"/>
-              <a:ext cx="5673012" cy="11346024"/>
-            </a:xfrm>
-            <a:prstGeom prst="rect">
-              <a:avLst/>
-            </a:prstGeom>
-          </p:spPr>
-        </p:pic>
-      </p:grpSp>
-      <p:grpSp>
-        <p:nvGrpSpPr>
-          <p:cNvPr id="4" name="Group 3">
-            <a:extLst>
-              <a:ext uri="{FF2B5EF4-FFF2-40B4-BE49-F238E27FC236}">
-                <a16:creationId xmlns:a16="http://schemas.microsoft.com/office/drawing/2014/main" id="{B3BEF3EE-96EC-EB30-F605-96E27B667742}"/>
-              </a:ext>
-            </a:extLst>
-          </p:cNvPr>
-          <p:cNvGrpSpPr/>
-          <p:nvPr/>
-        </p:nvGrpSpPr>
-        <p:grpSpPr>
-          <a:xfrm>
-            <a:off x="-572279" y="-1503007"/>
-            <a:ext cx="5682342" cy="11346026"/>
-            <a:chOff x="-653142" y="-318020"/>
-            <a:chExt cx="5682342" cy="11346026"/>
-          </a:xfrm>
-        </p:grpSpPr>
-        <p:grpSp>
-          <p:nvGrpSpPr>
-            <p:cNvPr id="5" name="Group 4">
-              <a:extLst>
-                <a:ext uri="{FF2B5EF4-FFF2-40B4-BE49-F238E27FC236}">
-                  <a16:creationId xmlns:a16="http://schemas.microsoft.com/office/drawing/2014/main" id="{4B4893D1-4C24-1F26-BE52-155EECC5E298}"/>
-                </a:ext>
-              </a:extLst>
-            </p:cNvPr>
-            <p:cNvGrpSpPr/>
-            <p:nvPr/>
-          </p:nvGrpSpPr>
-          <p:grpSpPr>
-            <a:xfrm>
-              <a:off x="-643813" y="-318020"/>
-              <a:ext cx="5673013" cy="11346026"/>
-              <a:chOff x="4667250" y="571500"/>
-              <a:chExt cx="2857500" cy="5715000"/>
-            </a:xfrm>
-          </p:grpSpPr>
-          <p:pic>
-            <p:nvPicPr>
-              <p:cNvPr id="9" name="Graphic 8">
-                <a:extLst>
-                  <a:ext uri="{FF2B5EF4-FFF2-40B4-BE49-F238E27FC236}">
-                    <a16:creationId xmlns:a16="http://schemas.microsoft.com/office/drawing/2014/main" id="{4AB1AD10-79D9-A271-AD78-06DC33469EC7}"/>
-                  </a:ext>
-                </a:extLst>
-              </p:cNvPr>
-              <p:cNvPicPr>
-                <a:picLocks noChangeAspect="1"/>
-              </p:cNvPicPr>
-              <p:nvPr/>
-            </p:nvPicPr>
-            <p:blipFill>
-              <a:blip r:embed="rId2">
-                <a:extLst>
-                  <a:ext uri="{96DAC541-7B7A-43D3-8B79-37D633B846F1}">
-                    <asvg:svgBlip xmlns:asvg="http://schemas.microsoft.com/office/drawing/2016/SVG/main" r:embed="rId3"/>
-                  </a:ext>
-                </a:extLst>
-              </a:blip>
-              <a:stretch>
-                <a:fillRect/>
-              </a:stretch>
-            </p:blipFill>
-            <p:spPr>
-              <a:xfrm>
-                <a:off x="4667250" y="571500"/>
-                <a:ext cx="2857500" cy="5715000"/>
-              </a:xfrm>
-              <a:prstGeom prst="rect">
-                <a:avLst/>
-              </a:prstGeom>
-            </p:spPr>
-          </p:pic>
-          <p:pic>
-            <p:nvPicPr>
-              <p:cNvPr id="10" name="Graphic 9">
-                <a:extLst>
-                  <a:ext uri="{FF2B5EF4-FFF2-40B4-BE49-F238E27FC236}">
-                    <a16:creationId xmlns:a16="http://schemas.microsoft.com/office/drawing/2014/main" id="{3AA2B974-C43A-30AE-C77F-8F8DC4D20797}"/>
-                  </a:ext>
-                </a:extLst>
-              </p:cNvPr>
-              <p:cNvPicPr>
-                <a:picLocks noChangeAspect="1"/>
-              </p:cNvPicPr>
-              <p:nvPr/>
-            </p:nvPicPr>
-            <p:blipFill>
-              <a:blip r:embed="rId4">
-                <a:extLst>
-                  <a:ext uri="{96DAC541-7B7A-43D3-8B79-37D633B846F1}">
-                    <asvg:svgBlip xmlns:asvg="http://schemas.microsoft.com/office/drawing/2016/SVG/main" r:embed="rId5"/>
-                  </a:ext>
-                </a:extLst>
-              </a:blip>
-              <a:stretch>
-                <a:fillRect/>
-              </a:stretch>
-            </p:blipFill>
-            <p:spPr>
-              <a:xfrm>
-                <a:off x="4667250" y="571500"/>
-                <a:ext cx="2857500" cy="5715000"/>
-              </a:xfrm>
-              <a:prstGeom prst="rect">
-                <a:avLst/>
-              </a:prstGeom>
-            </p:spPr>
-          </p:pic>
-        </p:grpSp>
-        <p:pic>
-          <p:nvPicPr>
-            <p:cNvPr id="8" name="Graphic 7">
-              <a:extLst>
-                <a:ext uri="{FF2B5EF4-FFF2-40B4-BE49-F238E27FC236}">
-                  <a16:creationId xmlns:a16="http://schemas.microsoft.com/office/drawing/2014/main" id="{EAABD3C7-54E2-CBD5-6D84-1F1688833F3A}"/>
-                </a:ext>
-              </a:extLst>
-            </p:cNvPr>
-            <p:cNvPicPr>
-              <a:picLocks noChangeAspect="1"/>
-            </p:cNvPicPr>
-            <p:nvPr/>
-          </p:nvPicPr>
-          <p:blipFill>
-            <a:blip r:embed="rId6">
-              <a:extLst>
-                <a:ext uri="{96DAC541-7B7A-43D3-8B79-37D633B846F1}">
-                  <asvg:svgBlip xmlns:asvg="http://schemas.microsoft.com/office/drawing/2016/SVG/main" r:embed="rId7"/>
-                </a:ext>
-              </a:extLst>
-            </a:blip>
-            <a:stretch>
-              <a:fillRect/>
-            </a:stretch>
-          </p:blipFill>
-          <p:spPr>
-            <a:xfrm>
-              <a:off x="-653142" y="-318018"/>
-              <a:ext cx="5673012" cy="11346024"/>
-            </a:xfrm>
-            <a:prstGeom prst="rect">
-              <a:avLst/>
-            </a:prstGeom>
-          </p:spPr>
-        </p:pic>
-      </p:grpSp>
-      <p:cxnSp>
-        <p:nvCxnSpPr>
-          <p:cNvPr id="2" name="Straight Arrow Connector 1">
-            <a:extLst>
-              <a:ext uri="{FF2B5EF4-FFF2-40B4-BE49-F238E27FC236}">
-                <a16:creationId xmlns:a16="http://schemas.microsoft.com/office/drawing/2014/main" id="{71F6EB70-82A7-734F-934D-2D17D86FC3DA}"/>
-              </a:ext>
-            </a:extLst>
-          </p:cNvPr>
-          <p:cNvCxnSpPr>
-            <a:cxnSpLocks/>
-          </p:cNvCxnSpPr>
-          <p:nvPr/>
-        </p:nvCxnSpPr>
-        <p:spPr>
-          <a:xfrm>
-            <a:off x="5253135" y="3215957"/>
-            <a:ext cx="933061" cy="0"/>
-          </a:xfrm>
-          <a:prstGeom prst="straightConnector1">
-            <a:avLst/>
-          </a:prstGeom>
-          <a:ln w="38100">
-            <a:solidFill>
-              <a:srgbClr val="CCFF99"/>
-            </a:solidFill>
-            <a:headEnd type="none" w="med" len="med"/>
-            <a:tailEnd type="triangle" w="med" len="med"/>
-          </a:ln>
-        </p:spPr>
-        <p:style>
-          <a:lnRef idx="1">
-            <a:schemeClr val="accent1"/>
-          </a:lnRef>
-          <a:fillRef idx="0">
-            <a:schemeClr val="accent1"/>
-          </a:fillRef>
-          <a:effectRef idx="0">
-            <a:schemeClr val="accent1"/>
-          </a:effectRef>
-          <a:fontRef idx="minor">
-            <a:schemeClr val="tx1"/>
-          </a:fontRef>
-        </p:style>
-      </p:cxnSp>
-      <p:cxnSp>
-        <p:nvCxnSpPr>
-          <p:cNvPr id="3" name="Straight Arrow Connector 2">
-            <a:extLst>
-              <a:ext uri="{FF2B5EF4-FFF2-40B4-BE49-F238E27FC236}">
-                <a16:creationId xmlns:a16="http://schemas.microsoft.com/office/drawing/2014/main" id="{A44A9AA5-B0B3-B5A2-EFA7-FE2EA0BFE43B}"/>
-              </a:ext>
-            </a:extLst>
-          </p:cNvPr>
-          <p:cNvCxnSpPr>
-            <a:cxnSpLocks/>
-          </p:cNvCxnSpPr>
-          <p:nvPr/>
-        </p:nvCxnSpPr>
-        <p:spPr>
-          <a:xfrm>
-            <a:off x="5710336" y="3215957"/>
-            <a:ext cx="1240970" cy="0"/>
-          </a:xfrm>
-          <a:prstGeom prst="straightConnector1">
-            <a:avLst/>
-          </a:prstGeom>
-          <a:ln w="38100">
-            <a:solidFill>
-              <a:srgbClr val="CCFF99"/>
-            </a:solidFill>
-            <a:headEnd type="none" w="med" len="med"/>
-            <a:tailEnd type="none" w="med" len="med"/>
-          </a:ln>
-        </p:spPr>
-        <p:style>
-          <a:lnRef idx="1">
-            <a:schemeClr val="accent1"/>
-          </a:lnRef>
-          <a:fillRef idx="0">
-            <a:schemeClr val="accent1"/>
-          </a:fillRef>
-          <a:effectRef idx="0">
-            <a:schemeClr val="accent1"/>
-          </a:effectRef>
-          <a:fontRef idx="minor">
-            <a:schemeClr val="tx1"/>
-          </a:fontRef>
-        </p:style>
-      </p:cxnSp>
-      <p:cxnSp>
-        <p:nvCxnSpPr>
-          <p:cNvPr id="24" name="Straight Arrow Connector 23">
-            <a:extLst>
-              <a:ext uri="{FF2B5EF4-FFF2-40B4-BE49-F238E27FC236}">
-                <a16:creationId xmlns:a16="http://schemas.microsoft.com/office/drawing/2014/main" id="{71C74843-1F64-5891-A956-F481446C9681}"/>
-              </a:ext>
-            </a:extLst>
-          </p:cNvPr>
-          <p:cNvCxnSpPr>
-            <a:cxnSpLocks/>
-          </p:cNvCxnSpPr>
-          <p:nvPr/>
-        </p:nvCxnSpPr>
-        <p:spPr>
-          <a:xfrm>
-            <a:off x="1603309" y="2833401"/>
-            <a:ext cx="755780" cy="0"/>
-          </a:xfrm>
-          <a:prstGeom prst="straightConnector1">
-            <a:avLst/>
-          </a:prstGeom>
-          <a:ln w="38100">
-            <a:solidFill>
-              <a:srgbClr val="CCFF99"/>
-            </a:solidFill>
-            <a:headEnd type="none" w="med" len="med"/>
-            <a:tailEnd type="triangle" w="med" len="med"/>
-          </a:ln>
-        </p:spPr>
-        <p:style>
-          <a:lnRef idx="1">
-            <a:schemeClr val="accent1"/>
-          </a:lnRef>
-          <a:fillRef idx="0">
-            <a:schemeClr val="accent1"/>
-          </a:fillRef>
-          <a:effectRef idx="0">
-            <a:schemeClr val="accent1"/>
-          </a:effectRef>
-          <a:fontRef idx="minor">
-            <a:schemeClr val="tx1"/>
-          </a:fontRef>
-        </p:style>
-      </p:cxnSp>
-      <p:cxnSp>
-        <p:nvCxnSpPr>
-          <p:cNvPr id="26" name="Straight Arrow Connector 25">
-            <a:extLst>
-              <a:ext uri="{FF2B5EF4-FFF2-40B4-BE49-F238E27FC236}">
-                <a16:creationId xmlns:a16="http://schemas.microsoft.com/office/drawing/2014/main" id="{E56DF869-0EE1-9628-0B4A-B7DFDD67BE02}"/>
-              </a:ext>
-            </a:extLst>
-          </p:cNvPr>
-          <p:cNvCxnSpPr>
-            <a:cxnSpLocks/>
-          </p:cNvCxnSpPr>
-          <p:nvPr/>
-        </p:nvCxnSpPr>
-        <p:spPr>
-          <a:xfrm>
-            <a:off x="1883229" y="2833401"/>
-            <a:ext cx="1045027" cy="0"/>
-          </a:xfrm>
-          <a:prstGeom prst="straightConnector1">
-            <a:avLst/>
-          </a:prstGeom>
-          <a:ln w="38100">
-            <a:solidFill>
-              <a:srgbClr val="CCFF99"/>
-            </a:solidFill>
-            <a:headEnd type="none" w="med" len="med"/>
-            <a:tailEnd type="none" w="med" len="med"/>
-          </a:ln>
-        </p:spPr>
-        <p:style>
-          <a:lnRef idx="1">
-            <a:schemeClr val="accent1"/>
-          </a:lnRef>
-          <a:fillRef idx="0">
-            <a:schemeClr val="accent1"/>
-          </a:fillRef>
-          <a:effectRef idx="0">
-            <a:schemeClr val="accent1"/>
-          </a:effectRef>
-          <a:fontRef idx="minor">
-            <a:schemeClr val="tx1"/>
-          </a:fontRef>
-        </p:style>
-      </p:cxnSp>
-      <p:cxnSp>
-        <p:nvCxnSpPr>
-          <p:cNvPr id="43" name="Straight Arrow Connector 42">
-            <a:extLst>
-              <a:ext uri="{FF2B5EF4-FFF2-40B4-BE49-F238E27FC236}">
-                <a16:creationId xmlns:a16="http://schemas.microsoft.com/office/drawing/2014/main" id="{1AB61305-7D2B-57B6-E460-C7DFE4F48428}"/>
-              </a:ext>
-            </a:extLst>
-          </p:cNvPr>
-          <p:cNvCxnSpPr>
-            <a:cxnSpLocks/>
-          </p:cNvCxnSpPr>
-          <p:nvPr/>
-        </p:nvCxnSpPr>
-        <p:spPr>
-          <a:xfrm>
-            <a:off x="8904513" y="4232994"/>
-            <a:ext cx="1080797" cy="0"/>
-          </a:xfrm>
-          <a:prstGeom prst="straightConnector1">
-            <a:avLst/>
-          </a:prstGeom>
-          <a:ln w="38100">
-            <a:solidFill>
-              <a:srgbClr val="CCFF99"/>
-            </a:solidFill>
-            <a:headEnd type="none" w="med" len="med"/>
-            <a:tailEnd type="triangle" w="med" len="med"/>
-          </a:ln>
-        </p:spPr>
-        <p:style>
-          <a:lnRef idx="1">
-            <a:schemeClr val="accent1"/>
-          </a:lnRef>
-          <a:fillRef idx="0">
-            <a:schemeClr val="accent1"/>
-          </a:fillRef>
-          <a:effectRef idx="0">
-            <a:schemeClr val="accent1"/>
-          </a:effectRef>
-          <a:fontRef idx="minor">
-            <a:schemeClr val="tx1"/>
-          </a:fontRef>
-        </p:style>
-      </p:cxnSp>
-      <p:cxnSp>
-        <p:nvCxnSpPr>
-          <p:cNvPr id="44" name="Straight Arrow Connector 43">
-            <a:extLst>
-              <a:ext uri="{FF2B5EF4-FFF2-40B4-BE49-F238E27FC236}">
-                <a16:creationId xmlns:a16="http://schemas.microsoft.com/office/drawing/2014/main" id="{B10B1A7B-F835-1EAF-EAF9-32130FE56988}"/>
-              </a:ext>
-            </a:extLst>
-          </p:cNvPr>
-          <p:cNvCxnSpPr>
-            <a:cxnSpLocks/>
-          </p:cNvCxnSpPr>
-          <p:nvPr/>
-        </p:nvCxnSpPr>
-        <p:spPr>
-          <a:xfrm>
-            <a:off x="9537443" y="4232994"/>
-            <a:ext cx="1416696" cy="0"/>
-          </a:xfrm>
-          <a:prstGeom prst="straightConnector1">
-            <a:avLst/>
-          </a:prstGeom>
-          <a:ln w="38100">
-            <a:solidFill>
-              <a:srgbClr val="CCFF99"/>
-            </a:solidFill>
-            <a:headEnd type="none" w="med" len="med"/>
-            <a:tailEnd type="none" w="med" len="med"/>
-          </a:ln>
-        </p:spPr>
-        <p:style>
-          <a:lnRef idx="1">
-            <a:schemeClr val="accent1"/>
-          </a:lnRef>
-          <a:fillRef idx="0">
-            <a:schemeClr val="accent1"/>
-          </a:fillRef>
-          <a:effectRef idx="0">
-            <a:schemeClr val="accent1"/>
-          </a:effectRef>
-          <a:fontRef idx="minor">
-            <a:schemeClr val="tx1"/>
-          </a:fontRef>
-        </p:style>
-      </p:cxnSp>
-    </p:spTree>
-    <p:extLst>
-      <p:ext uri="{BB962C8B-B14F-4D97-AF65-F5344CB8AC3E}">
-        <p14:creationId xmlns:p14="http://schemas.microsoft.com/office/powerpoint/2010/main" val="3677288008"/>
-      </p:ext>
-    </p:extLst>
-  </p:cSld>
-  <p:clrMapOvr>
-    <a:masterClrMapping/>
-  </p:clrMapOvr>
-</p:sld>
-</file>
-
-<file path=ppt/slides/slide60.xml><?xml version="1.0" encoding="utf-8"?>
+<file path=ppt/slides/slide63.xml><?xml version="1.0" encoding="utf-8"?>
 <p:sld xmlns:a="http://schemas.openxmlformats.org/drawingml/2006/main" xmlns:r="http://schemas.openxmlformats.org/officeDocument/2006/relationships" xmlns:p="http://schemas.openxmlformats.org/presentationml/2006/main">
   <p:cSld>
     <p:spTree>
